--- a/系館密室大逃脫.pptx
+++ b/系館密室大逃脫.pptx
@@ -7,25 +7,26 @@
     <p:sldMasterId id="2147483724" r:id="rId3"/>
   </p:sldMasterIdLst>
   <p:notesMasterIdLst>
-    <p:notesMasterId r:id="rId15"/>
+    <p:notesMasterId r:id="rId16"/>
   </p:notesMasterIdLst>
   <p:sldIdLst>
     <p:sldId id="472" r:id="rId4"/>
     <p:sldId id="474" r:id="rId5"/>
     <p:sldId id="506" r:id="rId6"/>
     <p:sldId id="521" r:id="rId7"/>
-    <p:sldId id="527" r:id="rId8"/>
-    <p:sldId id="523" r:id="rId9"/>
-    <p:sldId id="524" r:id="rId10"/>
-    <p:sldId id="525" r:id="rId11"/>
-    <p:sldId id="526" r:id="rId12"/>
-    <p:sldId id="528" r:id="rId13"/>
-    <p:sldId id="473" r:id="rId14"/>
+    <p:sldId id="529" r:id="rId8"/>
+    <p:sldId id="527" r:id="rId9"/>
+    <p:sldId id="523" r:id="rId10"/>
+    <p:sldId id="524" r:id="rId11"/>
+    <p:sldId id="525" r:id="rId12"/>
+    <p:sldId id="526" r:id="rId13"/>
+    <p:sldId id="528" r:id="rId14"/>
+    <p:sldId id="473" r:id="rId15"/>
   </p:sldIdLst>
   <p:sldSz cx="12192000" cy="6858000"/>
   <p:notesSz cx="6858000" cy="9144000"/>
   <p:custDataLst>
-    <p:tags r:id="rId16"/>
+    <p:tags r:id="rId17"/>
   </p:custDataLst>
   <p:defaultTextStyle>
     <a:defPPr>
@@ -1032,13 +1033,8 @@
         <a:p>
           <a:r>
             <a:rPr lang="zh-TW" dirty="0"/>
-            <a:t>四</a:t>
+            <a:t>四樓</a:t>
           </a:r>
-          <a:r>
-            <a:rPr lang="zh-TW" dirty="0" smtClean="0"/>
-            <a:t>樓</a:t>
-          </a:r>
-          <a:endParaRPr lang="zh-TW" dirty="0"/>
         </a:p>
       </dgm:t>
     </dgm:pt>
@@ -1334,13 +1330,6 @@
         </dgm:presLayoutVars>
       </dgm:prSet>
       <dgm:spPr/>
-      <dgm:t>
-        <a:bodyPr/>
-        <a:lstStyle/>
-        <a:p>
-          <a:endParaRPr lang="zh-TW" altLang="en-US"/>
-        </a:p>
-      </dgm:t>
     </dgm:pt>
     <dgm:pt modelId="{68E0E28C-C32B-4166-969A-2569B84D79B8}" type="pres">
       <dgm:prSet presAssocID="{9EC60AEE-5E4E-4C94-A220-BDAF15833BB6}" presName="hierRoot1" presStyleCnt="0">
@@ -1361,24 +1350,10 @@
         </dgm:presLayoutVars>
       </dgm:prSet>
       <dgm:spPr/>
-      <dgm:t>
-        <a:bodyPr/>
-        <a:lstStyle/>
-        <a:p>
-          <a:endParaRPr lang="zh-TW" altLang="en-US"/>
-        </a:p>
-      </dgm:t>
     </dgm:pt>
     <dgm:pt modelId="{B1136337-536E-4311-8EF8-FC3245A5B538}" type="pres">
       <dgm:prSet presAssocID="{9EC60AEE-5E4E-4C94-A220-BDAF15833BB6}" presName="rootConnector1" presStyleLbl="node1" presStyleIdx="0" presStyleCnt="0"/>
       <dgm:spPr/>
-      <dgm:t>
-        <a:bodyPr/>
-        <a:lstStyle/>
-        <a:p>
-          <a:endParaRPr lang="zh-TW" altLang="en-US"/>
-        </a:p>
-      </dgm:t>
     </dgm:pt>
     <dgm:pt modelId="{4016A7F4-C648-46FF-AEAB-E6D056104AC5}" type="pres">
       <dgm:prSet presAssocID="{9EC60AEE-5E4E-4C94-A220-BDAF15833BB6}" presName="hierChild2" presStyleCnt="0"/>
@@ -1387,13 +1362,6 @@
     <dgm:pt modelId="{01CE560C-B17E-4D88-A95A-4BD98DEA1192}" type="pres">
       <dgm:prSet presAssocID="{78471CD8-0CB2-4CB0-B729-0DBF8D683EF2}" presName="Name64" presStyleLbl="parChTrans1D2" presStyleIdx="0" presStyleCnt="6"/>
       <dgm:spPr/>
-      <dgm:t>
-        <a:bodyPr/>
-        <a:lstStyle/>
-        <a:p>
-          <a:endParaRPr lang="zh-TW" altLang="en-US"/>
-        </a:p>
-      </dgm:t>
     </dgm:pt>
     <dgm:pt modelId="{07D72B8A-E3B8-4E2C-9665-B7B369843B2A}" type="pres">
       <dgm:prSet presAssocID="{8751CF98-D202-44D7-B1CE-E14BBF794823}" presName="hierRoot2" presStyleCnt="0">
@@ -1414,24 +1382,10 @@
         </dgm:presLayoutVars>
       </dgm:prSet>
       <dgm:spPr/>
-      <dgm:t>
-        <a:bodyPr/>
-        <a:lstStyle/>
-        <a:p>
-          <a:endParaRPr lang="zh-TW" altLang="en-US"/>
-        </a:p>
-      </dgm:t>
     </dgm:pt>
     <dgm:pt modelId="{42D8300F-6503-42E4-87AC-CF3A6013013A}" type="pres">
       <dgm:prSet presAssocID="{8751CF98-D202-44D7-B1CE-E14BBF794823}" presName="rootConnector" presStyleLbl="node2" presStyleIdx="0" presStyleCnt="6"/>
       <dgm:spPr/>
-      <dgm:t>
-        <a:bodyPr/>
-        <a:lstStyle/>
-        <a:p>
-          <a:endParaRPr lang="zh-TW" altLang="en-US"/>
-        </a:p>
-      </dgm:t>
     </dgm:pt>
     <dgm:pt modelId="{408B7940-5C62-4E5C-89DD-721D03987EF8}" type="pres">
       <dgm:prSet presAssocID="{8751CF98-D202-44D7-B1CE-E14BBF794823}" presName="hierChild4" presStyleCnt="0"/>
@@ -1444,13 +1398,6 @@
     <dgm:pt modelId="{ED2A72E6-77BE-4D70-B16C-B744A04C5B50}" type="pres">
       <dgm:prSet presAssocID="{6C63741B-AD3F-4B42-A104-99C6F59A5097}" presName="Name64" presStyleLbl="parChTrans1D2" presStyleIdx="1" presStyleCnt="6"/>
       <dgm:spPr/>
-      <dgm:t>
-        <a:bodyPr/>
-        <a:lstStyle/>
-        <a:p>
-          <a:endParaRPr lang="zh-TW" altLang="en-US"/>
-        </a:p>
-      </dgm:t>
     </dgm:pt>
     <dgm:pt modelId="{8A9905EC-8BE3-43CB-A6DB-F40A269190D4}" type="pres">
       <dgm:prSet presAssocID="{964C5660-DB82-4CE9-B84F-0122CA6C84BE}" presName="hierRoot2" presStyleCnt="0">
@@ -1471,24 +1418,10 @@
         </dgm:presLayoutVars>
       </dgm:prSet>
       <dgm:spPr/>
-      <dgm:t>
-        <a:bodyPr/>
-        <a:lstStyle/>
-        <a:p>
-          <a:endParaRPr lang="zh-TW" altLang="en-US"/>
-        </a:p>
-      </dgm:t>
     </dgm:pt>
     <dgm:pt modelId="{113432D0-8F1E-4023-AF8B-4D9D7D535B28}" type="pres">
       <dgm:prSet presAssocID="{964C5660-DB82-4CE9-B84F-0122CA6C84BE}" presName="rootConnector" presStyleLbl="node2" presStyleIdx="1" presStyleCnt="6"/>
       <dgm:spPr/>
-      <dgm:t>
-        <a:bodyPr/>
-        <a:lstStyle/>
-        <a:p>
-          <a:endParaRPr lang="zh-TW" altLang="en-US"/>
-        </a:p>
-      </dgm:t>
     </dgm:pt>
     <dgm:pt modelId="{B9372B03-CCFC-4F91-A121-123CD4162161}" type="pres">
       <dgm:prSet presAssocID="{964C5660-DB82-4CE9-B84F-0122CA6C84BE}" presName="hierChild4" presStyleCnt="0"/>
@@ -1497,13 +1430,6 @@
     <dgm:pt modelId="{A347DB8B-4C84-4049-9B32-7329AFCB6A37}" type="pres">
       <dgm:prSet presAssocID="{8738BAD2-CC99-456E-8195-2E64096D51F2}" presName="Name64" presStyleLbl="parChTrans1D3" presStyleIdx="0" presStyleCnt="3"/>
       <dgm:spPr/>
-      <dgm:t>
-        <a:bodyPr/>
-        <a:lstStyle/>
-        <a:p>
-          <a:endParaRPr lang="zh-TW" altLang="en-US"/>
-        </a:p>
-      </dgm:t>
     </dgm:pt>
     <dgm:pt modelId="{9BD3CFBB-F295-4F08-93FD-50712FD27A9E}" type="pres">
       <dgm:prSet presAssocID="{CE39FCA9-51E2-42E2-BE2E-72A8C71B13EA}" presName="hierRoot2" presStyleCnt="0">
@@ -1524,24 +1450,10 @@
         </dgm:presLayoutVars>
       </dgm:prSet>
       <dgm:spPr/>
-      <dgm:t>
-        <a:bodyPr/>
-        <a:lstStyle/>
-        <a:p>
-          <a:endParaRPr lang="zh-TW" altLang="en-US"/>
-        </a:p>
-      </dgm:t>
     </dgm:pt>
     <dgm:pt modelId="{98C040D8-1FB0-4E40-A2C1-84019E64CE73}" type="pres">
       <dgm:prSet presAssocID="{CE39FCA9-51E2-42E2-BE2E-72A8C71B13EA}" presName="rootConnector" presStyleLbl="node3" presStyleIdx="0" presStyleCnt="3"/>
       <dgm:spPr/>
-      <dgm:t>
-        <a:bodyPr/>
-        <a:lstStyle/>
-        <a:p>
-          <a:endParaRPr lang="zh-TW" altLang="en-US"/>
-        </a:p>
-      </dgm:t>
     </dgm:pt>
     <dgm:pt modelId="{A18D0953-EAE1-437F-9F79-345FFADFFB6E}" type="pres">
       <dgm:prSet presAssocID="{CE39FCA9-51E2-42E2-BE2E-72A8C71B13EA}" presName="hierChild4" presStyleCnt="0"/>
@@ -1558,13 +1470,6 @@
     <dgm:pt modelId="{11C747E1-DC9D-403C-99BA-8D2A9FF3A93D}" type="pres">
       <dgm:prSet presAssocID="{36DE2BBA-4577-45E1-8D3D-E3659D07868B}" presName="Name64" presStyleLbl="parChTrans1D2" presStyleIdx="2" presStyleCnt="6"/>
       <dgm:spPr/>
-      <dgm:t>
-        <a:bodyPr/>
-        <a:lstStyle/>
-        <a:p>
-          <a:endParaRPr lang="zh-TW" altLang="en-US"/>
-        </a:p>
-      </dgm:t>
     </dgm:pt>
     <dgm:pt modelId="{E8E2CB36-5F47-4EFE-8815-E255FE489836}" type="pres">
       <dgm:prSet presAssocID="{DC2F09ED-25AE-4E21-887D-D7DEC6A4D612}" presName="hierRoot2" presStyleCnt="0">
@@ -1585,24 +1490,10 @@
         </dgm:presLayoutVars>
       </dgm:prSet>
       <dgm:spPr/>
-      <dgm:t>
-        <a:bodyPr/>
-        <a:lstStyle/>
-        <a:p>
-          <a:endParaRPr lang="zh-TW" altLang="en-US"/>
-        </a:p>
-      </dgm:t>
     </dgm:pt>
     <dgm:pt modelId="{F90312A6-B10B-4659-8E39-7FB9AA27A1F7}" type="pres">
       <dgm:prSet presAssocID="{DC2F09ED-25AE-4E21-887D-D7DEC6A4D612}" presName="rootConnector" presStyleLbl="node2" presStyleIdx="2" presStyleCnt="6"/>
       <dgm:spPr/>
-      <dgm:t>
-        <a:bodyPr/>
-        <a:lstStyle/>
-        <a:p>
-          <a:endParaRPr lang="zh-TW" altLang="en-US"/>
-        </a:p>
-      </dgm:t>
     </dgm:pt>
     <dgm:pt modelId="{FE3D683C-9787-4A1B-8EE4-9426CC990965}" type="pres">
       <dgm:prSet presAssocID="{DC2F09ED-25AE-4E21-887D-D7DEC6A4D612}" presName="hierChild4" presStyleCnt="0"/>
@@ -1611,13 +1502,6 @@
     <dgm:pt modelId="{101F917A-773B-4D0A-B1CE-C281B93CD456}" type="pres">
       <dgm:prSet presAssocID="{237B5B17-9FEC-40DD-BFDD-5D03EAB62932}" presName="Name64" presStyleLbl="parChTrans1D3" presStyleIdx="1" presStyleCnt="3"/>
       <dgm:spPr/>
-      <dgm:t>
-        <a:bodyPr/>
-        <a:lstStyle/>
-        <a:p>
-          <a:endParaRPr lang="zh-TW" altLang="en-US"/>
-        </a:p>
-      </dgm:t>
     </dgm:pt>
     <dgm:pt modelId="{00595259-37DE-49A9-8C85-1C4E7663C4B7}" type="pres">
       <dgm:prSet presAssocID="{74EFD9A9-284B-40C2-AD26-9AE4F671C67F}" presName="hierRoot2" presStyleCnt="0">
@@ -1638,24 +1522,10 @@
         </dgm:presLayoutVars>
       </dgm:prSet>
       <dgm:spPr/>
-      <dgm:t>
-        <a:bodyPr/>
-        <a:lstStyle/>
-        <a:p>
-          <a:endParaRPr lang="zh-TW" altLang="en-US"/>
-        </a:p>
-      </dgm:t>
     </dgm:pt>
     <dgm:pt modelId="{A3FF06D4-278F-437A-AD53-32BBECC02542}" type="pres">
       <dgm:prSet presAssocID="{74EFD9A9-284B-40C2-AD26-9AE4F671C67F}" presName="rootConnector" presStyleLbl="node3" presStyleIdx="1" presStyleCnt="3"/>
       <dgm:spPr/>
-      <dgm:t>
-        <a:bodyPr/>
-        <a:lstStyle/>
-        <a:p>
-          <a:endParaRPr lang="zh-TW" altLang="en-US"/>
-        </a:p>
-      </dgm:t>
     </dgm:pt>
     <dgm:pt modelId="{60C14EB4-C77F-4531-AF92-E09119C5D640}" type="pres">
       <dgm:prSet presAssocID="{74EFD9A9-284B-40C2-AD26-9AE4F671C67F}" presName="hierChild4" presStyleCnt="0"/>
@@ -1672,13 +1542,6 @@
     <dgm:pt modelId="{3F65F72D-C093-4D20-9146-3DAF15956C68}" type="pres">
       <dgm:prSet presAssocID="{5186595E-5121-4FE6-9D11-36C2B906E1F4}" presName="Name64" presStyleLbl="parChTrans1D2" presStyleIdx="3" presStyleCnt="6"/>
       <dgm:spPr/>
-      <dgm:t>
-        <a:bodyPr/>
-        <a:lstStyle/>
-        <a:p>
-          <a:endParaRPr lang="zh-TW" altLang="en-US"/>
-        </a:p>
-      </dgm:t>
     </dgm:pt>
     <dgm:pt modelId="{E339E4D5-D1E6-4870-98E8-2155B860AE9D}" type="pres">
       <dgm:prSet presAssocID="{2A9E60CA-E74E-4CED-A999-2FAA475A1520}" presName="hierRoot2" presStyleCnt="0">
@@ -1699,24 +1562,10 @@
         </dgm:presLayoutVars>
       </dgm:prSet>
       <dgm:spPr/>
-      <dgm:t>
-        <a:bodyPr/>
-        <a:lstStyle/>
-        <a:p>
-          <a:endParaRPr lang="zh-TW" altLang="en-US"/>
-        </a:p>
-      </dgm:t>
     </dgm:pt>
     <dgm:pt modelId="{E9AFF166-F887-48C8-94E1-5505B5E5E721}" type="pres">
       <dgm:prSet presAssocID="{2A9E60CA-E74E-4CED-A999-2FAA475A1520}" presName="rootConnector" presStyleLbl="node2" presStyleIdx="3" presStyleCnt="6"/>
       <dgm:spPr/>
-      <dgm:t>
-        <a:bodyPr/>
-        <a:lstStyle/>
-        <a:p>
-          <a:endParaRPr lang="zh-TW" altLang="en-US"/>
-        </a:p>
-      </dgm:t>
     </dgm:pt>
     <dgm:pt modelId="{6B29BE53-FDBF-4EC3-9666-A0B8C4AF5B80}" type="pres">
       <dgm:prSet presAssocID="{2A9E60CA-E74E-4CED-A999-2FAA475A1520}" presName="hierChild4" presStyleCnt="0"/>
@@ -1725,13 +1574,6 @@
     <dgm:pt modelId="{27BD5B8A-B220-4CBD-9E0B-E4ACC2DC997E}" type="pres">
       <dgm:prSet presAssocID="{47D54325-33D3-42E8-9F66-085CAE0918E0}" presName="Name64" presStyleLbl="parChTrans1D3" presStyleIdx="2" presStyleCnt="3"/>
       <dgm:spPr/>
-      <dgm:t>
-        <a:bodyPr/>
-        <a:lstStyle/>
-        <a:p>
-          <a:endParaRPr lang="zh-TW" altLang="en-US"/>
-        </a:p>
-      </dgm:t>
     </dgm:pt>
     <dgm:pt modelId="{7424158C-0C39-4F6F-89BC-0BC09547C4A3}" type="pres">
       <dgm:prSet presAssocID="{B81AC6F3-2442-41D4-9FD1-0673E86098E8}" presName="hierRoot2" presStyleCnt="0">
@@ -1752,24 +1594,10 @@
         </dgm:presLayoutVars>
       </dgm:prSet>
       <dgm:spPr/>
-      <dgm:t>
-        <a:bodyPr/>
-        <a:lstStyle/>
-        <a:p>
-          <a:endParaRPr lang="zh-TW" altLang="en-US"/>
-        </a:p>
-      </dgm:t>
     </dgm:pt>
     <dgm:pt modelId="{0E1E4098-9809-4219-819F-AA010277DB0E}" type="pres">
       <dgm:prSet presAssocID="{B81AC6F3-2442-41D4-9FD1-0673E86098E8}" presName="rootConnector" presStyleLbl="node3" presStyleIdx="2" presStyleCnt="3"/>
       <dgm:spPr/>
-      <dgm:t>
-        <a:bodyPr/>
-        <a:lstStyle/>
-        <a:p>
-          <a:endParaRPr lang="zh-TW" altLang="en-US"/>
-        </a:p>
-      </dgm:t>
     </dgm:pt>
     <dgm:pt modelId="{B0CADBDE-717F-41D3-BDD8-91D2CA8E276F}" type="pres">
       <dgm:prSet presAssocID="{B81AC6F3-2442-41D4-9FD1-0673E86098E8}" presName="hierChild4" presStyleCnt="0"/>
@@ -1786,13 +1614,6 @@
     <dgm:pt modelId="{867CFA56-307E-4950-8192-AC725A25654B}" type="pres">
       <dgm:prSet presAssocID="{086A9DBD-C0F0-4E7F-BD4D-399247611328}" presName="Name64" presStyleLbl="parChTrans1D2" presStyleIdx="4" presStyleCnt="6"/>
       <dgm:spPr/>
-      <dgm:t>
-        <a:bodyPr/>
-        <a:lstStyle/>
-        <a:p>
-          <a:endParaRPr lang="zh-TW" altLang="en-US"/>
-        </a:p>
-      </dgm:t>
     </dgm:pt>
     <dgm:pt modelId="{9F55AB53-2952-4F85-A598-2F90B9AECE23}" type="pres">
       <dgm:prSet presAssocID="{971D61A8-3B1A-4176-B0E0-FCA45E813FD2}" presName="hierRoot2" presStyleCnt="0">
@@ -1813,24 +1634,10 @@
         </dgm:presLayoutVars>
       </dgm:prSet>
       <dgm:spPr/>
-      <dgm:t>
-        <a:bodyPr/>
-        <a:lstStyle/>
-        <a:p>
-          <a:endParaRPr lang="zh-TW" altLang="en-US"/>
-        </a:p>
-      </dgm:t>
     </dgm:pt>
     <dgm:pt modelId="{48065DEA-B6EF-4511-9006-E5130FBF2531}" type="pres">
       <dgm:prSet presAssocID="{971D61A8-3B1A-4176-B0E0-FCA45E813FD2}" presName="rootConnector" presStyleLbl="node2" presStyleIdx="4" presStyleCnt="6"/>
       <dgm:spPr/>
-      <dgm:t>
-        <a:bodyPr/>
-        <a:lstStyle/>
-        <a:p>
-          <a:endParaRPr lang="zh-TW" altLang="en-US"/>
-        </a:p>
-      </dgm:t>
     </dgm:pt>
     <dgm:pt modelId="{C4892BD1-E1A5-41BD-9F06-AD66569562AE}" type="pres">
       <dgm:prSet presAssocID="{971D61A8-3B1A-4176-B0E0-FCA45E813FD2}" presName="hierChild4" presStyleCnt="0"/>
@@ -1843,13 +1650,6 @@
     <dgm:pt modelId="{8525A20F-B620-4399-96A3-5B9C424C26B1}" type="pres">
       <dgm:prSet presAssocID="{3A8902E5-4D3A-4EDD-8A13-34326CF57137}" presName="Name64" presStyleLbl="parChTrans1D2" presStyleIdx="5" presStyleCnt="6"/>
       <dgm:spPr/>
-      <dgm:t>
-        <a:bodyPr/>
-        <a:lstStyle/>
-        <a:p>
-          <a:endParaRPr lang="zh-TW" altLang="en-US"/>
-        </a:p>
-      </dgm:t>
     </dgm:pt>
     <dgm:pt modelId="{73648452-FFB2-4C20-9A63-634B79F1F1AD}" type="pres">
       <dgm:prSet presAssocID="{05AEC40B-9D9A-49B7-8F47-0034FDA3BD77}" presName="hierRoot2" presStyleCnt="0">
@@ -1870,24 +1670,10 @@
         </dgm:presLayoutVars>
       </dgm:prSet>
       <dgm:spPr/>
-      <dgm:t>
-        <a:bodyPr/>
-        <a:lstStyle/>
-        <a:p>
-          <a:endParaRPr lang="zh-TW" altLang="en-US"/>
-        </a:p>
-      </dgm:t>
     </dgm:pt>
     <dgm:pt modelId="{F09C901D-C643-4A1B-8CD9-61ADFA406F50}" type="pres">
       <dgm:prSet presAssocID="{05AEC40B-9D9A-49B7-8F47-0034FDA3BD77}" presName="rootConnector" presStyleLbl="node2" presStyleIdx="5" presStyleCnt="6"/>
       <dgm:spPr/>
-      <dgm:t>
-        <a:bodyPr/>
-        <a:lstStyle/>
-        <a:p>
-          <a:endParaRPr lang="zh-TW" altLang="en-US"/>
-        </a:p>
-      </dgm:t>
     </dgm:pt>
     <dgm:pt modelId="{A599416A-F764-49F3-BA6C-CC73609DE759}" type="pres">
       <dgm:prSet presAssocID="{05AEC40B-9D9A-49B7-8F47-0034FDA3BD77}" presName="hierChild4" presStyleCnt="0"/>
@@ -1903,46 +1689,46 @@
     </dgm:pt>
   </dgm:ptLst>
   <dgm:cxnLst>
+    <dgm:cxn modelId="{CCE63908-4473-44E4-867F-9E07B7E5E8EE}" type="presOf" srcId="{8738BAD2-CC99-456E-8195-2E64096D51F2}" destId="{A347DB8B-4C84-4049-9B32-7329AFCB6A37}" srcOrd="0" destOrd="0" presId="urn:microsoft.com/office/officeart/2009/3/layout/HorizontalOrganizationChart"/>
+    <dgm:cxn modelId="{068B1D0B-4B0F-4BD8-98FB-7178C13CF909}" type="presOf" srcId="{05AEC40B-9D9A-49B7-8F47-0034FDA3BD77}" destId="{F09C901D-C643-4A1B-8CD9-61ADFA406F50}" srcOrd="1" destOrd="0" presId="urn:microsoft.com/office/officeart/2009/3/layout/HorizontalOrganizationChart"/>
+    <dgm:cxn modelId="{5A8D8B12-D1CD-4966-9530-0BEFE566C386}" type="presOf" srcId="{971D61A8-3B1A-4176-B0E0-FCA45E813FD2}" destId="{2E5BB67B-F9DF-4CC2-977A-1BE788C6C400}" srcOrd="0" destOrd="0" presId="urn:microsoft.com/office/officeart/2009/3/layout/HorizontalOrganizationChart"/>
+    <dgm:cxn modelId="{9E48C013-FD2F-4E1A-AF85-77C461C07DF0}" srcId="{9EC60AEE-5E4E-4C94-A220-BDAF15833BB6}" destId="{8751CF98-D202-44D7-B1CE-E14BBF794823}" srcOrd="0" destOrd="0" parTransId="{78471CD8-0CB2-4CB0-B729-0DBF8D683EF2}" sibTransId="{AF6F9E68-F436-44AD-92C7-DD295B51A48B}"/>
+    <dgm:cxn modelId="{E6C25B17-997C-46C3-A9F4-2982A17D54AE}" type="presOf" srcId="{6C63741B-AD3F-4B42-A104-99C6F59A5097}" destId="{ED2A72E6-77BE-4D70-B16C-B744A04C5B50}" srcOrd="0" destOrd="0" presId="urn:microsoft.com/office/officeart/2009/3/layout/HorizontalOrganizationChart"/>
+    <dgm:cxn modelId="{F8C67118-18B3-444A-AEE7-DD49CFCDCB8F}" srcId="{964C5660-DB82-4CE9-B84F-0122CA6C84BE}" destId="{CE39FCA9-51E2-42E2-BE2E-72A8C71B13EA}" srcOrd="0" destOrd="0" parTransId="{8738BAD2-CC99-456E-8195-2E64096D51F2}" sibTransId="{C859E766-7BF0-485F-B1CC-63A033CAE433}"/>
+    <dgm:cxn modelId="{928D781A-30A8-4FBE-B107-80DE3DCEADE4}" srcId="{9EC60AEE-5E4E-4C94-A220-BDAF15833BB6}" destId="{2A9E60CA-E74E-4CED-A999-2FAA475A1520}" srcOrd="3" destOrd="0" parTransId="{5186595E-5121-4FE6-9D11-36C2B906E1F4}" sibTransId="{B6EFD2CB-6EE3-4125-83E3-E0758DDEFB0B}"/>
     <dgm:cxn modelId="{294FC81B-B251-42BD-8CB5-44FAA67E7E8F}" type="presOf" srcId="{237B5B17-9FEC-40DD-BFDD-5D03EAB62932}" destId="{101F917A-773B-4D0A-B1CE-C281B93CD456}" srcOrd="0" destOrd="0" presId="urn:microsoft.com/office/officeart/2009/3/layout/HorizontalOrganizationChart"/>
+    <dgm:cxn modelId="{54A91821-F5FC-43CD-B07B-2E0C7D573A00}" type="presOf" srcId="{9EC60AEE-5E4E-4C94-A220-BDAF15833BB6}" destId="{B1136337-536E-4311-8EF8-FC3245A5B538}" srcOrd="1" destOrd="0" presId="urn:microsoft.com/office/officeart/2009/3/layout/HorizontalOrganizationChart"/>
+    <dgm:cxn modelId="{E308EB24-D2F4-4207-AF48-677FD18DC9B7}" type="presOf" srcId="{8751CF98-D202-44D7-B1CE-E14BBF794823}" destId="{98373AEB-8C7F-4CDF-A824-DA8A44EC5E4D}" srcOrd="0" destOrd="0" presId="urn:microsoft.com/office/officeart/2009/3/layout/HorizontalOrganizationChart"/>
+    <dgm:cxn modelId="{D2BEE02A-7ECB-469A-B262-A32A27C439CF}" srcId="{DC2F09ED-25AE-4E21-887D-D7DEC6A4D612}" destId="{74EFD9A9-284B-40C2-AD26-9AE4F671C67F}" srcOrd="0" destOrd="0" parTransId="{237B5B17-9FEC-40DD-BFDD-5D03EAB62932}" sibTransId="{EC98FE7F-31D0-4D5B-949E-7076CA3F0A76}"/>
+    <dgm:cxn modelId="{B1922F31-32DD-4C50-9792-BE6DCB8644A1}" type="presOf" srcId="{DC2F09ED-25AE-4E21-887D-D7DEC6A4D612}" destId="{F90312A6-B10B-4659-8E39-7FB9AA27A1F7}" srcOrd="1" destOrd="0" presId="urn:microsoft.com/office/officeart/2009/3/layout/HorizontalOrganizationChart"/>
+    <dgm:cxn modelId="{3EE7A23A-F769-4C57-97D7-505EF5506A5A}" type="presOf" srcId="{3A8902E5-4D3A-4EDD-8A13-34326CF57137}" destId="{8525A20F-B620-4399-96A3-5B9C424C26B1}" srcOrd="0" destOrd="0" presId="urn:microsoft.com/office/officeart/2009/3/layout/HorizontalOrganizationChart"/>
+    <dgm:cxn modelId="{DC9C305B-A734-4750-B6B5-5C69969C6D16}" type="presOf" srcId="{36DE2BBA-4577-45E1-8D3D-E3659D07868B}" destId="{11C747E1-DC9D-403C-99BA-8D2A9FF3A93D}" srcOrd="0" destOrd="0" presId="urn:microsoft.com/office/officeart/2009/3/layout/HorizontalOrganizationChart"/>
+    <dgm:cxn modelId="{8DE8195D-FE99-4490-B6B0-F9A36CCACF94}" type="presOf" srcId="{47D54325-33D3-42E8-9F66-085CAE0918E0}" destId="{27BD5B8A-B220-4CBD-9E0B-E4ACC2DC997E}" srcOrd="0" destOrd="0" presId="urn:microsoft.com/office/officeart/2009/3/layout/HorizontalOrganizationChart"/>
+    <dgm:cxn modelId="{5229F644-FA7F-4094-B0A3-D2DF410A38C9}" type="presOf" srcId="{CE39FCA9-51E2-42E2-BE2E-72A8C71B13EA}" destId="{98C040D8-1FB0-4E40-A2C1-84019E64CE73}" srcOrd="1" destOrd="0" presId="urn:microsoft.com/office/officeart/2009/3/layout/HorizontalOrganizationChart"/>
+    <dgm:cxn modelId="{C541BA67-FFDA-4D6B-A3C0-D6B1DA94B7CB}" type="presOf" srcId="{B81AC6F3-2442-41D4-9FD1-0673E86098E8}" destId="{0E1E4098-9809-4219-819F-AA010277DB0E}" srcOrd="1" destOrd="0" presId="urn:microsoft.com/office/officeart/2009/3/layout/HorizontalOrganizationChart"/>
+    <dgm:cxn modelId="{1799B968-88CF-4045-BD2E-3BB285725076}" type="presOf" srcId="{964C5660-DB82-4CE9-B84F-0122CA6C84BE}" destId="{113432D0-8F1E-4023-AF8B-4D9D7D535B28}" srcOrd="1" destOrd="0" presId="urn:microsoft.com/office/officeart/2009/3/layout/HorizontalOrganizationChart"/>
     <dgm:cxn modelId="{E5A6266E-97B8-4BA0-97E4-46FF92226C02}" type="presOf" srcId="{DC2F09ED-25AE-4E21-887D-D7DEC6A4D612}" destId="{5A4DE984-B2D7-4BAF-9715-B03353129903}" srcOrd="0" destOrd="0" presId="urn:microsoft.com/office/officeart/2009/3/layout/HorizontalOrganizationChart"/>
+    <dgm:cxn modelId="{B20BD370-554A-4704-B962-6E67CD8809D1}" type="presOf" srcId="{74EFD9A9-284B-40C2-AD26-9AE4F671C67F}" destId="{A3FF06D4-278F-437A-AD53-32BBECC02542}" srcOrd="1" destOrd="0" presId="urn:microsoft.com/office/officeart/2009/3/layout/HorizontalOrganizationChart"/>
+    <dgm:cxn modelId="{1B694452-92B5-49DD-8B24-6E5968F4727C}" type="presOf" srcId="{2A9E60CA-E74E-4CED-A999-2FAA475A1520}" destId="{E9E8AE4E-A851-4A5D-BE53-3A47DE05DE77}" srcOrd="0" destOrd="0" presId="urn:microsoft.com/office/officeart/2009/3/layout/HorizontalOrganizationChart"/>
+    <dgm:cxn modelId="{5DCB2476-934E-4D78-9A23-6D20D483EC99}" type="presOf" srcId="{971D61A8-3B1A-4176-B0E0-FCA45E813FD2}" destId="{48065DEA-B6EF-4511-9006-E5130FBF2531}" srcOrd="1" destOrd="0" presId="urn:microsoft.com/office/officeart/2009/3/layout/HorizontalOrganizationChart"/>
+    <dgm:cxn modelId="{F5E48877-D015-49A9-A580-F87AF6031AB0}" srcId="{9EC60AEE-5E4E-4C94-A220-BDAF15833BB6}" destId="{05AEC40B-9D9A-49B7-8F47-0034FDA3BD77}" srcOrd="5" destOrd="0" parTransId="{3A8902E5-4D3A-4EDD-8A13-34326CF57137}" sibTransId="{66608DCB-C612-43E6-BEFA-DA6119263E6F}"/>
+    <dgm:cxn modelId="{31E55478-761A-47ED-9D23-BFED56DC7931}" type="presOf" srcId="{05AEC40B-9D9A-49B7-8F47-0034FDA3BD77}" destId="{0A376B0A-4C76-4894-A9D2-7D3250BC4E23}" srcOrd="0" destOrd="0" presId="urn:microsoft.com/office/officeart/2009/3/layout/HorizontalOrganizationChart"/>
+    <dgm:cxn modelId="{FBF24F85-9BFC-4303-9620-08D80324BE5E}" type="presOf" srcId="{5186595E-5121-4FE6-9D11-36C2B906E1F4}" destId="{3F65F72D-C093-4D20-9146-3DAF15956C68}" srcOrd="0" destOrd="0" presId="urn:microsoft.com/office/officeart/2009/3/layout/HorizontalOrganizationChart"/>
+    <dgm:cxn modelId="{2C887285-A635-4F16-A1D2-8E5B23D44C01}" srcId="{9EC60AEE-5E4E-4C94-A220-BDAF15833BB6}" destId="{971D61A8-3B1A-4176-B0E0-FCA45E813FD2}" srcOrd="4" destOrd="0" parTransId="{086A9DBD-C0F0-4E7F-BD4D-399247611328}" sibTransId="{0FE2958E-D0F2-4723-8586-12FC58CD48D8}"/>
+    <dgm:cxn modelId="{BC27418A-5CFD-4D89-8E1E-2790C0E00B89}" type="presOf" srcId="{086A9DBD-C0F0-4E7F-BD4D-399247611328}" destId="{867CFA56-307E-4950-8192-AC725A25654B}" srcOrd="0" destOrd="0" presId="urn:microsoft.com/office/officeart/2009/3/layout/HorizontalOrganizationChart"/>
+    <dgm:cxn modelId="{E38B599C-3249-41C1-B016-17C2C5BEFFC7}" srcId="{2A9E60CA-E74E-4CED-A999-2FAA475A1520}" destId="{B81AC6F3-2442-41D4-9FD1-0673E86098E8}" srcOrd="0" destOrd="0" parTransId="{47D54325-33D3-42E8-9F66-085CAE0918E0}" sibTransId="{13C9DBA1-033F-44FC-8280-48155B508276}"/>
     <dgm:cxn modelId="{8FB8F19D-3C44-40F5-8925-4FEF38855379}" type="presOf" srcId="{92560626-A874-4561-B7BE-155F44B04658}" destId="{E2809953-9E56-4161-9130-C33EB08ECE33}" srcOrd="0" destOrd="0" presId="urn:microsoft.com/office/officeart/2009/3/layout/HorizontalOrganizationChart"/>
+    <dgm:cxn modelId="{2519D1A8-BD42-4238-98AE-A098C6C2E27D}" type="presOf" srcId="{78471CD8-0CB2-4CB0-B729-0DBF8D683EF2}" destId="{01CE560C-B17E-4D88-A95A-4BD98DEA1192}" srcOrd="0" destOrd="0" presId="urn:microsoft.com/office/officeart/2009/3/layout/HorizontalOrganizationChart"/>
+    <dgm:cxn modelId="{6AD1BEB0-376A-45A5-9F56-766AAA23F1EF}" srcId="{9EC60AEE-5E4E-4C94-A220-BDAF15833BB6}" destId="{964C5660-DB82-4CE9-B84F-0122CA6C84BE}" srcOrd="1" destOrd="0" parTransId="{6C63741B-AD3F-4B42-A104-99C6F59A5097}" sibTransId="{2353CE7F-18FB-4344-B13E-CB4C27C0AFBE}"/>
+    <dgm:cxn modelId="{6ACE38B1-E263-4325-AB56-4EAF7F97EC6F}" type="presOf" srcId="{B81AC6F3-2442-41D4-9FD1-0673E86098E8}" destId="{0F5C582B-6C5B-4EDA-9389-5FE18D4859C8}" srcOrd="0" destOrd="0" presId="urn:microsoft.com/office/officeart/2009/3/layout/HorizontalOrganizationChart"/>
+    <dgm:cxn modelId="{7ECF35B6-30A8-422D-9CA0-F39508919770}" srcId="{9EC60AEE-5E4E-4C94-A220-BDAF15833BB6}" destId="{DC2F09ED-25AE-4E21-887D-D7DEC6A4D612}" srcOrd="2" destOrd="0" parTransId="{36DE2BBA-4577-45E1-8D3D-E3659D07868B}" sibTransId="{252D762E-CDAD-43A8-982D-EB82D17A39C6}"/>
+    <dgm:cxn modelId="{908585B7-8202-4857-BC82-E59E3443EF77}" srcId="{92560626-A874-4561-B7BE-155F44B04658}" destId="{9EC60AEE-5E4E-4C94-A220-BDAF15833BB6}" srcOrd="0" destOrd="0" parTransId="{910432B2-31EA-42AC-9D68-B1EDD282A43A}" sibTransId="{48750255-FAF6-4B3B-95C6-2825D332314A}"/>
     <dgm:cxn modelId="{C08D29E3-40C6-4DEC-8C8D-FEFFEC5ED7D0}" type="presOf" srcId="{CE39FCA9-51E2-42E2-BE2E-72A8C71B13EA}" destId="{30534483-8154-4109-B5F9-33DA8D3BD8B4}" srcOrd="0" destOrd="0" presId="urn:microsoft.com/office/officeart/2009/3/layout/HorizontalOrganizationChart"/>
-    <dgm:cxn modelId="{E38B599C-3249-41C1-B016-17C2C5BEFFC7}" srcId="{2A9E60CA-E74E-4CED-A999-2FAA475A1520}" destId="{B81AC6F3-2442-41D4-9FD1-0673E86098E8}" srcOrd="0" destOrd="0" parTransId="{47D54325-33D3-42E8-9F66-085CAE0918E0}" sibTransId="{13C9DBA1-033F-44FC-8280-48155B508276}"/>
-    <dgm:cxn modelId="{FBF24F85-9BFC-4303-9620-08D80324BE5E}" type="presOf" srcId="{5186595E-5121-4FE6-9D11-36C2B906E1F4}" destId="{3F65F72D-C093-4D20-9146-3DAF15956C68}" srcOrd="0" destOrd="0" presId="urn:microsoft.com/office/officeart/2009/3/layout/HorizontalOrganizationChart"/>
-    <dgm:cxn modelId="{6AD1BEB0-376A-45A5-9F56-766AAA23F1EF}" srcId="{9EC60AEE-5E4E-4C94-A220-BDAF15833BB6}" destId="{964C5660-DB82-4CE9-B84F-0122CA6C84BE}" srcOrd="1" destOrd="0" parTransId="{6C63741B-AD3F-4B42-A104-99C6F59A5097}" sibTransId="{2353CE7F-18FB-4344-B13E-CB4C27C0AFBE}"/>
-    <dgm:cxn modelId="{928D781A-30A8-4FBE-B107-80DE3DCEADE4}" srcId="{9EC60AEE-5E4E-4C94-A220-BDAF15833BB6}" destId="{2A9E60CA-E74E-4CED-A999-2FAA475A1520}" srcOrd="3" destOrd="0" parTransId="{5186595E-5121-4FE6-9D11-36C2B906E1F4}" sibTransId="{B6EFD2CB-6EE3-4125-83E3-E0758DDEFB0B}"/>
+    <dgm:cxn modelId="{9DE506E5-72C5-4F2A-855E-A36B2FD71B27}" type="presOf" srcId="{964C5660-DB82-4CE9-B84F-0122CA6C84BE}" destId="{87A7DF28-CF80-42B5-B02E-406F222E690D}" srcOrd="0" destOrd="0" presId="urn:microsoft.com/office/officeart/2009/3/layout/HorizontalOrganizationChart"/>
+    <dgm:cxn modelId="{6C7A46E5-FE0E-487D-8BB0-5B67EA3E11BC}" type="presOf" srcId="{2A9E60CA-E74E-4CED-A999-2FAA475A1520}" destId="{E9AFF166-F887-48C8-94E1-5505B5E5E721}" srcOrd="1" destOrd="0" presId="urn:microsoft.com/office/officeart/2009/3/layout/HorizontalOrganizationChart"/>
+    <dgm:cxn modelId="{3A2FC5F6-27C9-47EA-8A9C-31E6E133158B}" type="presOf" srcId="{8751CF98-D202-44D7-B1CE-E14BBF794823}" destId="{42D8300F-6503-42E4-87AC-CF3A6013013A}" srcOrd="1" destOrd="0" presId="urn:microsoft.com/office/officeart/2009/3/layout/HorizontalOrganizationChart"/>
+    <dgm:cxn modelId="{BAD905F9-9C89-4BFB-AA39-3073BFF2B92E}" type="presOf" srcId="{74EFD9A9-284B-40C2-AD26-9AE4F671C67F}" destId="{18BEC628-6C3B-4176-BCC7-089F19B62AF3}" srcOrd="0" destOrd="0" presId="urn:microsoft.com/office/officeart/2009/3/layout/HorizontalOrganizationChart"/>
     <dgm:cxn modelId="{004DA8F9-C4E0-4335-BD70-086CF703936D}" type="presOf" srcId="{9EC60AEE-5E4E-4C94-A220-BDAF15833BB6}" destId="{F6EDB80A-B445-4389-B1D6-7569CFE47C3A}" srcOrd="0" destOrd="0" presId="urn:microsoft.com/office/officeart/2009/3/layout/HorizontalOrganizationChart"/>
-    <dgm:cxn modelId="{D2BEE02A-7ECB-469A-B262-A32A27C439CF}" srcId="{DC2F09ED-25AE-4E21-887D-D7DEC6A4D612}" destId="{74EFD9A9-284B-40C2-AD26-9AE4F671C67F}" srcOrd="0" destOrd="0" parTransId="{237B5B17-9FEC-40DD-BFDD-5D03EAB62932}" sibTransId="{EC98FE7F-31D0-4D5B-949E-7076CA3F0A76}"/>
-    <dgm:cxn modelId="{1799B968-88CF-4045-BD2E-3BB285725076}" type="presOf" srcId="{964C5660-DB82-4CE9-B84F-0122CA6C84BE}" destId="{113432D0-8F1E-4023-AF8B-4D9D7D535B28}" srcOrd="1" destOrd="0" presId="urn:microsoft.com/office/officeart/2009/3/layout/HorizontalOrganizationChart"/>
-    <dgm:cxn modelId="{31E55478-761A-47ED-9D23-BFED56DC7931}" type="presOf" srcId="{05AEC40B-9D9A-49B7-8F47-0034FDA3BD77}" destId="{0A376B0A-4C76-4894-A9D2-7D3250BC4E23}" srcOrd="0" destOrd="0" presId="urn:microsoft.com/office/officeart/2009/3/layout/HorizontalOrganizationChart"/>
-    <dgm:cxn modelId="{3A2FC5F6-27C9-47EA-8A9C-31E6E133158B}" type="presOf" srcId="{8751CF98-D202-44D7-B1CE-E14BBF794823}" destId="{42D8300F-6503-42E4-87AC-CF3A6013013A}" srcOrd="1" destOrd="0" presId="urn:microsoft.com/office/officeart/2009/3/layout/HorizontalOrganizationChart"/>
-    <dgm:cxn modelId="{E6C25B17-997C-46C3-A9F4-2982A17D54AE}" type="presOf" srcId="{6C63741B-AD3F-4B42-A104-99C6F59A5097}" destId="{ED2A72E6-77BE-4D70-B16C-B744A04C5B50}" srcOrd="0" destOrd="0" presId="urn:microsoft.com/office/officeart/2009/3/layout/HorizontalOrganizationChart"/>
-    <dgm:cxn modelId="{908585B7-8202-4857-BC82-E59E3443EF77}" srcId="{92560626-A874-4561-B7BE-155F44B04658}" destId="{9EC60AEE-5E4E-4C94-A220-BDAF15833BB6}" srcOrd="0" destOrd="0" parTransId="{910432B2-31EA-42AC-9D68-B1EDD282A43A}" sibTransId="{48750255-FAF6-4B3B-95C6-2825D332314A}"/>
-    <dgm:cxn modelId="{BAD905F9-9C89-4BFB-AA39-3073BFF2B92E}" type="presOf" srcId="{74EFD9A9-284B-40C2-AD26-9AE4F671C67F}" destId="{18BEC628-6C3B-4176-BCC7-089F19B62AF3}" srcOrd="0" destOrd="0" presId="urn:microsoft.com/office/officeart/2009/3/layout/HorizontalOrganizationChart"/>
-    <dgm:cxn modelId="{E308EB24-D2F4-4207-AF48-677FD18DC9B7}" type="presOf" srcId="{8751CF98-D202-44D7-B1CE-E14BBF794823}" destId="{98373AEB-8C7F-4CDF-A824-DA8A44EC5E4D}" srcOrd="0" destOrd="0" presId="urn:microsoft.com/office/officeart/2009/3/layout/HorizontalOrganizationChart"/>
-    <dgm:cxn modelId="{5229F644-FA7F-4094-B0A3-D2DF410A38C9}" type="presOf" srcId="{CE39FCA9-51E2-42E2-BE2E-72A8C71B13EA}" destId="{98C040D8-1FB0-4E40-A2C1-84019E64CE73}" srcOrd="1" destOrd="0" presId="urn:microsoft.com/office/officeart/2009/3/layout/HorizontalOrganizationChart"/>
-    <dgm:cxn modelId="{1B694452-92B5-49DD-8B24-6E5968F4727C}" type="presOf" srcId="{2A9E60CA-E74E-4CED-A999-2FAA475A1520}" destId="{E9E8AE4E-A851-4A5D-BE53-3A47DE05DE77}" srcOrd="0" destOrd="0" presId="urn:microsoft.com/office/officeart/2009/3/layout/HorizontalOrganizationChart"/>
-    <dgm:cxn modelId="{DC9C305B-A734-4750-B6B5-5C69969C6D16}" type="presOf" srcId="{36DE2BBA-4577-45E1-8D3D-E3659D07868B}" destId="{11C747E1-DC9D-403C-99BA-8D2A9FF3A93D}" srcOrd="0" destOrd="0" presId="urn:microsoft.com/office/officeart/2009/3/layout/HorizontalOrganizationChart"/>
-    <dgm:cxn modelId="{CCE63908-4473-44E4-867F-9E07B7E5E8EE}" type="presOf" srcId="{8738BAD2-CC99-456E-8195-2E64096D51F2}" destId="{A347DB8B-4C84-4049-9B32-7329AFCB6A37}" srcOrd="0" destOrd="0" presId="urn:microsoft.com/office/officeart/2009/3/layout/HorizontalOrganizationChart"/>
-    <dgm:cxn modelId="{BC27418A-5CFD-4D89-8E1E-2790C0E00B89}" type="presOf" srcId="{086A9DBD-C0F0-4E7F-BD4D-399247611328}" destId="{867CFA56-307E-4950-8192-AC725A25654B}" srcOrd="0" destOrd="0" presId="urn:microsoft.com/office/officeart/2009/3/layout/HorizontalOrganizationChart"/>
-    <dgm:cxn modelId="{54A91821-F5FC-43CD-B07B-2E0C7D573A00}" type="presOf" srcId="{9EC60AEE-5E4E-4C94-A220-BDAF15833BB6}" destId="{B1136337-536E-4311-8EF8-FC3245A5B538}" srcOrd="1" destOrd="0" presId="urn:microsoft.com/office/officeart/2009/3/layout/HorizontalOrganizationChart"/>
-    <dgm:cxn modelId="{5A8D8B12-D1CD-4966-9530-0BEFE566C386}" type="presOf" srcId="{971D61A8-3B1A-4176-B0E0-FCA45E813FD2}" destId="{2E5BB67B-F9DF-4CC2-977A-1BE788C6C400}" srcOrd="0" destOrd="0" presId="urn:microsoft.com/office/officeart/2009/3/layout/HorizontalOrganizationChart"/>
-    <dgm:cxn modelId="{068B1D0B-4B0F-4BD8-98FB-7178C13CF909}" type="presOf" srcId="{05AEC40B-9D9A-49B7-8F47-0034FDA3BD77}" destId="{F09C901D-C643-4A1B-8CD9-61ADFA406F50}" srcOrd="1" destOrd="0" presId="urn:microsoft.com/office/officeart/2009/3/layout/HorizontalOrganizationChart"/>
-    <dgm:cxn modelId="{3EE7A23A-F769-4C57-97D7-505EF5506A5A}" type="presOf" srcId="{3A8902E5-4D3A-4EDD-8A13-34326CF57137}" destId="{8525A20F-B620-4399-96A3-5B9C424C26B1}" srcOrd="0" destOrd="0" presId="urn:microsoft.com/office/officeart/2009/3/layout/HorizontalOrganizationChart"/>
-    <dgm:cxn modelId="{8DE8195D-FE99-4490-B6B0-F9A36CCACF94}" type="presOf" srcId="{47D54325-33D3-42E8-9F66-085CAE0918E0}" destId="{27BD5B8A-B220-4CBD-9E0B-E4ACC2DC997E}" srcOrd="0" destOrd="0" presId="urn:microsoft.com/office/officeart/2009/3/layout/HorizontalOrganizationChart"/>
-    <dgm:cxn modelId="{7ECF35B6-30A8-422D-9CA0-F39508919770}" srcId="{9EC60AEE-5E4E-4C94-A220-BDAF15833BB6}" destId="{DC2F09ED-25AE-4E21-887D-D7DEC6A4D612}" srcOrd="2" destOrd="0" parTransId="{36DE2BBA-4577-45E1-8D3D-E3659D07868B}" sibTransId="{252D762E-CDAD-43A8-982D-EB82D17A39C6}"/>
-    <dgm:cxn modelId="{6ACE38B1-E263-4325-AB56-4EAF7F97EC6F}" type="presOf" srcId="{B81AC6F3-2442-41D4-9FD1-0673E86098E8}" destId="{0F5C582B-6C5B-4EDA-9389-5FE18D4859C8}" srcOrd="0" destOrd="0" presId="urn:microsoft.com/office/officeart/2009/3/layout/HorizontalOrganizationChart"/>
-    <dgm:cxn modelId="{B20BD370-554A-4704-B962-6E67CD8809D1}" type="presOf" srcId="{74EFD9A9-284B-40C2-AD26-9AE4F671C67F}" destId="{A3FF06D4-278F-437A-AD53-32BBECC02542}" srcOrd="1" destOrd="0" presId="urn:microsoft.com/office/officeart/2009/3/layout/HorizontalOrganizationChart"/>
-    <dgm:cxn modelId="{6C7A46E5-FE0E-487D-8BB0-5B67EA3E11BC}" type="presOf" srcId="{2A9E60CA-E74E-4CED-A999-2FAA475A1520}" destId="{E9AFF166-F887-48C8-94E1-5505B5E5E721}" srcOrd="1" destOrd="0" presId="urn:microsoft.com/office/officeart/2009/3/layout/HorizontalOrganizationChart"/>
-    <dgm:cxn modelId="{5DCB2476-934E-4D78-9A23-6D20D483EC99}" type="presOf" srcId="{971D61A8-3B1A-4176-B0E0-FCA45E813FD2}" destId="{48065DEA-B6EF-4511-9006-E5130FBF2531}" srcOrd="1" destOrd="0" presId="urn:microsoft.com/office/officeart/2009/3/layout/HorizontalOrganizationChart"/>
-    <dgm:cxn modelId="{B1922F31-32DD-4C50-9792-BE6DCB8644A1}" type="presOf" srcId="{DC2F09ED-25AE-4E21-887D-D7DEC6A4D612}" destId="{F90312A6-B10B-4659-8E39-7FB9AA27A1F7}" srcOrd="1" destOrd="0" presId="urn:microsoft.com/office/officeart/2009/3/layout/HorizontalOrganizationChart"/>
-    <dgm:cxn modelId="{C541BA67-FFDA-4D6B-A3C0-D6B1DA94B7CB}" type="presOf" srcId="{B81AC6F3-2442-41D4-9FD1-0673E86098E8}" destId="{0E1E4098-9809-4219-819F-AA010277DB0E}" srcOrd="1" destOrd="0" presId="urn:microsoft.com/office/officeart/2009/3/layout/HorizontalOrganizationChart"/>
-    <dgm:cxn modelId="{9DE506E5-72C5-4F2A-855E-A36B2FD71B27}" type="presOf" srcId="{964C5660-DB82-4CE9-B84F-0122CA6C84BE}" destId="{87A7DF28-CF80-42B5-B02E-406F222E690D}" srcOrd="0" destOrd="0" presId="urn:microsoft.com/office/officeart/2009/3/layout/HorizontalOrganizationChart"/>
-    <dgm:cxn modelId="{2519D1A8-BD42-4238-98AE-A098C6C2E27D}" type="presOf" srcId="{78471CD8-0CB2-4CB0-B729-0DBF8D683EF2}" destId="{01CE560C-B17E-4D88-A95A-4BD98DEA1192}" srcOrd="0" destOrd="0" presId="urn:microsoft.com/office/officeart/2009/3/layout/HorizontalOrganizationChart"/>
-    <dgm:cxn modelId="{9E48C013-FD2F-4E1A-AF85-77C461C07DF0}" srcId="{9EC60AEE-5E4E-4C94-A220-BDAF15833BB6}" destId="{8751CF98-D202-44D7-B1CE-E14BBF794823}" srcOrd="0" destOrd="0" parTransId="{78471CD8-0CB2-4CB0-B729-0DBF8D683EF2}" sibTransId="{AF6F9E68-F436-44AD-92C7-DD295B51A48B}"/>
-    <dgm:cxn modelId="{F8C67118-18B3-444A-AEE7-DD49CFCDCB8F}" srcId="{964C5660-DB82-4CE9-B84F-0122CA6C84BE}" destId="{CE39FCA9-51E2-42E2-BE2E-72A8C71B13EA}" srcOrd="0" destOrd="0" parTransId="{8738BAD2-CC99-456E-8195-2E64096D51F2}" sibTransId="{C859E766-7BF0-485F-B1CC-63A033CAE433}"/>
-    <dgm:cxn modelId="{2C887285-A635-4F16-A1D2-8E5B23D44C01}" srcId="{9EC60AEE-5E4E-4C94-A220-BDAF15833BB6}" destId="{971D61A8-3B1A-4176-B0E0-FCA45E813FD2}" srcOrd="4" destOrd="0" parTransId="{086A9DBD-C0F0-4E7F-BD4D-399247611328}" sibTransId="{0FE2958E-D0F2-4723-8586-12FC58CD48D8}"/>
-    <dgm:cxn modelId="{F5E48877-D015-49A9-A580-F87AF6031AB0}" srcId="{9EC60AEE-5E4E-4C94-A220-BDAF15833BB6}" destId="{05AEC40B-9D9A-49B7-8F47-0034FDA3BD77}" srcOrd="5" destOrd="0" parTransId="{3A8902E5-4D3A-4EDD-8A13-34326CF57137}" sibTransId="{66608DCB-C612-43E6-BEFA-DA6119263E6F}"/>
     <dgm:cxn modelId="{628E59AA-5922-433C-B293-D6F4D640B69B}" type="presParOf" srcId="{E2809953-9E56-4161-9130-C33EB08ECE33}" destId="{68E0E28C-C32B-4166-969A-2569B84D79B8}" srcOrd="0" destOrd="0" presId="urn:microsoft.com/office/officeart/2009/3/layout/HorizontalOrganizationChart"/>
     <dgm:cxn modelId="{E4E4885D-5E1F-4A02-9A30-8097751444AF}" type="presParOf" srcId="{68E0E28C-C32B-4166-969A-2569B84D79B8}" destId="{76C4962C-EEEB-49FA-8126-CCEF0B699095}" srcOrd="0" destOrd="0" presId="urn:microsoft.com/office/officeart/2009/3/layout/HorizontalOrganizationChart"/>
     <dgm:cxn modelId="{316DF96D-077B-4327-8DD8-B3C0DCD84E56}" type="presParOf" srcId="{76C4962C-EEEB-49FA-8126-CCEF0B699095}" destId="{F6EDB80A-B445-4389-B1D6-7569CFE47C3A}" srcOrd="0" destOrd="0" presId="urn:microsoft.com/office/officeart/2009/3/layout/HorizontalOrganizationChart"/>
@@ -2627,7 +2413,7 @@
         </a:bodyPr>
         <a:lstStyle/>
         <a:p>
-          <a:pPr lvl="0" algn="ctr" defTabSz="1377950">
+          <a:pPr marL="0" lvl="0" indent="0" algn="ctr" defTabSz="1377950">
             <a:lnSpc>
               <a:spcPct val="90000"/>
             </a:lnSpc>
@@ -2637,6 +2423,7 @@
             <a:spcAft>
               <a:spcPct val="35000"/>
             </a:spcAft>
+            <a:buNone/>
           </a:pPr>
           <a:r>
             <a:rPr lang="zh-TW" altLang="en-US" sz="3100" kern="1200" dirty="0"/>
@@ -2706,7 +2493,7 @@
         </a:bodyPr>
         <a:lstStyle/>
         <a:p>
-          <a:pPr lvl="0" algn="ctr" defTabSz="1377950">
+          <a:pPr marL="0" lvl="0" indent="0" algn="ctr" defTabSz="1377950">
             <a:lnSpc>
               <a:spcPct val="90000"/>
             </a:lnSpc>
@@ -2716,6 +2503,7 @@
             <a:spcAft>
               <a:spcPct val="35000"/>
             </a:spcAft>
+            <a:buNone/>
           </a:pPr>
           <a:r>
             <a:rPr lang="zh-TW" altLang="en-US" sz="3100" kern="1200" dirty="0"/>
@@ -2785,7 +2573,7 @@
         </a:bodyPr>
         <a:lstStyle/>
         <a:p>
-          <a:pPr lvl="0" algn="ctr" defTabSz="1377950">
+          <a:pPr marL="0" lvl="0" indent="0" algn="ctr" defTabSz="1377950">
             <a:lnSpc>
               <a:spcPct val="90000"/>
             </a:lnSpc>
@@ -2795,6 +2583,7 @@
             <a:spcAft>
               <a:spcPct val="35000"/>
             </a:spcAft>
+            <a:buNone/>
           </a:pPr>
           <a:r>
             <a:rPr lang="zh-TW" sz="3100" kern="1200" dirty="0"/>
@@ -2863,7 +2652,7 @@
         </a:bodyPr>
         <a:lstStyle/>
         <a:p>
-          <a:pPr lvl="0" algn="ctr" defTabSz="1377950">
+          <a:pPr marL="0" lvl="0" indent="0" algn="ctr" defTabSz="1377950">
             <a:lnSpc>
               <a:spcPct val="90000"/>
             </a:lnSpc>
@@ -2873,6 +2662,7 @@
             <a:spcAft>
               <a:spcPct val="35000"/>
             </a:spcAft>
+            <a:buNone/>
           </a:pPr>
           <a:r>
             <a:rPr lang="zh-TW" altLang="en-US" sz="3100" kern="1200" dirty="0"/>
@@ -2942,7 +2732,7 @@
         </a:bodyPr>
         <a:lstStyle/>
         <a:p>
-          <a:pPr lvl="0" algn="ctr" defTabSz="1377950">
+          <a:pPr marL="0" lvl="0" indent="0" algn="ctr" defTabSz="1377950">
             <a:lnSpc>
               <a:spcPct val="90000"/>
             </a:lnSpc>
@@ -2952,6 +2742,7 @@
             <a:spcAft>
               <a:spcPct val="35000"/>
             </a:spcAft>
+            <a:buNone/>
           </a:pPr>
           <a:r>
             <a:rPr lang="zh-TW" sz="3100" kern="1200" dirty="0"/>
@@ -3020,7 +2811,7 @@
         </a:bodyPr>
         <a:lstStyle/>
         <a:p>
-          <a:pPr lvl="0" algn="ctr" defTabSz="1377950">
+          <a:pPr marL="0" lvl="0" indent="0" algn="ctr" defTabSz="1377950">
             <a:lnSpc>
               <a:spcPct val="90000"/>
             </a:lnSpc>
@@ -3030,6 +2821,7 @@
             <a:spcAft>
               <a:spcPct val="35000"/>
             </a:spcAft>
+            <a:buNone/>
           </a:pPr>
           <a:r>
             <a:rPr lang="en-US" altLang="zh-TW" sz="3100" kern="1200" dirty="0"/>
@@ -3099,7 +2891,7 @@
         </a:bodyPr>
         <a:lstStyle/>
         <a:p>
-          <a:pPr lvl="0" algn="ctr" defTabSz="1377950">
+          <a:pPr marL="0" lvl="0" indent="0" algn="ctr" defTabSz="1377950">
             <a:lnSpc>
               <a:spcPct val="90000"/>
             </a:lnSpc>
@@ -3109,6 +2901,7 @@
             <a:spcAft>
               <a:spcPct val="35000"/>
             </a:spcAft>
+            <a:buNone/>
           </a:pPr>
           <a:r>
             <a:rPr lang="zh-TW" sz="3100" kern="1200" dirty="0"/>
@@ -3177,7 +2970,7 @@
         </a:bodyPr>
         <a:lstStyle/>
         <a:p>
-          <a:pPr lvl="0" algn="ctr" defTabSz="1377950">
+          <a:pPr marL="0" lvl="0" indent="0" algn="ctr" defTabSz="1377950">
             <a:lnSpc>
               <a:spcPct val="90000"/>
             </a:lnSpc>
@@ -3187,6 +2980,7 @@
             <a:spcAft>
               <a:spcPct val="35000"/>
             </a:spcAft>
+            <a:buNone/>
           </a:pPr>
           <a:r>
             <a:rPr lang="zh-TW" altLang="en-US" sz="3100" kern="1200" dirty="0"/>
@@ -3256,7 +3050,7 @@
         </a:bodyPr>
         <a:lstStyle/>
         <a:p>
-          <a:pPr lvl="0" algn="ctr" defTabSz="1377950">
+          <a:pPr marL="0" lvl="0" indent="0" algn="ctr" defTabSz="1377950">
             <a:lnSpc>
               <a:spcPct val="90000"/>
             </a:lnSpc>
@@ -3266,16 +3060,12 @@
             <a:spcAft>
               <a:spcPct val="35000"/>
             </a:spcAft>
+            <a:buNone/>
           </a:pPr>
           <a:r>
             <a:rPr lang="zh-TW" sz="3100" kern="1200" dirty="0"/>
-            <a:t>四</a:t>
+            <a:t>四樓</a:t>
           </a:r>
-          <a:r>
-            <a:rPr lang="zh-TW" sz="3100" kern="1200" dirty="0" smtClean="0"/>
-            <a:t>樓</a:t>
-          </a:r>
-          <a:endParaRPr lang="zh-TW" sz="3100" kern="1200" dirty="0"/>
         </a:p>
       </dsp:txBody>
       <dsp:txXfrm>
@@ -3339,7 +3129,7 @@
         </a:bodyPr>
         <a:lstStyle/>
         <a:p>
-          <a:pPr lvl="0" algn="ctr" defTabSz="1377950">
+          <a:pPr marL="0" lvl="0" indent="0" algn="ctr" defTabSz="1377950">
             <a:lnSpc>
               <a:spcPct val="90000"/>
             </a:lnSpc>
@@ -3349,6 +3139,7 @@
             <a:spcAft>
               <a:spcPct val="35000"/>
             </a:spcAft>
+            <a:buNone/>
           </a:pPr>
           <a:r>
             <a:rPr lang="zh-TW" altLang="en-US" sz="3100" kern="1200" dirty="0"/>
@@ -5666,7 +5457,7 @@
           <a:p>
             <a:fld id="{8CBE7066-B972-4FCC-8DD5-896438D26C5C}" type="datetimeFigureOut">
               <a:rPr lang="zh-CN" altLang="en-US" smtClean="0"/>
-              <a:t>2019/12/30</a:t>
+              <a:t>2019/12/31</a:t>
             </a:fld>
             <a:endParaRPr lang="zh-CN" altLang="en-US"/>
           </a:p>
@@ -6091,7 +5882,7 @@
     </p:spTree>
     <p:extLst>
       <p:ext uri="{BB962C8B-B14F-4D97-AF65-F5344CB8AC3E}">
-        <p14:creationId xmlns:p14="http://schemas.microsoft.com/office/powerpoint/2010/main" val="1785344543"/>
+        <p14:creationId xmlns:p14="http://schemas.microsoft.com/office/powerpoint/2010/main" val="1666124243"/>
       </p:ext>
     </p:extLst>
   </p:cSld>
@@ -6167,6 +5958,90 @@
             <a:fld id="{1823C29A-DBB4-444B-9F6A-6570514051FE}" type="slidenum">
               <a:rPr lang="zh-CN" altLang="en-US" smtClean="0"/>
               <a:t>11</a:t>
+            </a:fld>
+            <a:endParaRPr lang="zh-CN" altLang="en-US"/>
+          </a:p>
+        </p:txBody>
+      </p:sp>
+    </p:spTree>
+    <p:extLst>
+      <p:ext uri="{BB962C8B-B14F-4D97-AF65-F5344CB8AC3E}">
+        <p14:creationId xmlns:p14="http://schemas.microsoft.com/office/powerpoint/2010/main" val="1785344543"/>
+      </p:ext>
+    </p:extLst>
+  </p:cSld>
+  <p:clrMapOvr>
+    <a:masterClrMapping/>
+  </p:clrMapOvr>
+</p:notes>
+</file>
+
+<file path=ppt/notesSlides/notesSlide12.xml><?xml version="1.0" encoding="utf-8"?>
+<p:notes xmlns:a="http://schemas.openxmlformats.org/drawingml/2006/main" xmlns:r="http://schemas.openxmlformats.org/officeDocument/2006/relationships" xmlns:p="http://schemas.openxmlformats.org/presentationml/2006/main">
+  <p:cSld>
+    <p:spTree>
+      <p:nvGrpSpPr>
+        <p:cNvPr id="1" name=""/>
+        <p:cNvGrpSpPr/>
+        <p:nvPr/>
+      </p:nvGrpSpPr>
+      <p:grpSpPr>
+        <a:xfrm>
+          <a:off x="0" y="0"/>
+          <a:ext cx="0" cy="0"/>
+          <a:chOff x="0" y="0"/>
+          <a:chExt cx="0" cy="0"/>
+        </a:xfrm>
+      </p:grpSpPr>
+      <p:sp>
+        <p:nvSpPr>
+          <p:cNvPr id="2" name="幻灯片图像占位符 1"/>
+          <p:cNvSpPr>
+            <a:spLocks noGrp="1" noRot="1" noChangeAspect="1"/>
+          </p:cNvSpPr>
+          <p:nvPr>
+            <p:ph type="sldImg"/>
+          </p:nvPr>
+        </p:nvSpPr>
+        <p:spPr/>
+      </p:sp>
+      <p:sp>
+        <p:nvSpPr>
+          <p:cNvPr id="3" name="备注占位符 2"/>
+          <p:cNvSpPr>
+            <a:spLocks noGrp="1"/>
+          </p:cNvSpPr>
+          <p:nvPr>
+            <p:ph type="body" idx="1"/>
+          </p:nvPr>
+        </p:nvSpPr>
+        <p:spPr/>
+        <p:txBody>
+          <a:bodyPr/>
+          <a:lstStyle/>
+          <a:p>
+            <a:endParaRPr lang="zh-CN" altLang="en-US"/>
+          </a:p>
+        </p:txBody>
+      </p:sp>
+      <p:sp>
+        <p:nvSpPr>
+          <p:cNvPr id="4" name="灯片编号占位符 3"/>
+          <p:cNvSpPr>
+            <a:spLocks noGrp="1"/>
+          </p:cNvSpPr>
+          <p:nvPr>
+            <p:ph type="sldNum" sz="quarter" idx="5"/>
+          </p:nvPr>
+        </p:nvSpPr>
+        <p:spPr/>
+        <p:txBody>
+          <a:bodyPr/>
+          <a:lstStyle/>
+          <a:p>
+            <a:fld id="{1823C29A-DBB4-444B-9F6A-6570514051FE}" type="slidenum">
+              <a:rPr lang="zh-CN" altLang="en-US" smtClean="0"/>
+              <a:t>12</a:t>
             </a:fld>
             <a:endParaRPr lang="zh-CN" altLang="en-US"/>
           </a:p>
@@ -6481,7 +6356,7 @@
           <a:bodyPr/>
           <a:lstStyle/>
           <a:p>
-            <a:endParaRPr lang="zh-CN" altLang="en-US"/>
+            <a:endParaRPr lang="zh-CN" altLang="en-US" dirty="0"/>
           </a:p>
         </p:txBody>
       </p:sp>
@@ -6511,7 +6386,7 @@
     </p:spTree>
     <p:extLst>
       <p:ext uri="{BB962C8B-B14F-4D97-AF65-F5344CB8AC3E}">
-        <p14:creationId xmlns:p14="http://schemas.microsoft.com/office/powerpoint/2010/main" val="1697830168"/>
+        <p14:creationId xmlns:p14="http://schemas.microsoft.com/office/powerpoint/2010/main" val="3593147272"/>
       </p:ext>
     </p:extLst>
   </p:cSld>
@@ -6595,7 +6470,7 @@
     </p:spTree>
     <p:extLst>
       <p:ext uri="{BB962C8B-B14F-4D97-AF65-F5344CB8AC3E}">
-        <p14:creationId xmlns:p14="http://schemas.microsoft.com/office/powerpoint/2010/main" val="3606572384"/>
+        <p14:creationId xmlns:p14="http://schemas.microsoft.com/office/powerpoint/2010/main" val="1697830168"/>
       </p:ext>
     </p:extLst>
   </p:cSld>
@@ -6679,7 +6554,7 @@
     </p:spTree>
     <p:extLst>
       <p:ext uri="{BB962C8B-B14F-4D97-AF65-F5344CB8AC3E}">
-        <p14:creationId xmlns:p14="http://schemas.microsoft.com/office/powerpoint/2010/main" val="2123443542"/>
+        <p14:creationId xmlns:p14="http://schemas.microsoft.com/office/powerpoint/2010/main" val="3606572384"/>
       </p:ext>
     </p:extLst>
   </p:cSld>
@@ -6763,7 +6638,7 @@
     </p:spTree>
     <p:extLst>
       <p:ext uri="{BB962C8B-B14F-4D97-AF65-F5344CB8AC3E}">
-        <p14:creationId xmlns:p14="http://schemas.microsoft.com/office/powerpoint/2010/main" val="981030439"/>
+        <p14:creationId xmlns:p14="http://schemas.microsoft.com/office/powerpoint/2010/main" val="2123443542"/>
       </p:ext>
     </p:extLst>
   </p:cSld>
@@ -6847,7 +6722,7 @@
     </p:spTree>
     <p:extLst>
       <p:ext uri="{BB962C8B-B14F-4D97-AF65-F5344CB8AC3E}">
-        <p14:creationId xmlns:p14="http://schemas.microsoft.com/office/powerpoint/2010/main" val="1666124243"/>
+        <p14:creationId xmlns:p14="http://schemas.microsoft.com/office/powerpoint/2010/main" val="981030439"/>
       </p:ext>
     </p:extLst>
   </p:cSld>
@@ -6986,7 +6861,7 @@
           <a:p>
             <a:fld id="{B6B662BC-BFCE-4273-955A-28B15CD19EDC}" type="datetimeFigureOut">
               <a:rPr lang="zh-CN" altLang="en-US" smtClean="0"/>
-              <a:t>2019/12/30</a:t>
+              <a:t>2019/12/31</a:t>
             </a:fld>
             <a:endParaRPr lang="zh-CN" altLang="en-US"/>
           </a:p>
@@ -7161,7 +7036,7 @@
           <a:p>
             <a:fld id="{B6B662BC-BFCE-4273-955A-28B15CD19EDC}" type="datetimeFigureOut">
               <a:rPr lang="zh-CN" altLang="en-US" smtClean="0"/>
-              <a:t>2019/12/30</a:t>
+              <a:t>2019/12/31</a:t>
             </a:fld>
             <a:endParaRPr lang="zh-CN" altLang="en-US"/>
           </a:p>
@@ -7346,7 +7221,7 @@
           <a:p>
             <a:fld id="{B6B662BC-BFCE-4273-955A-28B15CD19EDC}" type="datetimeFigureOut">
               <a:rPr lang="zh-CN" altLang="en-US" smtClean="0"/>
-              <a:t>2019/12/30</a:t>
+              <a:t>2019/12/31</a:t>
             </a:fld>
             <a:endParaRPr lang="zh-CN" altLang="en-US"/>
           </a:p>
@@ -8549,7 +8424,7 @@
           <a:p>
             <a:fld id="{B6B662BC-BFCE-4273-955A-28B15CD19EDC}" type="datetimeFigureOut">
               <a:rPr lang="zh-CN" altLang="en-US" smtClean="0"/>
-              <a:t>2019/12/30</a:t>
+              <a:t>2019/12/31</a:t>
             </a:fld>
             <a:endParaRPr lang="zh-CN" altLang="en-US"/>
           </a:p>
@@ -8746,7 +8621,7 @@
           <a:p>
             <a:fld id="{B6B662BC-BFCE-4273-955A-28B15CD19EDC}" type="datetimeFigureOut">
               <a:rPr lang="zh-CN" altLang="en-US" smtClean="0"/>
-              <a:t>2019/12/30</a:t>
+              <a:t>2019/12/31</a:t>
             </a:fld>
             <a:endParaRPr lang="zh-CN" altLang="en-US"/>
           </a:p>
@@ -8921,7 +8796,7 @@
           <a:p>
             <a:fld id="{B6B662BC-BFCE-4273-955A-28B15CD19EDC}" type="datetimeFigureOut">
               <a:rPr lang="zh-CN" altLang="en-US" smtClean="0"/>
-              <a:t>2019/12/30</a:t>
+              <a:t>2019/12/31</a:t>
             </a:fld>
             <a:endParaRPr lang="zh-CN" altLang="en-US"/>
           </a:p>
@@ -9173,7 +9048,7 @@
           <a:p>
             <a:fld id="{B6B662BC-BFCE-4273-955A-28B15CD19EDC}" type="datetimeFigureOut">
               <a:rPr lang="zh-CN" altLang="en-US" smtClean="0"/>
-              <a:t>2019/12/30</a:t>
+              <a:t>2019/12/31</a:t>
             </a:fld>
             <a:endParaRPr lang="zh-CN" altLang="en-US"/>
           </a:p>
@@ -9409,7 +9284,7 @@
           <a:p>
             <a:fld id="{B6B662BC-BFCE-4273-955A-28B15CD19EDC}" type="datetimeFigureOut">
               <a:rPr lang="zh-CN" altLang="en-US" smtClean="0"/>
-              <a:t>2019/12/30</a:t>
+              <a:t>2019/12/31</a:t>
             </a:fld>
             <a:endParaRPr lang="zh-CN" altLang="en-US"/>
           </a:p>
@@ -9780,7 +9655,7 @@
           <a:p>
             <a:fld id="{B6B662BC-BFCE-4273-955A-28B15CD19EDC}" type="datetimeFigureOut">
               <a:rPr lang="zh-CN" altLang="en-US" smtClean="0"/>
-              <a:t>2019/12/30</a:t>
+              <a:t>2019/12/31</a:t>
             </a:fld>
             <a:endParaRPr lang="zh-CN" altLang="en-US"/>
           </a:p>
@@ -9904,7 +9779,7 @@
           <a:p>
             <a:fld id="{B6B662BC-BFCE-4273-955A-28B15CD19EDC}" type="datetimeFigureOut">
               <a:rPr lang="zh-CN" altLang="en-US" smtClean="0"/>
-              <a:t>2019/12/30</a:t>
+              <a:t>2019/12/31</a:t>
             </a:fld>
             <a:endParaRPr lang="zh-CN" altLang="en-US"/>
           </a:p>
@@ -10006,7 +9881,7 @@
           <a:p>
             <a:fld id="{B6B662BC-BFCE-4273-955A-28B15CD19EDC}" type="datetimeFigureOut">
               <a:rPr lang="zh-CN" altLang="en-US" smtClean="0"/>
-              <a:t>2019/12/30</a:t>
+              <a:t>2019/12/31</a:t>
             </a:fld>
             <a:endParaRPr lang="zh-CN" altLang="en-US"/>
           </a:p>
@@ -10288,7 +10163,7 @@
           <a:p>
             <a:fld id="{B6B662BC-BFCE-4273-955A-28B15CD19EDC}" type="datetimeFigureOut">
               <a:rPr lang="zh-CN" altLang="en-US" smtClean="0"/>
-              <a:t>2019/12/30</a:t>
+              <a:t>2019/12/31</a:t>
             </a:fld>
             <a:endParaRPr lang="zh-CN" altLang="en-US"/>
           </a:p>
@@ -10547,7 +10422,7 @@
           <a:p>
             <a:fld id="{B6B662BC-BFCE-4273-955A-28B15CD19EDC}" type="datetimeFigureOut">
               <a:rPr lang="zh-CN" altLang="en-US" smtClean="0"/>
-              <a:t>2019/12/30</a:t>
+              <a:t>2019/12/31</a:t>
             </a:fld>
             <a:endParaRPr lang="zh-CN" altLang="en-US"/>
           </a:p>
@@ -10722,7 +10597,7 @@
           <a:p>
             <a:fld id="{B6B662BC-BFCE-4273-955A-28B15CD19EDC}" type="datetimeFigureOut">
               <a:rPr lang="zh-CN" altLang="en-US" smtClean="0"/>
-              <a:t>2019/12/30</a:t>
+              <a:t>2019/12/31</a:t>
             </a:fld>
             <a:endParaRPr lang="zh-CN" altLang="en-US"/>
           </a:p>
@@ -10974,7 +10849,7 @@
           <a:p>
             <a:fld id="{B6B662BC-BFCE-4273-955A-28B15CD19EDC}" type="datetimeFigureOut">
               <a:rPr lang="zh-CN" altLang="en-US" smtClean="0"/>
-              <a:t>2019/12/30</a:t>
+              <a:t>2019/12/31</a:t>
             </a:fld>
             <a:endParaRPr lang="zh-CN" altLang="en-US"/>
           </a:p>
@@ -11159,7 +11034,7 @@
           <a:p>
             <a:fld id="{B6B662BC-BFCE-4273-955A-28B15CD19EDC}" type="datetimeFigureOut">
               <a:rPr lang="zh-CN" altLang="en-US" smtClean="0"/>
-              <a:t>2019/12/30</a:t>
+              <a:t>2019/12/31</a:t>
             </a:fld>
             <a:endParaRPr lang="zh-CN" altLang="en-US"/>
           </a:p>
@@ -11395,7 +11270,7 @@
           <a:p>
             <a:fld id="{B6B662BC-BFCE-4273-955A-28B15CD19EDC}" type="datetimeFigureOut">
               <a:rPr lang="zh-CN" altLang="en-US" smtClean="0"/>
-              <a:t>2019/12/30</a:t>
+              <a:t>2019/12/31</a:t>
             </a:fld>
             <a:endParaRPr lang="zh-CN" altLang="en-US"/>
           </a:p>
@@ -11766,7 +11641,7 @@
           <a:p>
             <a:fld id="{B6B662BC-BFCE-4273-955A-28B15CD19EDC}" type="datetimeFigureOut">
               <a:rPr lang="zh-CN" altLang="en-US" smtClean="0"/>
-              <a:t>2019/12/30</a:t>
+              <a:t>2019/12/31</a:t>
             </a:fld>
             <a:endParaRPr lang="zh-CN" altLang="en-US"/>
           </a:p>
@@ -11890,7 +11765,7 @@
           <a:p>
             <a:fld id="{B6B662BC-BFCE-4273-955A-28B15CD19EDC}" type="datetimeFigureOut">
               <a:rPr lang="zh-CN" altLang="en-US" smtClean="0"/>
-              <a:t>2019/12/30</a:t>
+              <a:t>2019/12/31</a:t>
             </a:fld>
             <a:endParaRPr lang="zh-CN" altLang="en-US"/>
           </a:p>
@@ -11992,7 +11867,7 @@
           <a:p>
             <a:fld id="{B6B662BC-BFCE-4273-955A-28B15CD19EDC}" type="datetimeFigureOut">
               <a:rPr lang="zh-CN" altLang="en-US" smtClean="0"/>
-              <a:t>2019/12/30</a:t>
+              <a:t>2019/12/31</a:t>
             </a:fld>
             <a:endParaRPr lang="zh-CN" altLang="en-US"/>
           </a:p>
@@ -12274,7 +12149,7 @@
           <a:p>
             <a:fld id="{B6B662BC-BFCE-4273-955A-28B15CD19EDC}" type="datetimeFigureOut">
               <a:rPr lang="zh-CN" altLang="en-US" smtClean="0"/>
-              <a:t>2019/12/30</a:t>
+              <a:t>2019/12/31</a:t>
             </a:fld>
             <a:endParaRPr lang="zh-CN" altLang="en-US"/>
           </a:p>
@@ -12533,7 +12408,7 @@
           <a:p>
             <a:fld id="{B6B662BC-BFCE-4273-955A-28B15CD19EDC}" type="datetimeFigureOut">
               <a:rPr lang="zh-CN" altLang="en-US" smtClean="0"/>
-              <a:t>2019/12/30</a:t>
+              <a:t>2019/12/31</a:t>
             </a:fld>
             <a:endParaRPr lang="zh-CN" altLang="en-US"/>
           </a:p>
@@ -12751,7 +12626,7 @@
           <a:p>
             <a:fld id="{B6B662BC-BFCE-4273-955A-28B15CD19EDC}" type="datetimeFigureOut">
               <a:rPr lang="zh-CN" altLang="en-US" smtClean="0"/>
-              <a:t>2019/12/30</a:t>
+              <a:t>2019/12/31</a:t>
             </a:fld>
             <a:endParaRPr lang="zh-CN" altLang="en-US"/>
           </a:p>
@@ -13629,7 +13504,7 @@
           <a:p>
             <a:fld id="{B6B662BC-BFCE-4273-955A-28B15CD19EDC}" type="datetimeFigureOut">
               <a:rPr lang="zh-CN" altLang="en-US" smtClean="0"/>
-              <a:t>2019/12/30</a:t>
+              <a:t>2019/12/31</a:t>
             </a:fld>
             <a:endParaRPr lang="zh-CN" altLang="en-US"/>
           </a:p>
@@ -19529,6 +19404,197 @@
       </p:sp>
       <p:pic>
         <p:nvPicPr>
+          <p:cNvPr id="3" name="圖片 2"/>
+          <p:cNvPicPr>
+            <a:picLocks noChangeAspect="1"/>
+          </p:cNvPicPr>
+          <p:nvPr/>
+        </p:nvPicPr>
+        <p:blipFill>
+          <a:blip r:embed="rId3">
+            <a:extLst>
+              <a:ext uri="{28A0092B-C50C-407E-A947-70E740481C1C}">
+                <a14:useLocalDpi xmlns:a14="http://schemas.microsoft.com/office/drawing/2010/main" val="0"/>
+              </a:ext>
+            </a:extLst>
+          </a:blip>
+          <a:stretch>
+            <a:fillRect/>
+          </a:stretch>
+        </p:blipFill>
+        <p:spPr>
+          <a:xfrm>
+            <a:off x="0" y="-72977"/>
+            <a:ext cx="12192000" cy="6930978"/>
+          </a:xfrm>
+          <a:prstGeom prst="rect">
+            <a:avLst/>
+          </a:prstGeom>
+        </p:spPr>
+      </p:pic>
+    </p:spTree>
+    <p:extLst>
+      <p:ext uri="{BB962C8B-B14F-4D97-AF65-F5344CB8AC3E}">
+        <p14:creationId xmlns:p14="http://schemas.microsoft.com/office/powerpoint/2010/main" val="2833302709"/>
+      </p:ext>
+    </p:extLst>
+  </p:cSld>
+  <p:clrMapOvr>
+    <a:masterClrMapping/>
+  </p:clrMapOvr>
+  <mc:AlternateContent xmlns:mc="http://schemas.openxmlformats.org/markup-compatibility/2006" xmlns:p14="http://schemas.microsoft.com/office/powerpoint/2010/main">
+    <mc:Choice Requires="p14">
+      <p:transition spd="med" p14:dur="700">
+        <p:fade/>
+      </p:transition>
+    </mc:Choice>
+    <mc:Fallback xmlns="">
+      <p:transition spd="med">
+        <p:fade/>
+      </p:transition>
+    </mc:Fallback>
+  </mc:AlternateContent>
+</p:sld>
+</file>
+
+<file path=ppt/slides/slide11.xml><?xml version="1.0" encoding="utf-8"?>
+<p:sld xmlns:a="http://schemas.openxmlformats.org/drawingml/2006/main" xmlns:r="http://schemas.openxmlformats.org/officeDocument/2006/relationships" xmlns:p="http://schemas.openxmlformats.org/presentationml/2006/main">
+  <p:cSld>
+    <p:spTree>
+      <p:nvGrpSpPr>
+        <p:cNvPr id="1" name=""/>
+        <p:cNvGrpSpPr/>
+        <p:nvPr/>
+      </p:nvGrpSpPr>
+      <p:grpSpPr>
+        <a:xfrm>
+          <a:off x="0" y="0"/>
+          <a:ext cx="0" cy="0"/>
+          <a:chOff x="0" y="0"/>
+          <a:chExt cx="0" cy="0"/>
+        </a:xfrm>
+      </p:grpSpPr>
+      <p:sp>
+        <p:nvSpPr>
+          <p:cNvPr id="16" name="矩形 15"/>
+          <p:cNvSpPr/>
+          <p:nvPr/>
+        </p:nvSpPr>
+        <p:spPr>
+          <a:xfrm>
+            <a:off x="0" y="-72978"/>
+            <a:ext cx="12187592" cy="6930977"/>
+          </a:xfrm>
+          <a:prstGeom prst="rect">
+            <a:avLst/>
+          </a:prstGeom>
+          <a:solidFill>
+            <a:schemeClr val="bg1">
+              <a:lumMod val="95000"/>
+            </a:schemeClr>
+          </a:solidFill>
+          <a:ln>
+            <a:noFill/>
+          </a:ln>
+        </p:spPr>
+        <p:style>
+          <a:lnRef idx="2">
+            <a:schemeClr val="accent1">
+              <a:shade val="50000"/>
+            </a:schemeClr>
+          </a:lnRef>
+          <a:fillRef idx="1">
+            <a:schemeClr val="accent1"/>
+          </a:fillRef>
+          <a:effectRef idx="0">
+            <a:schemeClr val="accent1"/>
+          </a:effectRef>
+          <a:fontRef idx="minor">
+            <a:schemeClr val="lt1"/>
+          </a:fontRef>
+        </p:style>
+        <p:txBody>
+          <a:bodyPr rtlCol="0" anchor="ctr"/>
+          <a:lstStyle/>
+          <a:p>
+            <a:pPr algn="ctr"/>
+            <a:endParaRPr lang="zh-CN" altLang="en-US"/>
+          </a:p>
+        </p:txBody>
+      </p:sp>
+      <p:sp>
+        <p:nvSpPr>
+          <p:cNvPr id="22" name="图文框 21"/>
+          <p:cNvSpPr/>
+          <p:nvPr/>
+        </p:nvSpPr>
+        <p:spPr>
+          <a:xfrm>
+            <a:off x="353931" y="342821"/>
+            <a:ext cx="11479731" cy="6172357"/>
+          </a:xfrm>
+          <a:prstGeom prst="frame">
+            <a:avLst>
+              <a:gd name="adj1" fmla="val 772"/>
+            </a:avLst>
+          </a:prstGeom>
+          <a:gradFill flip="none" rotWithShape="1">
+            <a:gsLst>
+              <a:gs pos="0">
+                <a:srgbClr val="FEF19F"/>
+              </a:gs>
+              <a:gs pos="100000">
+                <a:srgbClr val="FEF19F"/>
+              </a:gs>
+              <a:gs pos="50000">
+                <a:srgbClr val="937F3C"/>
+              </a:gs>
+            </a:gsLst>
+            <a:lin ang="0" scaled="1"/>
+            <a:tileRect/>
+          </a:gradFill>
+          <a:ln>
+            <a:noFill/>
+          </a:ln>
+          <a:effectLst>
+            <a:outerShdw blurRad="101600" algn="ctr" rotWithShape="0">
+              <a:prstClr val="black">
+                <a:alpha val="42000"/>
+              </a:prstClr>
+            </a:outerShdw>
+          </a:effectLst>
+        </p:spPr>
+        <p:style>
+          <a:lnRef idx="2">
+            <a:schemeClr val="accent1">
+              <a:shade val="50000"/>
+            </a:schemeClr>
+          </a:lnRef>
+          <a:fillRef idx="1">
+            <a:schemeClr val="accent1"/>
+          </a:fillRef>
+          <a:effectRef idx="0">
+            <a:schemeClr val="accent1"/>
+          </a:effectRef>
+          <a:fontRef idx="minor">
+            <a:schemeClr val="lt1"/>
+          </a:fontRef>
+        </p:style>
+        <p:txBody>
+          <a:bodyPr rtlCol="0" anchor="ctr"/>
+          <a:lstStyle/>
+          <a:p>
+            <a:pPr algn="ctr"/>
+            <a:endParaRPr lang="zh-CN" altLang="en-US">
+              <a:solidFill>
+                <a:schemeClr val="tx1"/>
+              </a:solidFill>
+            </a:endParaRPr>
+          </a:p>
+        </p:txBody>
+      </p:sp>
+      <p:pic>
+        <p:nvPicPr>
           <p:cNvPr id="5" name="圖片 4"/>
           <p:cNvPicPr>
             <a:picLocks noChangeAspect="1"/>
@@ -19612,7 +19678,7 @@
 </p:sld>
 </file>
 
-<file path=ppt/slides/slide11.xml><?xml version="1.0" encoding="utf-8"?>
+<file path=ppt/slides/slide12.xml><?xml version="1.0" encoding="utf-8"?>
 <p:sld xmlns:a="http://schemas.openxmlformats.org/drawingml/2006/main" xmlns:r="http://schemas.openxmlformats.org/officeDocument/2006/relationships" xmlns:p="http://schemas.openxmlformats.org/presentationml/2006/main">
   <p:cSld>
     <p:spTree>
@@ -21168,21 +21234,16 @@
             </a:r>
             <a:r>
               <a:rPr lang="en-US" altLang="zh-TW" sz="2800" dirty="0"/>
-              <a:t>— </a:t>
+              <a:t>— HTML</a:t>
             </a:r>
             <a:r>
-              <a:rPr lang="en-US" altLang="zh-TW" sz="2800" dirty="0" smtClean="0"/>
-              <a:t>HTML</a:t>
-            </a:r>
-            <a:r>
-              <a:rPr lang="zh-TW" altLang="en-US" sz="2800" dirty="0" smtClean="0"/>
+              <a:rPr lang="zh-TW" altLang="en-US" sz="2800" dirty="0"/>
               <a:t>、</a:t>
             </a:r>
             <a:r>
-              <a:rPr lang="en-US" altLang="zh-TW" sz="2800" dirty="0" smtClean="0"/>
+              <a:rPr lang="en-US" altLang="zh-TW" sz="2800" dirty="0"/>
               <a:t>JQuery</a:t>
             </a:r>
-            <a:endParaRPr lang="en-US" altLang="zh-TW" sz="2800" dirty="0"/>
           </a:p>
           <a:p>
             <a:pPr marL="285750" indent="-285750">
@@ -21191,13 +21252,8 @@
             </a:pPr>
             <a:r>
               <a:rPr lang="en-US" altLang="zh-TW" sz="2800" dirty="0"/>
-              <a:t>Button — </a:t>
+              <a:t>Button — JavaScript</a:t>
             </a:r>
-            <a:r>
-              <a:rPr lang="en-US" altLang="zh-TW" sz="2800" dirty="0" smtClean="0"/>
-              <a:t>JavaScript</a:t>
-            </a:r>
-            <a:endParaRPr lang="en-US" altLang="zh-TW" sz="2800" dirty="0"/>
           </a:p>
         </p:txBody>
       </p:sp>
@@ -21224,7 +21280,7 @@
           <a:lstStyle/>
           <a:p>
             <a:r>
-              <a:rPr lang="zh-TW" altLang="en-US" sz="2800" dirty="0" smtClean="0"/>
+              <a:rPr lang="zh-TW" altLang="en-US" sz="2800" dirty="0"/>
               <a:t>網址：</a:t>
             </a:r>
             <a:r>
@@ -21276,13 +21332,13 @@
       </p:grpSpPr>
       <p:sp>
         <p:nvSpPr>
-          <p:cNvPr id="16" name="矩形 15"/>
+          <p:cNvPr id="4" name="矩形 3"/>
           <p:cNvSpPr/>
           <p:nvPr/>
         </p:nvSpPr>
         <p:spPr>
           <a:xfrm>
-            <a:off x="0" y="-72978"/>
+            <a:off x="4408" y="0"/>
             <a:ext cx="12187592" cy="6930977"/>
           </a:xfrm>
           <a:prstGeom prst="rect">
@@ -21318,13 +21374,13 @@
           <a:lstStyle/>
           <a:p>
             <a:pPr algn="ctr"/>
-            <a:endParaRPr lang="zh-CN" altLang="en-US"/>
+            <a:endParaRPr lang="zh-CN" altLang="en-US" dirty="0"/>
           </a:p>
         </p:txBody>
       </p:sp>
       <p:sp>
         <p:nvSpPr>
-          <p:cNvPr id="22" name="图文框 21"/>
+          <p:cNvPr id="5" name="图文框 4"/>
           <p:cNvSpPr/>
           <p:nvPr/>
         </p:nvSpPr>
@@ -21395,14 +21451,225 @@
       </p:sp>
       <p:pic>
         <p:nvPicPr>
-          <p:cNvPr id="5" name="圖片 4"/>
+          <p:cNvPr id="10" name="图片 9"/>
           <p:cNvPicPr>
             <a:picLocks noChangeAspect="1"/>
           </p:cNvPicPr>
           <p:nvPr/>
         </p:nvPicPr>
         <p:blipFill>
-          <a:blip r:embed="rId3">
+          <a:blip r:embed="rId3" cstate="print">
+            <a:extLst>
+              <a:ext uri="{28A0092B-C50C-407E-A947-70E740481C1C}">
+                <a14:useLocalDpi xmlns:a14="http://schemas.microsoft.com/office/drawing/2010/main" val="0"/>
+              </a:ext>
+            </a:extLst>
+          </a:blip>
+          <a:stretch>
+            <a:fillRect/>
+          </a:stretch>
+        </p:blipFill>
+        <p:spPr>
+          <a:xfrm rot="3984410" flipH="1">
+            <a:off x="216185" y="-526303"/>
+            <a:ext cx="1596267" cy="1738247"/>
+          </a:xfrm>
+          <a:prstGeom prst="rect">
+            <a:avLst/>
+          </a:prstGeom>
+        </p:spPr>
+      </p:pic>
+      <p:sp>
+        <p:nvSpPr>
+          <p:cNvPr id="12" name="TextBox 105"/>
+          <p:cNvSpPr txBox="1">
+            <a:spLocks noChangeArrowheads="1"/>
+          </p:cNvSpPr>
+          <p:nvPr/>
+        </p:nvSpPr>
+        <p:spPr bwMode="auto">
+          <a:xfrm>
+            <a:off x="2130238" y="554715"/>
+            <a:ext cx="4237331" cy="684769"/>
+          </a:xfrm>
+          <a:prstGeom prst="rect">
+            <a:avLst/>
+          </a:prstGeom>
+          <a:noFill/>
+          <a:ln w="9525">
+            <a:noFill/>
+            <a:miter lim="800000"/>
+          </a:ln>
+        </p:spPr>
+        <p:txBody>
+          <a:bodyPr vert="horz" wrap="square" lIns="68546" tIns="34273" rIns="68546" bIns="34273">
+            <a:spAutoFit/>
+          </a:bodyPr>
+          <a:lstStyle>
+            <a:lvl1pPr eaLnBrk="0" hangingPunct="0">
+              <a:defRPr>
+                <a:solidFill>
+                  <a:schemeClr val="tx1"/>
+                </a:solidFill>
+                <a:latin typeface="Arial" panose="020B0604020202020204" pitchFamily="34" charset="0"/>
+                <a:ea typeface="宋体" panose="02010600030101010101" pitchFamily="2" charset="-122"/>
+              </a:defRPr>
+            </a:lvl1pPr>
+            <a:lvl2pPr marL="742950" indent="-285750" eaLnBrk="0" hangingPunct="0">
+              <a:defRPr>
+                <a:solidFill>
+                  <a:schemeClr val="tx1"/>
+                </a:solidFill>
+                <a:latin typeface="Arial" panose="020B0604020202020204" pitchFamily="34" charset="0"/>
+                <a:ea typeface="宋体" panose="02010600030101010101" pitchFamily="2" charset="-122"/>
+              </a:defRPr>
+            </a:lvl2pPr>
+            <a:lvl3pPr marL="1143000" indent="-228600" eaLnBrk="0" hangingPunct="0">
+              <a:defRPr>
+                <a:solidFill>
+                  <a:schemeClr val="tx1"/>
+                </a:solidFill>
+                <a:latin typeface="Arial" panose="020B0604020202020204" pitchFamily="34" charset="0"/>
+                <a:ea typeface="宋体" panose="02010600030101010101" pitchFamily="2" charset="-122"/>
+              </a:defRPr>
+            </a:lvl3pPr>
+            <a:lvl4pPr marL="1600200" indent="-228600" eaLnBrk="0" hangingPunct="0">
+              <a:defRPr>
+                <a:solidFill>
+                  <a:schemeClr val="tx1"/>
+                </a:solidFill>
+                <a:latin typeface="Arial" panose="020B0604020202020204" pitchFamily="34" charset="0"/>
+                <a:ea typeface="宋体" panose="02010600030101010101" pitchFamily="2" charset="-122"/>
+              </a:defRPr>
+            </a:lvl4pPr>
+            <a:lvl5pPr marL="2057400" indent="-228600" eaLnBrk="0" hangingPunct="0">
+              <a:defRPr>
+                <a:solidFill>
+                  <a:schemeClr val="tx1"/>
+                </a:solidFill>
+                <a:latin typeface="Arial" panose="020B0604020202020204" pitchFamily="34" charset="0"/>
+                <a:ea typeface="宋体" panose="02010600030101010101" pitchFamily="2" charset="-122"/>
+              </a:defRPr>
+            </a:lvl5pPr>
+            <a:lvl6pPr marL="2514600" indent="-228600" eaLnBrk="0" fontAlgn="base" hangingPunct="0">
+              <a:spcBef>
+                <a:spcPct val="0"/>
+              </a:spcBef>
+              <a:spcAft>
+                <a:spcPct val="0"/>
+              </a:spcAft>
+              <a:buFont typeface="Arial" panose="020B0604020202020204" pitchFamily="34" charset="0"/>
+              <a:defRPr>
+                <a:solidFill>
+                  <a:schemeClr val="tx1"/>
+                </a:solidFill>
+                <a:latin typeface="Arial" panose="020B0604020202020204" pitchFamily="34" charset="0"/>
+                <a:ea typeface="宋体" panose="02010600030101010101" pitchFamily="2" charset="-122"/>
+              </a:defRPr>
+            </a:lvl6pPr>
+            <a:lvl7pPr marL="2971800" indent="-228600" eaLnBrk="0" fontAlgn="base" hangingPunct="0">
+              <a:spcBef>
+                <a:spcPct val="0"/>
+              </a:spcBef>
+              <a:spcAft>
+                <a:spcPct val="0"/>
+              </a:spcAft>
+              <a:buFont typeface="Arial" panose="020B0604020202020204" pitchFamily="34" charset="0"/>
+              <a:defRPr>
+                <a:solidFill>
+                  <a:schemeClr val="tx1"/>
+                </a:solidFill>
+                <a:latin typeface="Arial" panose="020B0604020202020204" pitchFamily="34" charset="0"/>
+                <a:ea typeface="宋体" panose="02010600030101010101" pitchFamily="2" charset="-122"/>
+              </a:defRPr>
+            </a:lvl7pPr>
+            <a:lvl8pPr marL="3429000" indent="-228600" eaLnBrk="0" fontAlgn="base" hangingPunct="0">
+              <a:spcBef>
+                <a:spcPct val="0"/>
+              </a:spcBef>
+              <a:spcAft>
+                <a:spcPct val="0"/>
+              </a:spcAft>
+              <a:buFont typeface="Arial" panose="020B0604020202020204" pitchFamily="34" charset="0"/>
+              <a:defRPr>
+                <a:solidFill>
+                  <a:schemeClr val="tx1"/>
+                </a:solidFill>
+                <a:latin typeface="Arial" panose="020B0604020202020204" pitchFamily="34" charset="0"/>
+                <a:ea typeface="宋体" panose="02010600030101010101" pitchFamily="2" charset="-122"/>
+              </a:defRPr>
+            </a:lvl8pPr>
+            <a:lvl9pPr marL="3886200" indent="-228600" eaLnBrk="0" fontAlgn="base" hangingPunct="0">
+              <a:spcBef>
+                <a:spcPct val="0"/>
+              </a:spcBef>
+              <a:spcAft>
+                <a:spcPct val="0"/>
+              </a:spcAft>
+              <a:buFont typeface="Arial" panose="020B0604020202020204" pitchFamily="34" charset="0"/>
+              <a:defRPr>
+                <a:solidFill>
+                  <a:schemeClr val="tx1"/>
+                </a:solidFill>
+                <a:latin typeface="Arial" panose="020B0604020202020204" pitchFamily="34" charset="0"/>
+                <a:ea typeface="宋体" panose="02010600030101010101" pitchFamily="2" charset="-122"/>
+              </a:defRPr>
+            </a:lvl9pPr>
+          </a:lstStyle>
+          <a:p>
+            <a:pPr eaLnBrk="1" hangingPunct="1"/>
+            <a:r>
+              <a:rPr lang="en-US" altLang="zh-TW" sz="4000" b="1" dirty="0">
+                <a:solidFill>
+                  <a:schemeClr val="tx1">
+                    <a:lumMod val="95000"/>
+                    <a:lumOff val="5000"/>
+                  </a:schemeClr>
+                </a:solidFill>
+                <a:latin typeface="+mn-lt"/>
+                <a:ea typeface="方正字迹-子实行楷简体" panose="02000000000000000000" pitchFamily="2" charset="-122"/>
+                <a:cs typeface="+mn-lt"/>
+              </a:rPr>
+              <a:t>	</a:t>
+            </a:r>
+            <a:r>
+              <a:rPr lang="zh-TW" altLang="en-US" sz="4000" b="1" dirty="0">
+                <a:solidFill>
+                  <a:schemeClr val="tx1">
+                    <a:lumMod val="95000"/>
+                    <a:lumOff val="5000"/>
+                  </a:schemeClr>
+                </a:solidFill>
+                <a:latin typeface="+mn-lt"/>
+                <a:ea typeface="方正字迹-子实行楷简体" panose="02000000000000000000" pitchFamily="2" charset="-122"/>
+                <a:cs typeface="+mn-lt"/>
+              </a:rPr>
+              <a:t>分工表</a:t>
+            </a:r>
+            <a:endParaRPr lang="zh-CN" altLang="en-US" sz="4000" b="1" dirty="0">
+              <a:solidFill>
+                <a:schemeClr val="tx1">
+                  <a:lumMod val="95000"/>
+                  <a:lumOff val="5000"/>
+                </a:schemeClr>
+              </a:solidFill>
+              <a:latin typeface="+mn-lt"/>
+              <a:ea typeface="方正字迹-子实行楷简体" panose="02000000000000000000" pitchFamily="2" charset="-122"/>
+              <a:cs typeface="+mn-lt"/>
+            </a:endParaRPr>
+          </a:p>
+        </p:txBody>
+      </p:sp>
+      <p:pic>
+        <p:nvPicPr>
+          <p:cNvPr id="7" name="图片 6"/>
+          <p:cNvPicPr>
+            <a:picLocks noChangeAspect="1"/>
+          </p:cNvPicPr>
+          <p:nvPr/>
+        </p:nvPicPr>
+        <p:blipFill>
+          <a:blip r:embed="rId4" cstate="print">
             <a:extLst>
               <a:ext uri="{28A0092B-C50C-407E-A947-70E740481C1C}">
                 <a14:useLocalDpi xmlns:a14="http://schemas.microsoft.com/office/drawing/2010/main" val="0"/>
@@ -21415,18 +21682,544 @@
         </p:blipFill>
         <p:spPr>
           <a:xfrm>
-            <a:off x="0" y="-72978"/>
-            <a:ext cx="12187592" cy="6930977"/>
+            <a:off x="9703248" y="4642344"/>
+            <a:ext cx="2019653" cy="1872834"/>
           </a:xfrm>
           <a:prstGeom prst="rect">
             <a:avLst/>
           </a:prstGeom>
         </p:spPr>
       </p:pic>
+      <p:grpSp>
+        <p:nvGrpSpPr>
+          <p:cNvPr id="18" name="组合 17">
+            <a:extLst>
+              <a:ext uri="{FF2B5EF4-FFF2-40B4-BE49-F238E27FC236}">
+                <a16:creationId xmlns:a16="http://schemas.microsoft.com/office/drawing/2014/main" id="{D433FA99-3568-42FE-8F55-A11E5BAC3006}"/>
+              </a:ext>
+            </a:extLst>
+          </p:cNvPr>
+          <p:cNvGrpSpPr/>
+          <p:nvPr/>
+        </p:nvGrpSpPr>
+        <p:grpSpPr>
+          <a:xfrm>
+            <a:off x="6722527" y="803635"/>
+            <a:ext cx="3665718" cy="5578848"/>
+            <a:chOff x="6722527" y="803635"/>
+            <a:chExt cx="3665718" cy="5578848"/>
+          </a:xfrm>
+        </p:grpSpPr>
+        <p:pic>
+          <p:nvPicPr>
+            <p:cNvPr id="16" name="图片 15">
+              <a:extLst>
+                <a:ext uri="{FF2B5EF4-FFF2-40B4-BE49-F238E27FC236}">
+                  <a16:creationId xmlns:a16="http://schemas.microsoft.com/office/drawing/2014/main" id="{FAF3BB67-A6FD-45BB-8A1D-6EF1D6253D61}"/>
+                </a:ext>
+              </a:extLst>
+            </p:cNvPr>
+            <p:cNvPicPr>
+              <a:picLocks noChangeAspect="1"/>
+            </p:cNvPicPr>
+            <p:nvPr/>
+          </p:nvPicPr>
+          <p:blipFill>
+            <a:blip r:embed="rId5">
+              <a:extLst>
+                <a:ext uri="{28A0092B-C50C-407E-A947-70E740481C1C}">
+                  <a14:useLocalDpi xmlns:a14="http://schemas.microsoft.com/office/drawing/2010/main" val="0"/>
+                </a:ext>
+              </a:extLst>
+            </a:blip>
+            <a:stretch>
+              <a:fillRect/>
+            </a:stretch>
+          </p:blipFill>
+          <p:spPr>
+            <a:xfrm>
+              <a:off x="7255915" y="803635"/>
+              <a:ext cx="3132330" cy="5488213"/>
+            </a:xfrm>
+            <a:prstGeom prst="rect">
+              <a:avLst/>
+            </a:prstGeom>
+          </p:spPr>
+        </p:pic>
+        <p:pic>
+          <p:nvPicPr>
+            <p:cNvPr id="17" name="图片 16">
+              <a:extLst>
+                <a:ext uri="{FF2B5EF4-FFF2-40B4-BE49-F238E27FC236}">
+                  <a16:creationId xmlns:a16="http://schemas.microsoft.com/office/drawing/2014/main" id="{77456045-867B-4E9C-9926-A040225FF1AE}"/>
+                </a:ext>
+              </a:extLst>
+            </p:cNvPr>
+            <p:cNvPicPr>
+              <a:picLocks noChangeAspect="1"/>
+            </p:cNvPicPr>
+            <p:nvPr/>
+          </p:nvPicPr>
+          <p:blipFill>
+            <a:blip r:embed="rId5">
+              <a:extLst>
+                <a:ext uri="{28A0092B-C50C-407E-A947-70E740481C1C}">
+                  <a14:useLocalDpi xmlns:a14="http://schemas.microsoft.com/office/drawing/2010/main" val="0"/>
+                </a:ext>
+              </a:extLst>
+            </a:blip>
+            <a:stretch>
+              <a:fillRect/>
+            </a:stretch>
+          </p:blipFill>
+          <p:spPr>
+            <a:xfrm rot="20587026" flipH="1">
+              <a:off x="6722527" y="2397877"/>
+              <a:ext cx="2274165" cy="3984606"/>
+            </a:xfrm>
+            <a:prstGeom prst="rect">
+              <a:avLst/>
+            </a:prstGeom>
+          </p:spPr>
+        </p:pic>
+      </p:grpSp>
+      <p:graphicFrame>
+        <p:nvGraphicFramePr>
+          <p:cNvPr id="3" name="表格 5">
+            <a:extLst>
+              <a:ext uri="{FF2B5EF4-FFF2-40B4-BE49-F238E27FC236}">
+                <a16:creationId xmlns:a16="http://schemas.microsoft.com/office/drawing/2014/main" id="{0261B42D-3A4D-4DA3-9CB7-020B988D152A}"/>
+              </a:ext>
+            </a:extLst>
+          </p:cNvPr>
+          <p:cNvGraphicFramePr>
+            <a:graphicFrameLocks noGrp="1"/>
+          </p:cNvGraphicFramePr>
+          <p:nvPr>
+            <p:extLst>
+              <p:ext uri="{D42A27DB-BD31-4B8C-83A1-F6EECF244321}">
+                <p14:modId xmlns:p14="http://schemas.microsoft.com/office/powerpoint/2010/main" val="1584029146"/>
+              </p:ext>
+            </p:extLst>
+          </p:nvPr>
+        </p:nvGraphicFramePr>
+        <p:xfrm>
+          <a:off x="591303" y="1223813"/>
+          <a:ext cx="7068064" cy="4830552"/>
+        </p:xfrm>
+        <a:graphic>
+          <a:graphicData uri="http://schemas.openxmlformats.org/drawingml/2006/table">
+            <a:tbl>
+              <a:tblPr firstRow="1" bandRow="1">
+                <a:tableStyleId>{5C22544A-7EE6-4342-B048-85BDC9FD1C3A}</a:tableStyleId>
+              </a:tblPr>
+              <a:tblGrid>
+                <a:gridCol w="3222835">
+                  <a:extLst>
+                    <a:ext uri="{9D8B030D-6E8A-4147-A177-3AD203B41FA5}">
+                      <a16:colId xmlns:a16="http://schemas.microsoft.com/office/drawing/2014/main" val="544030490"/>
+                    </a:ext>
+                  </a:extLst>
+                </a:gridCol>
+                <a:gridCol w="3845229">
+                  <a:extLst>
+                    <a:ext uri="{9D8B030D-6E8A-4147-A177-3AD203B41FA5}">
+                      <a16:colId xmlns:a16="http://schemas.microsoft.com/office/drawing/2014/main" val="2344221429"/>
+                    </a:ext>
+                  </a:extLst>
+                </a:gridCol>
+              </a:tblGrid>
+              <a:tr h="864632">
+                <a:tc>
+                  <a:txBody>
+                    <a:bodyPr/>
+                    <a:lstStyle/>
+                    <a:p>
+                      <a:r>
+                        <a:rPr lang="en-US" altLang="zh-TW" sz="2600" dirty="0"/>
+                        <a:t>00757016 </a:t>
+                      </a:r>
+                      <a:r>
+                        <a:rPr lang="zh-TW" altLang="en-US" sz="2600" dirty="0"/>
+                        <a:t>廖巧恩</a:t>
+                      </a:r>
+                    </a:p>
+                  </a:txBody>
+                  <a:tcPr/>
+                </a:tc>
+                <a:tc>
+                  <a:txBody>
+                    <a:bodyPr/>
+                    <a:lstStyle/>
+                    <a:p>
+                      <a:r>
+                        <a:rPr lang="en-US" altLang="zh-TW" sz="2600" dirty="0"/>
+                        <a:t>00757033 </a:t>
+                      </a:r>
+                      <a:r>
+                        <a:rPr lang="zh-TW" altLang="en-US" sz="2600" dirty="0"/>
+                        <a:t>劉凌瑄</a:t>
+                      </a:r>
+                    </a:p>
+                    <a:p>
+                      <a:endParaRPr lang="zh-TW" altLang="en-US" sz="2600" dirty="0"/>
+                    </a:p>
+                  </a:txBody>
+                  <a:tcPr/>
+                </a:tc>
+                <a:extLst>
+                  <a:ext uri="{0D108BD9-81ED-4DB2-BD59-A6C34878D82A}">
+                    <a16:rowId xmlns:a16="http://schemas.microsoft.com/office/drawing/2014/main" val="1682388858"/>
+                  </a:ext>
+                </a:extLst>
+              </a:tr>
+              <a:tr h="474153">
+                <a:tc>
+                  <a:txBody>
+                    <a:bodyPr/>
+                    <a:lstStyle/>
+                    <a:p>
+                      <a:r>
+                        <a:rPr lang="zh-TW" altLang="en-US" sz="2600" dirty="0"/>
+                        <a:t>關卡</a:t>
+                      </a:r>
+                    </a:p>
+                  </a:txBody>
+                  <a:tcPr/>
+                </a:tc>
+                <a:tc>
+                  <a:txBody>
+                    <a:bodyPr/>
+                    <a:lstStyle/>
+                    <a:p>
+                      <a:r>
+                        <a:rPr lang="zh-TW" altLang="en-US" sz="2600" dirty="0"/>
+                        <a:t>布景</a:t>
+                      </a:r>
+                      <a:r>
+                        <a:rPr lang="en-US" altLang="zh-TW" sz="2600" dirty="0"/>
+                        <a:t>(</a:t>
+                      </a:r>
+                      <a:r>
+                        <a:rPr lang="zh-TW" altLang="en-US" sz="2600" dirty="0"/>
+                        <a:t>每層設計</a:t>
+                      </a:r>
+                      <a:r>
+                        <a:rPr lang="en-US" altLang="zh-TW" sz="2600" dirty="0"/>
+                        <a:t>)</a:t>
+                      </a:r>
+                      <a:endParaRPr lang="zh-TW" altLang="en-US" sz="2600" dirty="0"/>
+                    </a:p>
+                  </a:txBody>
+                  <a:tcPr/>
+                </a:tc>
+                <a:extLst>
+                  <a:ext uri="{0D108BD9-81ED-4DB2-BD59-A6C34878D82A}">
+                    <a16:rowId xmlns:a16="http://schemas.microsoft.com/office/drawing/2014/main" val="3408638570"/>
+                  </a:ext>
+                </a:extLst>
+              </a:tr>
+              <a:tr h="474153">
+                <a:tc>
+                  <a:txBody>
+                    <a:bodyPr/>
+                    <a:lstStyle/>
+                    <a:p>
+                      <a:pPr marL="0" marR="0" lvl="0" indent="0" algn="l" defTabSz="914400" rtl="0" eaLnBrk="1" fontAlgn="auto" latinLnBrk="0" hangingPunct="1">
+                        <a:lnSpc>
+                          <a:spcPct val="100000"/>
+                        </a:lnSpc>
+                        <a:spcBef>
+                          <a:spcPts val="0"/>
+                        </a:spcBef>
+                        <a:spcAft>
+                          <a:spcPts val="0"/>
+                        </a:spcAft>
+                        <a:buClrTx/>
+                        <a:buSzTx/>
+                        <a:buFontTx/>
+                        <a:buNone/>
+                        <a:tabLst/>
+                        <a:defRPr/>
+                      </a:pPr>
+                      <a:r>
+                        <a:rPr lang="zh-TW" altLang="en-US" sz="2600" dirty="0"/>
+                        <a:t>圖片拍照</a:t>
+                      </a:r>
+                    </a:p>
+                  </a:txBody>
+                  <a:tcPr/>
+                </a:tc>
+                <a:tc>
+                  <a:txBody>
+                    <a:bodyPr/>
+                    <a:lstStyle/>
+                    <a:p>
+                      <a:r>
+                        <a:rPr lang="zh-TW" altLang="en-US" sz="2600" dirty="0"/>
+                        <a:t>背包</a:t>
+                      </a:r>
+                    </a:p>
+                  </a:txBody>
+                  <a:tcPr/>
+                </a:tc>
+                <a:extLst>
+                  <a:ext uri="{0D108BD9-81ED-4DB2-BD59-A6C34878D82A}">
+                    <a16:rowId xmlns:a16="http://schemas.microsoft.com/office/drawing/2014/main" val="3402815105"/>
+                  </a:ext>
+                </a:extLst>
+              </a:tr>
+              <a:tr h="474153">
+                <a:tc>
+                  <a:txBody>
+                    <a:bodyPr/>
+                    <a:lstStyle/>
+                    <a:p>
+                      <a:r>
+                        <a:rPr lang="zh-TW" altLang="en-US" sz="2600" dirty="0"/>
+                        <a:t>投影片</a:t>
+                      </a:r>
+                    </a:p>
+                  </a:txBody>
+                  <a:tcPr/>
+                </a:tc>
+                <a:tc>
+                  <a:txBody>
+                    <a:bodyPr/>
+                    <a:lstStyle/>
+                    <a:p>
+                      <a:r>
+                        <a:rPr lang="zh-TW" altLang="en-US" sz="2600" dirty="0"/>
+                        <a:t>計算機</a:t>
+                      </a:r>
+                    </a:p>
+                  </a:txBody>
+                  <a:tcPr/>
+                </a:tc>
+                <a:extLst>
+                  <a:ext uri="{0D108BD9-81ED-4DB2-BD59-A6C34878D82A}">
+                    <a16:rowId xmlns:a16="http://schemas.microsoft.com/office/drawing/2014/main" val="408727473"/>
+                  </a:ext>
+                </a:extLst>
+              </a:tr>
+              <a:tr h="474153">
+                <a:tc>
+                  <a:txBody>
+                    <a:bodyPr/>
+                    <a:lstStyle/>
+                    <a:p>
+                      <a:r>
+                        <a:rPr lang="zh-TW" altLang="en-US" sz="2600" dirty="0"/>
+                        <a:t>圖片剪裁</a:t>
+                      </a:r>
+                    </a:p>
+                  </a:txBody>
+                  <a:tcPr/>
+                </a:tc>
+                <a:tc>
+                  <a:txBody>
+                    <a:bodyPr/>
+                    <a:lstStyle/>
+                    <a:p>
+                      <a:pPr marL="0" marR="0" lvl="0" indent="0" algn="l" defTabSz="914400" rtl="0" eaLnBrk="1" fontAlgn="auto" latinLnBrk="0" hangingPunct="1">
+                        <a:lnSpc>
+                          <a:spcPct val="100000"/>
+                        </a:lnSpc>
+                        <a:spcBef>
+                          <a:spcPts val="0"/>
+                        </a:spcBef>
+                        <a:spcAft>
+                          <a:spcPts val="0"/>
+                        </a:spcAft>
+                        <a:buClrTx/>
+                        <a:buSzTx/>
+                        <a:buFontTx/>
+                        <a:buNone/>
+                        <a:tabLst/>
+                        <a:defRPr/>
+                      </a:pPr>
+                      <a:r>
+                        <a:rPr lang="zh-TW" altLang="en-US" sz="2600" dirty="0"/>
+                        <a:t>按鈕</a:t>
+                      </a:r>
+                    </a:p>
+                  </a:txBody>
+                  <a:tcPr/>
+                </a:tc>
+                <a:extLst>
+                  <a:ext uri="{0D108BD9-81ED-4DB2-BD59-A6C34878D82A}">
+                    <a16:rowId xmlns:a16="http://schemas.microsoft.com/office/drawing/2014/main" val="1769105684"/>
+                  </a:ext>
+                </a:extLst>
+              </a:tr>
+              <a:tr h="532872">
+                <a:tc>
+                  <a:txBody>
+                    <a:bodyPr/>
+                    <a:lstStyle/>
+                    <a:p>
+                      <a:r>
+                        <a:rPr lang="zh-TW" altLang="en-US" sz="2600" dirty="0"/>
+                        <a:t>提示設計</a:t>
+                      </a:r>
+                    </a:p>
+                  </a:txBody>
+                  <a:tcPr/>
+                </a:tc>
+                <a:tc>
+                  <a:txBody>
+                    <a:bodyPr/>
+                    <a:lstStyle/>
+                    <a:p>
+                      <a:pPr marL="0" marR="0" lvl="0" indent="0" algn="l" defTabSz="914400" rtl="0" eaLnBrk="1" fontAlgn="auto" latinLnBrk="0" hangingPunct="1">
+                        <a:lnSpc>
+                          <a:spcPct val="100000"/>
+                        </a:lnSpc>
+                        <a:spcBef>
+                          <a:spcPts val="0"/>
+                        </a:spcBef>
+                        <a:spcAft>
+                          <a:spcPts val="0"/>
+                        </a:spcAft>
+                        <a:buClrTx/>
+                        <a:buSzTx/>
+                        <a:buFontTx/>
+                        <a:buNone/>
+                        <a:tabLst/>
+                        <a:defRPr/>
+                      </a:pPr>
+                      <a:r>
+                        <a:rPr lang="zh-TW" altLang="en-US" sz="2600" dirty="0"/>
+                        <a:t>投影片</a:t>
+                      </a:r>
+                    </a:p>
+                  </a:txBody>
+                  <a:tcPr/>
+                </a:tc>
+                <a:extLst>
+                  <a:ext uri="{0D108BD9-81ED-4DB2-BD59-A6C34878D82A}">
+                    <a16:rowId xmlns:a16="http://schemas.microsoft.com/office/drawing/2014/main" val="2552338585"/>
+                  </a:ext>
+                </a:extLst>
+              </a:tr>
+              <a:tr h="464268">
+                <a:tc>
+                  <a:txBody>
+                    <a:bodyPr/>
+                    <a:lstStyle/>
+                    <a:p>
+                      <a:r>
+                        <a:rPr lang="zh-TW" altLang="en-US" sz="2600" dirty="0"/>
+                        <a:t>首頁</a:t>
+                      </a:r>
+                    </a:p>
+                  </a:txBody>
+                  <a:tcPr/>
+                </a:tc>
+                <a:tc>
+                  <a:txBody>
+                    <a:bodyPr/>
+                    <a:lstStyle/>
+                    <a:p>
+                      <a:pPr marL="0" marR="0" lvl="0" indent="0" algn="l" defTabSz="914400" rtl="0" eaLnBrk="1" fontAlgn="auto" latinLnBrk="0" hangingPunct="1">
+                        <a:lnSpc>
+                          <a:spcPct val="100000"/>
+                        </a:lnSpc>
+                        <a:spcBef>
+                          <a:spcPts val="0"/>
+                        </a:spcBef>
+                        <a:spcAft>
+                          <a:spcPts val="0"/>
+                        </a:spcAft>
+                        <a:buClrTx/>
+                        <a:buSzTx/>
+                        <a:buFontTx/>
+                        <a:buNone/>
+                        <a:tabLst/>
+                        <a:defRPr/>
+                      </a:pPr>
+                      <a:r>
+                        <a:rPr lang="zh-TW" altLang="en-US" sz="2600" dirty="0"/>
+                        <a:t>提示設計</a:t>
+                      </a:r>
+                    </a:p>
+                  </a:txBody>
+                  <a:tcPr/>
+                </a:tc>
+                <a:extLst>
+                  <a:ext uri="{0D108BD9-81ED-4DB2-BD59-A6C34878D82A}">
+                    <a16:rowId xmlns:a16="http://schemas.microsoft.com/office/drawing/2014/main" val="3117589930"/>
+                  </a:ext>
+                </a:extLst>
+              </a:tr>
+              <a:tr h="474153">
+                <a:tc>
+                  <a:txBody>
+                    <a:bodyPr/>
+                    <a:lstStyle/>
+                    <a:p>
+                      <a:r>
+                        <a:rPr lang="zh-TW" altLang="en-US" sz="2600" dirty="0"/>
+                        <a:t>結尾</a:t>
+                      </a:r>
+                    </a:p>
+                  </a:txBody>
+                  <a:tcPr/>
+                </a:tc>
+                <a:tc>
+                  <a:txBody>
+                    <a:bodyPr/>
+                    <a:lstStyle/>
+                    <a:p>
+                      <a:endParaRPr lang="zh-TW" altLang="en-US" sz="2600" dirty="0"/>
+                    </a:p>
+                  </a:txBody>
+                  <a:tcPr/>
+                </a:tc>
+                <a:extLst>
+                  <a:ext uri="{0D108BD9-81ED-4DB2-BD59-A6C34878D82A}">
+                    <a16:rowId xmlns:a16="http://schemas.microsoft.com/office/drawing/2014/main" val="3866684177"/>
+                  </a:ext>
+                </a:extLst>
+              </a:tr>
+              <a:tr h="474153">
+                <a:tc>
+                  <a:txBody>
+                    <a:bodyPr/>
+                    <a:lstStyle/>
+                    <a:p>
+                      <a:r>
+                        <a:rPr lang="zh-TW" altLang="en-US" sz="2600" dirty="0"/>
+                        <a:t>報告</a:t>
+                      </a:r>
+                    </a:p>
+                  </a:txBody>
+                  <a:tcPr/>
+                </a:tc>
+                <a:tc>
+                  <a:txBody>
+                    <a:bodyPr/>
+                    <a:lstStyle/>
+                    <a:p>
+                      <a:endParaRPr lang="zh-TW" altLang="en-US" sz="2600" dirty="0"/>
+                    </a:p>
+                  </a:txBody>
+                  <a:tcPr/>
+                </a:tc>
+                <a:extLst>
+                  <a:ext uri="{0D108BD9-81ED-4DB2-BD59-A6C34878D82A}">
+                    <a16:rowId xmlns:a16="http://schemas.microsoft.com/office/drawing/2014/main" val="2063493733"/>
+                  </a:ext>
+                </a:extLst>
+              </a:tr>
+            </a:tbl>
+          </a:graphicData>
+        </a:graphic>
+      </p:graphicFrame>
     </p:spTree>
     <p:extLst>
       <p:ext uri="{BB962C8B-B14F-4D97-AF65-F5344CB8AC3E}">
-        <p14:creationId xmlns:p14="http://schemas.microsoft.com/office/powerpoint/2010/main" val="3945838687"/>
+        <p14:creationId xmlns:p14="http://schemas.microsoft.com/office/powerpoint/2010/main" val="3511946862"/>
       </p:ext>
     </p:extLst>
   </p:cSld>
@@ -21586,7 +22379,7 @@
       </p:sp>
       <p:pic>
         <p:nvPicPr>
-          <p:cNvPr id="2" name="圖片 1"/>
+          <p:cNvPr id="5" name="圖片 4"/>
           <p:cNvPicPr>
             <a:picLocks noChangeAspect="1"/>
           </p:cNvPicPr>
@@ -21607,7 +22400,7 @@
         <p:spPr>
           <a:xfrm>
             <a:off x="0" y="-72978"/>
-            <a:ext cx="12192000" cy="6930977"/>
+            <a:ext cx="12187592" cy="6930977"/>
           </a:xfrm>
           <a:prstGeom prst="rect">
             <a:avLst/>
@@ -21617,7 +22410,7 @@
     </p:spTree>
     <p:extLst>
       <p:ext uri="{BB962C8B-B14F-4D97-AF65-F5344CB8AC3E}">
-        <p14:creationId xmlns:p14="http://schemas.microsoft.com/office/powerpoint/2010/main" val="3743693203"/>
+        <p14:creationId xmlns:p14="http://schemas.microsoft.com/office/powerpoint/2010/main" val="3945838687"/>
       </p:ext>
     </p:extLst>
   </p:cSld>
@@ -21798,7 +22591,7 @@
         <p:spPr>
           <a:xfrm>
             <a:off x="0" y="-72978"/>
-            <a:ext cx="12187592" cy="6930977"/>
+            <a:ext cx="12192000" cy="6930977"/>
           </a:xfrm>
           <a:prstGeom prst="rect">
             <a:avLst/>
@@ -21808,7 +22601,7 @@
     </p:spTree>
     <p:extLst>
       <p:ext uri="{BB962C8B-B14F-4D97-AF65-F5344CB8AC3E}">
-        <p14:creationId xmlns:p14="http://schemas.microsoft.com/office/powerpoint/2010/main" val="1121059650"/>
+        <p14:creationId xmlns:p14="http://schemas.microsoft.com/office/powerpoint/2010/main" val="3743693203"/>
       </p:ext>
     </p:extLst>
   </p:cSld>
@@ -21988,8 +22781,8 @@
         </p:blipFill>
         <p:spPr>
           <a:xfrm>
-            <a:off x="0" y="-72977"/>
-            <a:ext cx="12192000" cy="6930978"/>
+            <a:off x="0" y="-72978"/>
+            <a:ext cx="12187592" cy="6930977"/>
           </a:xfrm>
           <a:prstGeom prst="rect">
             <a:avLst/>
@@ -21999,7 +22792,7 @@
     </p:spTree>
     <p:extLst>
       <p:ext uri="{BB962C8B-B14F-4D97-AF65-F5344CB8AC3E}">
-        <p14:creationId xmlns:p14="http://schemas.microsoft.com/office/powerpoint/2010/main" val="3071890504"/>
+        <p14:creationId xmlns:p14="http://schemas.microsoft.com/office/powerpoint/2010/main" val="1121059650"/>
       </p:ext>
     </p:extLst>
   </p:cSld>
@@ -22159,7 +22952,7 @@
       </p:sp>
       <p:pic>
         <p:nvPicPr>
-          <p:cNvPr id="3" name="圖片 2"/>
+          <p:cNvPr id="2" name="圖片 1"/>
           <p:cNvPicPr>
             <a:picLocks noChangeAspect="1"/>
           </p:cNvPicPr>
@@ -22190,7 +22983,7 @@
     </p:spTree>
     <p:extLst>
       <p:ext uri="{BB962C8B-B14F-4D97-AF65-F5344CB8AC3E}">
-        <p14:creationId xmlns:p14="http://schemas.microsoft.com/office/powerpoint/2010/main" val="2833302709"/>
+        <p14:creationId xmlns:p14="http://schemas.microsoft.com/office/powerpoint/2010/main" val="3071890504"/>
       </p:ext>
     </p:extLst>
   </p:cSld>

--- a/系館密室大逃脫.pptx
+++ b/系館密室大逃脫.pptx
@@ -14,13 +14,13 @@
     <p:sldId id="474" r:id="rId5"/>
     <p:sldId id="506" r:id="rId6"/>
     <p:sldId id="521" r:id="rId7"/>
-    <p:sldId id="529" r:id="rId8"/>
-    <p:sldId id="527" r:id="rId9"/>
-    <p:sldId id="523" r:id="rId10"/>
-    <p:sldId id="524" r:id="rId11"/>
-    <p:sldId id="525" r:id="rId12"/>
-    <p:sldId id="526" r:id="rId13"/>
-    <p:sldId id="528" r:id="rId14"/>
+    <p:sldId id="527" r:id="rId8"/>
+    <p:sldId id="523" r:id="rId9"/>
+    <p:sldId id="524" r:id="rId10"/>
+    <p:sldId id="525" r:id="rId11"/>
+    <p:sldId id="526" r:id="rId12"/>
+    <p:sldId id="528" r:id="rId13"/>
+    <p:sldId id="529" r:id="rId14"/>
     <p:sldId id="473" r:id="rId15"/>
   </p:sldIdLst>
   <p:sldSz cx="12192000" cy="6858000"/>
@@ -5882,7 +5882,7 @@
     </p:spTree>
     <p:extLst>
       <p:ext uri="{BB962C8B-B14F-4D97-AF65-F5344CB8AC3E}">
-        <p14:creationId xmlns:p14="http://schemas.microsoft.com/office/powerpoint/2010/main" val="1666124243"/>
+        <p14:creationId xmlns:p14="http://schemas.microsoft.com/office/powerpoint/2010/main" val="1785344543"/>
       </p:ext>
     </p:extLst>
   </p:cSld>
@@ -5936,7 +5936,7 @@
           <a:bodyPr/>
           <a:lstStyle/>
           <a:p>
-            <a:endParaRPr lang="zh-CN" altLang="en-US"/>
+            <a:endParaRPr lang="zh-CN" altLang="en-US" dirty="0"/>
           </a:p>
         </p:txBody>
       </p:sp>
@@ -5966,7 +5966,7 @@
     </p:spTree>
     <p:extLst>
       <p:ext uri="{BB962C8B-B14F-4D97-AF65-F5344CB8AC3E}">
-        <p14:creationId xmlns:p14="http://schemas.microsoft.com/office/powerpoint/2010/main" val="1785344543"/>
+        <p14:creationId xmlns:p14="http://schemas.microsoft.com/office/powerpoint/2010/main" val="3593147272"/>
       </p:ext>
     </p:extLst>
   </p:cSld>
@@ -6356,7 +6356,7 @@
           <a:bodyPr/>
           <a:lstStyle/>
           <a:p>
-            <a:endParaRPr lang="zh-CN" altLang="en-US" dirty="0"/>
+            <a:endParaRPr lang="zh-CN" altLang="en-US"/>
           </a:p>
         </p:txBody>
       </p:sp>
@@ -6386,7 +6386,7 @@
     </p:spTree>
     <p:extLst>
       <p:ext uri="{BB962C8B-B14F-4D97-AF65-F5344CB8AC3E}">
-        <p14:creationId xmlns:p14="http://schemas.microsoft.com/office/powerpoint/2010/main" val="3593147272"/>
+        <p14:creationId xmlns:p14="http://schemas.microsoft.com/office/powerpoint/2010/main" val="1697830168"/>
       </p:ext>
     </p:extLst>
   </p:cSld>
@@ -6470,7 +6470,7 @@
     </p:spTree>
     <p:extLst>
       <p:ext uri="{BB962C8B-B14F-4D97-AF65-F5344CB8AC3E}">
-        <p14:creationId xmlns:p14="http://schemas.microsoft.com/office/powerpoint/2010/main" val="1697830168"/>
+        <p14:creationId xmlns:p14="http://schemas.microsoft.com/office/powerpoint/2010/main" val="3606572384"/>
       </p:ext>
     </p:extLst>
   </p:cSld>
@@ -6554,7 +6554,7 @@
     </p:spTree>
     <p:extLst>
       <p:ext uri="{BB962C8B-B14F-4D97-AF65-F5344CB8AC3E}">
-        <p14:creationId xmlns:p14="http://schemas.microsoft.com/office/powerpoint/2010/main" val="3606572384"/>
+        <p14:creationId xmlns:p14="http://schemas.microsoft.com/office/powerpoint/2010/main" val="2123443542"/>
       </p:ext>
     </p:extLst>
   </p:cSld>
@@ -6638,7 +6638,7 @@
     </p:spTree>
     <p:extLst>
       <p:ext uri="{BB962C8B-B14F-4D97-AF65-F5344CB8AC3E}">
-        <p14:creationId xmlns:p14="http://schemas.microsoft.com/office/powerpoint/2010/main" val="2123443542"/>
+        <p14:creationId xmlns:p14="http://schemas.microsoft.com/office/powerpoint/2010/main" val="981030439"/>
       </p:ext>
     </p:extLst>
   </p:cSld>
@@ -6722,7 +6722,7 @@
     </p:spTree>
     <p:extLst>
       <p:ext uri="{BB962C8B-B14F-4D97-AF65-F5344CB8AC3E}">
-        <p14:creationId xmlns:p14="http://schemas.microsoft.com/office/powerpoint/2010/main" val="981030439"/>
+        <p14:creationId xmlns:p14="http://schemas.microsoft.com/office/powerpoint/2010/main" val="1666124243"/>
       </p:ext>
     </p:extLst>
   </p:cSld>
@@ -19404,197 +19404,6 @@
       </p:sp>
       <p:pic>
         <p:nvPicPr>
-          <p:cNvPr id="3" name="圖片 2"/>
-          <p:cNvPicPr>
-            <a:picLocks noChangeAspect="1"/>
-          </p:cNvPicPr>
-          <p:nvPr/>
-        </p:nvPicPr>
-        <p:blipFill>
-          <a:blip r:embed="rId3">
-            <a:extLst>
-              <a:ext uri="{28A0092B-C50C-407E-A947-70E740481C1C}">
-                <a14:useLocalDpi xmlns:a14="http://schemas.microsoft.com/office/drawing/2010/main" val="0"/>
-              </a:ext>
-            </a:extLst>
-          </a:blip>
-          <a:stretch>
-            <a:fillRect/>
-          </a:stretch>
-        </p:blipFill>
-        <p:spPr>
-          <a:xfrm>
-            <a:off x="0" y="-72977"/>
-            <a:ext cx="12192000" cy="6930978"/>
-          </a:xfrm>
-          <a:prstGeom prst="rect">
-            <a:avLst/>
-          </a:prstGeom>
-        </p:spPr>
-      </p:pic>
-    </p:spTree>
-    <p:extLst>
-      <p:ext uri="{BB962C8B-B14F-4D97-AF65-F5344CB8AC3E}">
-        <p14:creationId xmlns:p14="http://schemas.microsoft.com/office/powerpoint/2010/main" val="2833302709"/>
-      </p:ext>
-    </p:extLst>
-  </p:cSld>
-  <p:clrMapOvr>
-    <a:masterClrMapping/>
-  </p:clrMapOvr>
-  <mc:AlternateContent xmlns:mc="http://schemas.openxmlformats.org/markup-compatibility/2006" xmlns:p14="http://schemas.microsoft.com/office/powerpoint/2010/main">
-    <mc:Choice Requires="p14">
-      <p:transition spd="med" p14:dur="700">
-        <p:fade/>
-      </p:transition>
-    </mc:Choice>
-    <mc:Fallback xmlns="">
-      <p:transition spd="med">
-        <p:fade/>
-      </p:transition>
-    </mc:Fallback>
-  </mc:AlternateContent>
-</p:sld>
-</file>
-
-<file path=ppt/slides/slide11.xml><?xml version="1.0" encoding="utf-8"?>
-<p:sld xmlns:a="http://schemas.openxmlformats.org/drawingml/2006/main" xmlns:r="http://schemas.openxmlformats.org/officeDocument/2006/relationships" xmlns:p="http://schemas.openxmlformats.org/presentationml/2006/main">
-  <p:cSld>
-    <p:spTree>
-      <p:nvGrpSpPr>
-        <p:cNvPr id="1" name=""/>
-        <p:cNvGrpSpPr/>
-        <p:nvPr/>
-      </p:nvGrpSpPr>
-      <p:grpSpPr>
-        <a:xfrm>
-          <a:off x="0" y="0"/>
-          <a:ext cx="0" cy="0"/>
-          <a:chOff x="0" y="0"/>
-          <a:chExt cx="0" cy="0"/>
-        </a:xfrm>
-      </p:grpSpPr>
-      <p:sp>
-        <p:nvSpPr>
-          <p:cNvPr id="16" name="矩形 15"/>
-          <p:cNvSpPr/>
-          <p:nvPr/>
-        </p:nvSpPr>
-        <p:spPr>
-          <a:xfrm>
-            <a:off x="0" y="-72978"/>
-            <a:ext cx="12187592" cy="6930977"/>
-          </a:xfrm>
-          <a:prstGeom prst="rect">
-            <a:avLst/>
-          </a:prstGeom>
-          <a:solidFill>
-            <a:schemeClr val="bg1">
-              <a:lumMod val="95000"/>
-            </a:schemeClr>
-          </a:solidFill>
-          <a:ln>
-            <a:noFill/>
-          </a:ln>
-        </p:spPr>
-        <p:style>
-          <a:lnRef idx="2">
-            <a:schemeClr val="accent1">
-              <a:shade val="50000"/>
-            </a:schemeClr>
-          </a:lnRef>
-          <a:fillRef idx="1">
-            <a:schemeClr val="accent1"/>
-          </a:fillRef>
-          <a:effectRef idx="0">
-            <a:schemeClr val="accent1"/>
-          </a:effectRef>
-          <a:fontRef idx="minor">
-            <a:schemeClr val="lt1"/>
-          </a:fontRef>
-        </p:style>
-        <p:txBody>
-          <a:bodyPr rtlCol="0" anchor="ctr"/>
-          <a:lstStyle/>
-          <a:p>
-            <a:pPr algn="ctr"/>
-            <a:endParaRPr lang="zh-CN" altLang="en-US"/>
-          </a:p>
-        </p:txBody>
-      </p:sp>
-      <p:sp>
-        <p:nvSpPr>
-          <p:cNvPr id="22" name="图文框 21"/>
-          <p:cNvSpPr/>
-          <p:nvPr/>
-        </p:nvSpPr>
-        <p:spPr>
-          <a:xfrm>
-            <a:off x="353931" y="342821"/>
-            <a:ext cx="11479731" cy="6172357"/>
-          </a:xfrm>
-          <a:prstGeom prst="frame">
-            <a:avLst>
-              <a:gd name="adj1" fmla="val 772"/>
-            </a:avLst>
-          </a:prstGeom>
-          <a:gradFill flip="none" rotWithShape="1">
-            <a:gsLst>
-              <a:gs pos="0">
-                <a:srgbClr val="FEF19F"/>
-              </a:gs>
-              <a:gs pos="100000">
-                <a:srgbClr val="FEF19F"/>
-              </a:gs>
-              <a:gs pos="50000">
-                <a:srgbClr val="937F3C"/>
-              </a:gs>
-            </a:gsLst>
-            <a:lin ang="0" scaled="1"/>
-            <a:tileRect/>
-          </a:gradFill>
-          <a:ln>
-            <a:noFill/>
-          </a:ln>
-          <a:effectLst>
-            <a:outerShdw blurRad="101600" algn="ctr" rotWithShape="0">
-              <a:prstClr val="black">
-                <a:alpha val="42000"/>
-              </a:prstClr>
-            </a:outerShdw>
-          </a:effectLst>
-        </p:spPr>
-        <p:style>
-          <a:lnRef idx="2">
-            <a:schemeClr val="accent1">
-              <a:shade val="50000"/>
-            </a:schemeClr>
-          </a:lnRef>
-          <a:fillRef idx="1">
-            <a:schemeClr val="accent1"/>
-          </a:fillRef>
-          <a:effectRef idx="0">
-            <a:schemeClr val="accent1"/>
-          </a:effectRef>
-          <a:fontRef idx="minor">
-            <a:schemeClr val="lt1"/>
-          </a:fontRef>
-        </p:style>
-        <p:txBody>
-          <a:bodyPr rtlCol="0" anchor="ctr"/>
-          <a:lstStyle/>
-          <a:p>
-            <a:pPr algn="ctr"/>
-            <a:endParaRPr lang="zh-CN" altLang="en-US">
-              <a:solidFill>
-                <a:schemeClr val="tx1"/>
-              </a:solidFill>
-            </a:endParaRPr>
-          </a:p>
-        </p:txBody>
-      </p:sp>
-      <p:pic>
-        <p:nvPicPr>
           <p:cNvPr id="5" name="圖片 4"/>
           <p:cNvPicPr>
             <a:picLocks noChangeAspect="1"/>
@@ -19657,6 +19466,991 @@
     <p:extLst>
       <p:ext uri="{BB962C8B-B14F-4D97-AF65-F5344CB8AC3E}">
         <p14:creationId xmlns:p14="http://schemas.microsoft.com/office/powerpoint/2010/main" val="653391461"/>
+      </p:ext>
+    </p:extLst>
+  </p:cSld>
+  <p:clrMapOvr>
+    <a:masterClrMapping/>
+  </p:clrMapOvr>
+  <mc:AlternateContent xmlns:mc="http://schemas.openxmlformats.org/markup-compatibility/2006" xmlns:p14="http://schemas.microsoft.com/office/powerpoint/2010/main">
+    <mc:Choice Requires="p14">
+      <p:transition spd="med" p14:dur="700">
+        <p:fade/>
+      </p:transition>
+    </mc:Choice>
+    <mc:Fallback xmlns="">
+      <p:transition spd="med">
+        <p:fade/>
+      </p:transition>
+    </mc:Fallback>
+  </mc:AlternateContent>
+</p:sld>
+</file>
+
+<file path=ppt/slides/slide11.xml><?xml version="1.0" encoding="utf-8"?>
+<p:sld xmlns:a="http://schemas.openxmlformats.org/drawingml/2006/main" xmlns:r="http://schemas.openxmlformats.org/officeDocument/2006/relationships" xmlns:p="http://schemas.openxmlformats.org/presentationml/2006/main">
+  <p:cSld>
+    <p:spTree>
+      <p:nvGrpSpPr>
+        <p:cNvPr id="1" name=""/>
+        <p:cNvGrpSpPr/>
+        <p:nvPr/>
+      </p:nvGrpSpPr>
+      <p:grpSpPr>
+        <a:xfrm>
+          <a:off x="0" y="0"/>
+          <a:ext cx="0" cy="0"/>
+          <a:chOff x="0" y="0"/>
+          <a:chExt cx="0" cy="0"/>
+        </a:xfrm>
+      </p:grpSpPr>
+      <p:sp>
+        <p:nvSpPr>
+          <p:cNvPr id="4" name="矩形 3"/>
+          <p:cNvSpPr/>
+          <p:nvPr/>
+        </p:nvSpPr>
+        <p:spPr>
+          <a:xfrm>
+            <a:off x="4408" y="0"/>
+            <a:ext cx="12187592" cy="6930977"/>
+          </a:xfrm>
+          <a:prstGeom prst="rect">
+            <a:avLst/>
+          </a:prstGeom>
+          <a:solidFill>
+            <a:schemeClr val="bg1">
+              <a:lumMod val="95000"/>
+            </a:schemeClr>
+          </a:solidFill>
+          <a:ln>
+            <a:noFill/>
+          </a:ln>
+        </p:spPr>
+        <p:style>
+          <a:lnRef idx="2">
+            <a:schemeClr val="accent1">
+              <a:shade val="50000"/>
+            </a:schemeClr>
+          </a:lnRef>
+          <a:fillRef idx="1">
+            <a:schemeClr val="accent1"/>
+          </a:fillRef>
+          <a:effectRef idx="0">
+            <a:schemeClr val="accent1"/>
+          </a:effectRef>
+          <a:fontRef idx="minor">
+            <a:schemeClr val="lt1"/>
+          </a:fontRef>
+        </p:style>
+        <p:txBody>
+          <a:bodyPr rtlCol="0" anchor="ctr"/>
+          <a:lstStyle/>
+          <a:p>
+            <a:pPr algn="ctr"/>
+            <a:endParaRPr lang="zh-CN" altLang="en-US" dirty="0"/>
+          </a:p>
+        </p:txBody>
+      </p:sp>
+      <p:sp>
+        <p:nvSpPr>
+          <p:cNvPr id="5" name="图文框 4"/>
+          <p:cNvSpPr/>
+          <p:nvPr/>
+        </p:nvSpPr>
+        <p:spPr>
+          <a:xfrm>
+            <a:off x="353931" y="342821"/>
+            <a:ext cx="11479731" cy="6172357"/>
+          </a:xfrm>
+          <a:prstGeom prst="frame">
+            <a:avLst>
+              <a:gd name="adj1" fmla="val 772"/>
+            </a:avLst>
+          </a:prstGeom>
+          <a:gradFill flip="none" rotWithShape="1">
+            <a:gsLst>
+              <a:gs pos="0">
+                <a:srgbClr val="FEF19F"/>
+              </a:gs>
+              <a:gs pos="100000">
+                <a:srgbClr val="FEF19F"/>
+              </a:gs>
+              <a:gs pos="50000">
+                <a:srgbClr val="937F3C"/>
+              </a:gs>
+            </a:gsLst>
+            <a:lin ang="0" scaled="1"/>
+            <a:tileRect/>
+          </a:gradFill>
+          <a:ln>
+            <a:noFill/>
+          </a:ln>
+          <a:effectLst>
+            <a:outerShdw blurRad="101600" algn="ctr" rotWithShape="0">
+              <a:prstClr val="black">
+                <a:alpha val="42000"/>
+              </a:prstClr>
+            </a:outerShdw>
+          </a:effectLst>
+        </p:spPr>
+        <p:style>
+          <a:lnRef idx="2">
+            <a:schemeClr val="accent1">
+              <a:shade val="50000"/>
+            </a:schemeClr>
+          </a:lnRef>
+          <a:fillRef idx="1">
+            <a:schemeClr val="accent1"/>
+          </a:fillRef>
+          <a:effectRef idx="0">
+            <a:schemeClr val="accent1"/>
+          </a:effectRef>
+          <a:fontRef idx="minor">
+            <a:schemeClr val="lt1"/>
+          </a:fontRef>
+        </p:style>
+        <p:txBody>
+          <a:bodyPr rtlCol="0" anchor="ctr"/>
+          <a:lstStyle/>
+          <a:p>
+            <a:pPr algn="ctr"/>
+            <a:endParaRPr lang="zh-CN" altLang="en-US">
+              <a:solidFill>
+                <a:schemeClr val="tx1"/>
+              </a:solidFill>
+            </a:endParaRPr>
+          </a:p>
+        </p:txBody>
+      </p:sp>
+      <p:pic>
+        <p:nvPicPr>
+          <p:cNvPr id="10" name="图片 9"/>
+          <p:cNvPicPr>
+            <a:picLocks noChangeAspect="1"/>
+          </p:cNvPicPr>
+          <p:nvPr/>
+        </p:nvPicPr>
+        <p:blipFill>
+          <a:blip r:embed="rId3" cstate="print">
+            <a:extLst>
+              <a:ext uri="{28A0092B-C50C-407E-A947-70E740481C1C}">
+                <a14:useLocalDpi xmlns:a14="http://schemas.microsoft.com/office/drawing/2010/main" val="0"/>
+              </a:ext>
+            </a:extLst>
+          </a:blip>
+          <a:stretch>
+            <a:fillRect/>
+          </a:stretch>
+        </p:blipFill>
+        <p:spPr>
+          <a:xfrm rot="3984410" flipH="1">
+            <a:off x="216185" y="-526303"/>
+            <a:ext cx="1596267" cy="1738247"/>
+          </a:xfrm>
+          <a:prstGeom prst="rect">
+            <a:avLst/>
+          </a:prstGeom>
+        </p:spPr>
+      </p:pic>
+      <p:sp>
+        <p:nvSpPr>
+          <p:cNvPr id="12" name="TextBox 105"/>
+          <p:cNvSpPr txBox="1">
+            <a:spLocks noChangeArrowheads="1"/>
+          </p:cNvSpPr>
+          <p:nvPr/>
+        </p:nvSpPr>
+        <p:spPr bwMode="auto">
+          <a:xfrm>
+            <a:off x="2660246" y="416577"/>
+            <a:ext cx="4237331" cy="684769"/>
+          </a:xfrm>
+          <a:prstGeom prst="rect">
+            <a:avLst/>
+          </a:prstGeom>
+          <a:noFill/>
+          <a:ln w="9525">
+            <a:noFill/>
+            <a:miter lim="800000"/>
+          </a:ln>
+        </p:spPr>
+        <p:txBody>
+          <a:bodyPr vert="horz" wrap="square" lIns="68546" tIns="34273" rIns="68546" bIns="34273">
+            <a:spAutoFit/>
+          </a:bodyPr>
+          <a:lstStyle>
+            <a:lvl1pPr eaLnBrk="0" hangingPunct="0">
+              <a:defRPr>
+                <a:solidFill>
+                  <a:schemeClr val="tx1"/>
+                </a:solidFill>
+                <a:latin typeface="Arial" panose="020B0604020202020204" pitchFamily="34" charset="0"/>
+                <a:ea typeface="宋体" panose="02010600030101010101" pitchFamily="2" charset="-122"/>
+              </a:defRPr>
+            </a:lvl1pPr>
+            <a:lvl2pPr marL="742950" indent="-285750" eaLnBrk="0" hangingPunct="0">
+              <a:defRPr>
+                <a:solidFill>
+                  <a:schemeClr val="tx1"/>
+                </a:solidFill>
+                <a:latin typeface="Arial" panose="020B0604020202020204" pitchFamily="34" charset="0"/>
+                <a:ea typeface="宋体" panose="02010600030101010101" pitchFamily="2" charset="-122"/>
+              </a:defRPr>
+            </a:lvl2pPr>
+            <a:lvl3pPr marL="1143000" indent="-228600" eaLnBrk="0" hangingPunct="0">
+              <a:defRPr>
+                <a:solidFill>
+                  <a:schemeClr val="tx1"/>
+                </a:solidFill>
+                <a:latin typeface="Arial" panose="020B0604020202020204" pitchFamily="34" charset="0"/>
+                <a:ea typeface="宋体" panose="02010600030101010101" pitchFamily="2" charset="-122"/>
+              </a:defRPr>
+            </a:lvl3pPr>
+            <a:lvl4pPr marL="1600200" indent="-228600" eaLnBrk="0" hangingPunct="0">
+              <a:defRPr>
+                <a:solidFill>
+                  <a:schemeClr val="tx1"/>
+                </a:solidFill>
+                <a:latin typeface="Arial" panose="020B0604020202020204" pitchFamily="34" charset="0"/>
+                <a:ea typeface="宋体" panose="02010600030101010101" pitchFamily="2" charset="-122"/>
+              </a:defRPr>
+            </a:lvl4pPr>
+            <a:lvl5pPr marL="2057400" indent="-228600" eaLnBrk="0" hangingPunct="0">
+              <a:defRPr>
+                <a:solidFill>
+                  <a:schemeClr val="tx1"/>
+                </a:solidFill>
+                <a:latin typeface="Arial" panose="020B0604020202020204" pitchFamily="34" charset="0"/>
+                <a:ea typeface="宋体" panose="02010600030101010101" pitchFamily="2" charset="-122"/>
+              </a:defRPr>
+            </a:lvl5pPr>
+            <a:lvl6pPr marL="2514600" indent="-228600" eaLnBrk="0" fontAlgn="base" hangingPunct="0">
+              <a:spcBef>
+                <a:spcPct val="0"/>
+              </a:spcBef>
+              <a:spcAft>
+                <a:spcPct val="0"/>
+              </a:spcAft>
+              <a:buFont typeface="Arial" panose="020B0604020202020204" pitchFamily="34" charset="0"/>
+              <a:defRPr>
+                <a:solidFill>
+                  <a:schemeClr val="tx1"/>
+                </a:solidFill>
+                <a:latin typeface="Arial" panose="020B0604020202020204" pitchFamily="34" charset="0"/>
+                <a:ea typeface="宋体" panose="02010600030101010101" pitchFamily="2" charset="-122"/>
+              </a:defRPr>
+            </a:lvl6pPr>
+            <a:lvl7pPr marL="2971800" indent="-228600" eaLnBrk="0" fontAlgn="base" hangingPunct="0">
+              <a:spcBef>
+                <a:spcPct val="0"/>
+              </a:spcBef>
+              <a:spcAft>
+                <a:spcPct val="0"/>
+              </a:spcAft>
+              <a:buFont typeface="Arial" panose="020B0604020202020204" pitchFamily="34" charset="0"/>
+              <a:defRPr>
+                <a:solidFill>
+                  <a:schemeClr val="tx1"/>
+                </a:solidFill>
+                <a:latin typeface="Arial" panose="020B0604020202020204" pitchFamily="34" charset="0"/>
+                <a:ea typeface="宋体" panose="02010600030101010101" pitchFamily="2" charset="-122"/>
+              </a:defRPr>
+            </a:lvl7pPr>
+            <a:lvl8pPr marL="3429000" indent="-228600" eaLnBrk="0" fontAlgn="base" hangingPunct="0">
+              <a:spcBef>
+                <a:spcPct val="0"/>
+              </a:spcBef>
+              <a:spcAft>
+                <a:spcPct val="0"/>
+              </a:spcAft>
+              <a:buFont typeface="Arial" panose="020B0604020202020204" pitchFamily="34" charset="0"/>
+              <a:defRPr>
+                <a:solidFill>
+                  <a:schemeClr val="tx1"/>
+                </a:solidFill>
+                <a:latin typeface="Arial" panose="020B0604020202020204" pitchFamily="34" charset="0"/>
+                <a:ea typeface="宋体" panose="02010600030101010101" pitchFamily="2" charset="-122"/>
+              </a:defRPr>
+            </a:lvl8pPr>
+            <a:lvl9pPr marL="3886200" indent="-228600" eaLnBrk="0" fontAlgn="base" hangingPunct="0">
+              <a:spcBef>
+                <a:spcPct val="0"/>
+              </a:spcBef>
+              <a:spcAft>
+                <a:spcPct val="0"/>
+              </a:spcAft>
+              <a:buFont typeface="Arial" panose="020B0604020202020204" pitchFamily="34" charset="0"/>
+              <a:defRPr>
+                <a:solidFill>
+                  <a:schemeClr val="tx1"/>
+                </a:solidFill>
+                <a:latin typeface="Arial" panose="020B0604020202020204" pitchFamily="34" charset="0"/>
+                <a:ea typeface="宋体" panose="02010600030101010101" pitchFamily="2" charset="-122"/>
+              </a:defRPr>
+            </a:lvl9pPr>
+          </a:lstStyle>
+          <a:p>
+            <a:pPr eaLnBrk="1" hangingPunct="1"/>
+            <a:r>
+              <a:rPr lang="en-US" altLang="zh-TW" sz="4000" b="1" dirty="0">
+                <a:solidFill>
+                  <a:schemeClr val="tx1">
+                    <a:lumMod val="95000"/>
+                    <a:lumOff val="5000"/>
+                  </a:schemeClr>
+                </a:solidFill>
+                <a:latin typeface="+mn-lt"/>
+                <a:ea typeface="方正字迹-子实行楷简体" panose="02000000000000000000" pitchFamily="2" charset="-122"/>
+                <a:cs typeface="+mn-lt"/>
+              </a:rPr>
+              <a:t>	</a:t>
+            </a:r>
+            <a:r>
+              <a:rPr lang="zh-TW" altLang="en-US" sz="4000" b="1" dirty="0">
+                <a:solidFill>
+                  <a:schemeClr val="tx1">
+                    <a:lumMod val="95000"/>
+                    <a:lumOff val="5000"/>
+                  </a:schemeClr>
+                </a:solidFill>
+                <a:latin typeface="+mn-lt"/>
+                <a:ea typeface="方正字迹-子实行楷简体" panose="02000000000000000000" pitchFamily="2" charset="-122"/>
+                <a:cs typeface="+mn-lt"/>
+              </a:rPr>
+              <a:t>分工表</a:t>
+            </a:r>
+            <a:endParaRPr lang="zh-CN" altLang="en-US" sz="4000" b="1" dirty="0">
+              <a:solidFill>
+                <a:schemeClr val="tx1">
+                  <a:lumMod val="95000"/>
+                  <a:lumOff val="5000"/>
+                </a:schemeClr>
+              </a:solidFill>
+              <a:latin typeface="+mn-lt"/>
+              <a:ea typeface="方正字迹-子实行楷简体" panose="02000000000000000000" pitchFamily="2" charset="-122"/>
+              <a:cs typeface="+mn-lt"/>
+            </a:endParaRPr>
+          </a:p>
+        </p:txBody>
+      </p:sp>
+      <p:pic>
+        <p:nvPicPr>
+          <p:cNvPr id="7" name="图片 6"/>
+          <p:cNvPicPr>
+            <a:picLocks noChangeAspect="1"/>
+          </p:cNvPicPr>
+          <p:nvPr/>
+        </p:nvPicPr>
+        <p:blipFill>
+          <a:blip r:embed="rId4" cstate="print">
+            <a:extLst>
+              <a:ext uri="{28A0092B-C50C-407E-A947-70E740481C1C}">
+                <a14:useLocalDpi xmlns:a14="http://schemas.microsoft.com/office/drawing/2010/main" val="0"/>
+              </a:ext>
+            </a:extLst>
+          </a:blip>
+          <a:stretch>
+            <a:fillRect/>
+          </a:stretch>
+        </p:blipFill>
+        <p:spPr>
+          <a:xfrm>
+            <a:off x="9703248" y="4642344"/>
+            <a:ext cx="2019653" cy="1872834"/>
+          </a:xfrm>
+          <a:prstGeom prst="rect">
+            <a:avLst/>
+          </a:prstGeom>
+        </p:spPr>
+      </p:pic>
+      <p:grpSp>
+        <p:nvGrpSpPr>
+          <p:cNvPr id="18" name="组合 17">
+            <a:extLst>
+              <a:ext uri="{FF2B5EF4-FFF2-40B4-BE49-F238E27FC236}">
+                <a16:creationId xmlns:a16="http://schemas.microsoft.com/office/drawing/2014/main" id="{D433FA99-3568-42FE-8F55-A11E5BAC3006}"/>
+              </a:ext>
+            </a:extLst>
+          </p:cNvPr>
+          <p:cNvGrpSpPr/>
+          <p:nvPr/>
+        </p:nvGrpSpPr>
+        <p:grpSpPr>
+          <a:xfrm>
+            <a:off x="6722527" y="803635"/>
+            <a:ext cx="3665718" cy="5578848"/>
+            <a:chOff x="6722527" y="803635"/>
+            <a:chExt cx="3665718" cy="5578848"/>
+          </a:xfrm>
+        </p:grpSpPr>
+        <p:pic>
+          <p:nvPicPr>
+            <p:cNvPr id="16" name="图片 15">
+              <a:extLst>
+                <a:ext uri="{FF2B5EF4-FFF2-40B4-BE49-F238E27FC236}">
+                  <a16:creationId xmlns:a16="http://schemas.microsoft.com/office/drawing/2014/main" id="{FAF3BB67-A6FD-45BB-8A1D-6EF1D6253D61}"/>
+                </a:ext>
+              </a:extLst>
+            </p:cNvPr>
+            <p:cNvPicPr>
+              <a:picLocks noChangeAspect="1"/>
+            </p:cNvPicPr>
+            <p:nvPr/>
+          </p:nvPicPr>
+          <p:blipFill>
+            <a:blip r:embed="rId5">
+              <a:extLst>
+                <a:ext uri="{28A0092B-C50C-407E-A947-70E740481C1C}">
+                  <a14:useLocalDpi xmlns:a14="http://schemas.microsoft.com/office/drawing/2010/main" val="0"/>
+                </a:ext>
+              </a:extLst>
+            </a:blip>
+            <a:stretch>
+              <a:fillRect/>
+            </a:stretch>
+          </p:blipFill>
+          <p:spPr>
+            <a:xfrm>
+              <a:off x="7255915" y="803635"/>
+              <a:ext cx="3132330" cy="5488213"/>
+            </a:xfrm>
+            <a:prstGeom prst="rect">
+              <a:avLst/>
+            </a:prstGeom>
+          </p:spPr>
+        </p:pic>
+        <p:pic>
+          <p:nvPicPr>
+            <p:cNvPr id="17" name="图片 16">
+              <a:extLst>
+                <a:ext uri="{FF2B5EF4-FFF2-40B4-BE49-F238E27FC236}">
+                  <a16:creationId xmlns:a16="http://schemas.microsoft.com/office/drawing/2014/main" id="{77456045-867B-4E9C-9926-A040225FF1AE}"/>
+                </a:ext>
+              </a:extLst>
+            </p:cNvPr>
+            <p:cNvPicPr>
+              <a:picLocks noChangeAspect="1"/>
+            </p:cNvPicPr>
+            <p:nvPr/>
+          </p:nvPicPr>
+          <p:blipFill>
+            <a:blip r:embed="rId5">
+              <a:extLst>
+                <a:ext uri="{28A0092B-C50C-407E-A947-70E740481C1C}">
+                  <a14:useLocalDpi xmlns:a14="http://schemas.microsoft.com/office/drawing/2010/main" val="0"/>
+                </a:ext>
+              </a:extLst>
+            </a:blip>
+            <a:stretch>
+              <a:fillRect/>
+            </a:stretch>
+          </p:blipFill>
+          <p:spPr>
+            <a:xfrm rot="20587026" flipH="1">
+              <a:off x="6722527" y="2397877"/>
+              <a:ext cx="2274165" cy="3984606"/>
+            </a:xfrm>
+            <a:prstGeom prst="rect">
+              <a:avLst/>
+            </a:prstGeom>
+          </p:spPr>
+        </p:pic>
+      </p:grpSp>
+      <p:graphicFrame>
+        <p:nvGraphicFramePr>
+          <p:cNvPr id="3" name="表格 5">
+            <a:extLst>
+              <a:ext uri="{FF2B5EF4-FFF2-40B4-BE49-F238E27FC236}">
+                <a16:creationId xmlns:a16="http://schemas.microsoft.com/office/drawing/2014/main" id="{0261B42D-3A4D-4DA3-9CB7-020B988D152A}"/>
+              </a:ext>
+            </a:extLst>
+          </p:cNvPr>
+          <p:cNvGraphicFramePr>
+            <a:graphicFrameLocks noGrp="1"/>
+          </p:cNvGraphicFramePr>
+          <p:nvPr>
+            <p:extLst>
+              <p:ext uri="{D42A27DB-BD31-4B8C-83A1-F6EECF244321}">
+                <p14:modId xmlns:p14="http://schemas.microsoft.com/office/powerpoint/2010/main" val="3083713586"/>
+              </p:ext>
+            </p:extLst>
+          </p:nvPr>
+        </p:nvGraphicFramePr>
+        <p:xfrm>
+          <a:off x="672129" y="1123535"/>
+          <a:ext cx="6530782" cy="4956698"/>
+        </p:xfrm>
+        <a:graphic>
+          <a:graphicData uri="http://schemas.openxmlformats.org/drawingml/2006/table">
+            <a:tbl>
+              <a:tblPr firstRow="1" bandRow="1">
+                <a:tableStyleId>{5C22544A-7EE6-4342-B048-85BDC9FD1C3A}</a:tableStyleId>
+              </a:tblPr>
+              <a:tblGrid>
+                <a:gridCol w="2910625">
+                  <a:extLst>
+                    <a:ext uri="{9D8B030D-6E8A-4147-A177-3AD203B41FA5}">
+                      <a16:colId xmlns:a16="http://schemas.microsoft.com/office/drawing/2014/main" val="544030490"/>
+                    </a:ext>
+                  </a:extLst>
+                </a:gridCol>
+                <a:gridCol w="3620157">
+                  <a:extLst>
+                    <a:ext uri="{9D8B030D-6E8A-4147-A177-3AD203B41FA5}">
+                      <a16:colId xmlns:a16="http://schemas.microsoft.com/office/drawing/2014/main" val="2344221429"/>
+                    </a:ext>
+                  </a:extLst>
+                </a:gridCol>
+              </a:tblGrid>
+              <a:tr h="553939">
+                <a:tc>
+                  <a:txBody>
+                    <a:bodyPr/>
+                    <a:lstStyle/>
+                    <a:p>
+                      <a:pPr algn="ctr"/>
+                      <a:r>
+                        <a:rPr lang="zh-TW" altLang="en-US" sz="2400" dirty="0"/>
+                        <a:t> </a:t>
+                      </a:r>
+                      <a:r>
+                        <a:rPr lang="en-US" altLang="zh-TW" sz="2400" dirty="0"/>
+                        <a:t>00757016 </a:t>
+                      </a:r>
+                      <a:r>
+                        <a:rPr lang="zh-TW" altLang="en-US" sz="2400" dirty="0"/>
+                        <a:t>廖巧恩</a:t>
+                      </a:r>
+                    </a:p>
+                  </a:txBody>
+                  <a:tcPr/>
+                </a:tc>
+                <a:tc>
+                  <a:txBody>
+                    <a:bodyPr/>
+                    <a:lstStyle/>
+                    <a:p>
+                      <a:pPr algn="ctr"/>
+                      <a:r>
+                        <a:rPr lang="en-US" altLang="zh-TW" sz="2400" dirty="0"/>
+                        <a:t>00757033 </a:t>
+                      </a:r>
+                      <a:r>
+                        <a:rPr lang="zh-TW" altLang="en-US" sz="2400" dirty="0"/>
+                        <a:t>劉凌瑄</a:t>
+                      </a:r>
+                    </a:p>
+                    <a:p>
+                      <a:pPr algn="ctr"/>
+                      <a:endParaRPr lang="zh-TW" altLang="en-US" sz="2400" dirty="0"/>
+                    </a:p>
+                  </a:txBody>
+                  <a:tcPr/>
+                </a:tc>
+                <a:extLst>
+                  <a:ext uri="{0D108BD9-81ED-4DB2-BD59-A6C34878D82A}">
+                    <a16:rowId xmlns:a16="http://schemas.microsoft.com/office/drawing/2014/main" val="1682388858"/>
+                  </a:ext>
+                </a:extLst>
+              </a:tr>
+              <a:tr h="452634">
+                <a:tc>
+                  <a:txBody>
+                    <a:bodyPr/>
+                    <a:lstStyle/>
+                    <a:p>
+                      <a:pPr algn="ctr"/>
+                      <a:r>
+                        <a:rPr lang="zh-TW" altLang="en-US" sz="2400" dirty="0"/>
+                        <a:t>關卡</a:t>
+                      </a:r>
+                    </a:p>
+                  </a:txBody>
+                  <a:tcPr/>
+                </a:tc>
+                <a:tc>
+                  <a:txBody>
+                    <a:bodyPr/>
+                    <a:lstStyle/>
+                    <a:p>
+                      <a:pPr algn="ctr"/>
+                      <a:r>
+                        <a:rPr lang="zh-TW" altLang="en-US" sz="2400" dirty="0"/>
+                        <a:t>每層設計</a:t>
+                      </a:r>
+                    </a:p>
+                  </a:txBody>
+                  <a:tcPr/>
+                </a:tc>
+                <a:extLst>
+                  <a:ext uri="{0D108BD9-81ED-4DB2-BD59-A6C34878D82A}">
+                    <a16:rowId xmlns:a16="http://schemas.microsoft.com/office/drawing/2014/main" val="3408638570"/>
+                  </a:ext>
+                </a:extLst>
+              </a:tr>
+              <a:tr h="452634">
+                <a:tc>
+                  <a:txBody>
+                    <a:bodyPr/>
+                    <a:lstStyle/>
+                    <a:p>
+                      <a:pPr marL="0" marR="0" lvl="0" indent="0" algn="ctr" defTabSz="914400" rtl="0" eaLnBrk="1" fontAlgn="auto" latinLnBrk="0" hangingPunct="1">
+                        <a:lnSpc>
+                          <a:spcPct val="100000"/>
+                        </a:lnSpc>
+                        <a:spcBef>
+                          <a:spcPts val="0"/>
+                        </a:spcBef>
+                        <a:spcAft>
+                          <a:spcPts val="0"/>
+                        </a:spcAft>
+                        <a:buClrTx/>
+                        <a:buSzTx/>
+                        <a:buFontTx/>
+                        <a:buNone/>
+                        <a:tabLst/>
+                        <a:defRPr/>
+                      </a:pPr>
+                      <a:r>
+                        <a:rPr lang="zh-TW" altLang="en-US" sz="2400" dirty="0"/>
+                        <a:t>圖片拍照</a:t>
+                      </a:r>
+                    </a:p>
+                  </a:txBody>
+                  <a:tcPr/>
+                </a:tc>
+                <a:tc>
+                  <a:txBody>
+                    <a:bodyPr/>
+                    <a:lstStyle/>
+                    <a:p>
+                      <a:pPr algn="ctr"/>
+                      <a:r>
+                        <a:rPr lang="zh-TW" altLang="en-US" sz="2400" dirty="0"/>
+                        <a:t>背包</a:t>
+                      </a:r>
+                    </a:p>
+                  </a:txBody>
+                  <a:tcPr/>
+                </a:tc>
+                <a:extLst>
+                  <a:ext uri="{0D108BD9-81ED-4DB2-BD59-A6C34878D82A}">
+                    <a16:rowId xmlns:a16="http://schemas.microsoft.com/office/drawing/2014/main" val="3402815105"/>
+                  </a:ext>
+                </a:extLst>
+              </a:tr>
+              <a:tr h="452634">
+                <a:tc>
+                  <a:txBody>
+                    <a:bodyPr/>
+                    <a:lstStyle/>
+                    <a:p>
+                      <a:pPr algn="ctr"/>
+                      <a:r>
+                        <a:rPr lang="zh-TW" altLang="en-US" sz="2400" dirty="0"/>
+                        <a:t>投影片</a:t>
+                      </a:r>
+                    </a:p>
+                  </a:txBody>
+                  <a:tcPr/>
+                </a:tc>
+                <a:tc>
+                  <a:txBody>
+                    <a:bodyPr/>
+                    <a:lstStyle/>
+                    <a:p>
+                      <a:pPr algn="ctr"/>
+                      <a:r>
+                        <a:rPr lang="zh-TW" altLang="en-US" sz="2400" dirty="0"/>
+                        <a:t>計算機</a:t>
+                      </a:r>
+                    </a:p>
+                  </a:txBody>
+                  <a:tcPr/>
+                </a:tc>
+                <a:extLst>
+                  <a:ext uri="{0D108BD9-81ED-4DB2-BD59-A6C34878D82A}">
+                    <a16:rowId xmlns:a16="http://schemas.microsoft.com/office/drawing/2014/main" val="408727473"/>
+                  </a:ext>
+                </a:extLst>
+              </a:tr>
+              <a:tr h="452634">
+                <a:tc>
+                  <a:txBody>
+                    <a:bodyPr/>
+                    <a:lstStyle/>
+                    <a:p>
+                      <a:pPr algn="ctr"/>
+                      <a:r>
+                        <a:rPr lang="zh-TW" altLang="en-US" sz="2400" dirty="0"/>
+                        <a:t>圖片剪裁</a:t>
+                      </a:r>
+                    </a:p>
+                  </a:txBody>
+                  <a:tcPr/>
+                </a:tc>
+                <a:tc>
+                  <a:txBody>
+                    <a:bodyPr/>
+                    <a:lstStyle/>
+                    <a:p>
+                      <a:pPr marL="0" marR="0" lvl="0" indent="0" algn="ctr" defTabSz="914400" rtl="0" eaLnBrk="1" fontAlgn="auto" latinLnBrk="0" hangingPunct="1">
+                        <a:lnSpc>
+                          <a:spcPct val="100000"/>
+                        </a:lnSpc>
+                        <a:spcBef>
+                          <a:spcPts val="0"/>
+                        </a:spcBef>
+                        <a:spcAft>
+                          <a:spcPts val="0"/>
+                        </a:spcAft>
+                        <a:buClrTx/>
+                        <a:buSzTx/>
+                        <a:buFontTx/>
+                        <a:buNone/>
+                        <a:tabLst/>
+                        <a:defRPr/>
+                      </a:pPr>
+                      <a:r>
+                        <a:rPr lang="zh-TW" altLang="en-US" sz="2400" dirty="0"/>
+                        <a:t>按鈕</a:t>
+                      </a:r>
+                    </a:p>
+                  </a:txBody>
+                  <a:tcPr/>
+                </a:tc>
+                <a:extLst>
+                  <a:ext uri="{0D108BD9-81ED-4DB2-BD59-A6C34878D82A}">
+                    <a16:rowId xmlns:a16="http://schemas.microsoft.com/office/drawing/2014/main" val="1769105684"/>
+                  </a:ext>
+                </a:extLst>
+              </a:tr>
+              <a:tr h="476138">
+                <a:tc>
+                  <a:txBody>
+                    <a:bodyPr/>
+                    <a:lstStyle/>
+                    <a:p>
+                      <a:pPr algn="ctr"/>
+                      <a:r>
+                        <a:rPr lang="zh-TW" altLang="en-US" sz="2400" dirty="0"/>
+                        <a:t>提示設計</a:t>
+                      </a:r>
+                    </a:p>
+                  </a:txBody>
+                  <a:tcPr/>
+                </a:tc>
+                <a:tc>
+                  <a:txBody>
+                    <a:bodyPr/>
+                    <a:lstStyle/>
+                    <a:p>
+                      <a:pPr marL="0" marR="0" lvl="0" indent="0" algn="ctr" defTabSz="914400" rtl="0" eaLnBrk="1" fontAlgn="auto" latinLnBrk="0" hangingPunct="1">
+                        <a:lnSpc>
+                          <a:spcPct val="100000"/>
+                        </a:lnSpc>
+                        <a:spcBef>
+                          <a:spcPts val="0"/>
+                        </a:spcBef>
+                        <a:spcAft>
+                          <a:spcPts val="0"/>
+                        </a:spcAft>
+                        <a:buClrTx/>
+                        <a:buSzTx/>
+                        <a:buFontTx/>
+                        <a:buNone/>
+                        <a:tabLst/>
+                        <a:defRPr/>
+                      </a:pPr>
+                      <a:r>
+                        <a:rPr lang="zh-TW" altLang="en-US" sz="2400" dirty="0"/>
+                        <a:t>投影片</a:t>
+                      </a:r>
+                    </a:p>
+                  </a:txBody>
+                  <a:tcPr/>
+                </a:tc>
+                <a:extLst>
+                  <a:ext uri="{0D108BD9-81ED-4DB2-BD59-A6C34878D82A}">
+                    <a16:rowId xmlns:a16="http://schemas.microsoft.com/office/drawing/2014/main" val="2552338585"/>
+                  </a:ext>
+                </a:extLst>
+              </a:tr>
+              <a:tr h="452634">
+                <a:tc>
+                  <a:txBody>
+                    <a:bodyPr/>
+                    <a:lstStyle/>
+                    <a:p>
+                      <a:pPr algn="ctr"/>
+                      <a:r>
+                        <a:rPr lang="zh-TW" altLang="en-US" sz="2400" dirty="0"/>
+                        <a:t>首頁</a:t>
+                      </a:r>
+                    </a:p>
+                  </a:txBody>
+                  <a:tcPr/>
+                </a:tc>
+                <a:tc>
+                  <a:txBody>
+                    <a:bodyPr/>
+                    <a:lstStyle/>
+                    <a:p>
+                      <a:pPr marL="0" marR="0" lvl="0" indent="0" algn="ctr" defTabSz="914400" rtl="0" eaLnBrk="1" fontAlgn="auto" latinLnBrk="0" hangingPunct="1">
+                        <a:lnSpc>
+                          <a:spcPct val="100000"/>
+                        </a:lnSpc>
+                        <a:spcBef>
+                          <a:spcPts val="0"/>
+                        </a:spcBef>
+                        <a:spcAft>
+                          <a:spcPts val="0"/>
+                        </a:spcAft>
+                        <a:buClrTx/>
+                        <a:buSzTx/>
+                        <a:buFontTx/>
+                        <a:buNone/>
+                        <a:tabLst/>
+                        <a:defRPr/>
+                      </a:pPr>
+                      <a:r>
+                        <a:rPr lang="zh-TW" altLang="en-US" sz="2400" dirty="0"/>
+                        <a:t>提示設計</a:t>
+                      </a:r>
+                    </a:p>
+                  </a:txBody>
+                  <a:tcPr/>
+                </a:tc>
+                <a:extLst>
+                  <a:ext uri="{0D108BD9-81ED-4DB2-BD59-A6C34878D82A}">
+                    <a16:rowId xmlns:a16="http://schemas.microsoft.com/office/drawing/2014/main" val="3117589930"/>
+                  </a:ext>
+                </a:extLst>
+              </a:tr>
+              <a:tr h="452634">
+                <a:tc>
+                  <a:txBody>
+                    <a:bodyPr/>
+                    <a:lstStyle/>
+                    <a:p>
+                      <a:pPr algn="ctr"/>
+                      <a:r>
+                        <a:rPr lang="zh-TW" altLang="en-US" sz="2400" dirty="0"/>
+                        <a:t>結尾</a:t>
+                      </a:r>
+                    </a:p>
+                  </a:txBody>
+                  <a:tcPr/>
+                </a:tc>
+                <a:tc>
+                  <a:txBody>
+                    <a:bodyPr/>
+                    <a:lstStyle/>
+                    <a:p>
+                      <a:pPr marL="0" marR="0" lvl="0" indent="0" algn="ctr" defTabSz="914400" rtl="0" eaLnBrk="1" fontAlgn="auto" latinLnBrk="0" hangingPunct="1">
+                        <a:lnSpc>
+                          <a:spcPct val="100000"/>
+                        </a:lnSpc>
+                        <a:spcBef>
+                          <a:spcPts val="0"/>
+                        </a:spcBef>
+                        <a:spcAft>
+                          <a:spcPts val="0"/>
+                        </a:spcAft>
+                        <a:buClrTx/>
+                        <a:buSzTx/>
+                        <a:buFontTx/>
+                        <a:buNone/>
+                        <a:tabLst/>
+                        <a:defRPr/>
+                      </a:pPr>
+                      <a:r>
+                        <a:rPr lang="zh-TW" altLang="en-US" sz="2400" dirty="0"/>
+                        <a:t>圖片剪裁</a:t>
+                      </a:r>
+                    </a:p>
+                  </a:txBody>
+                  <a:tcPr/>
+                </a:tc>
+                <a:extLst>
+                  <a:ext uri="{0D108BD9-81ED-4DB2-BD59-A6C34878D82A}">
+                    <a16:rowId xmlns:a16="http://schemas.microsoft.com/office/drawing/2014/main" val="3866684177"/>
+                  </a:ext>
+                </a:extLst>
+              </a:tr>
+              <a:tr h="452634">
+                <a:tc>
+                  <a:txBody>
+                    <a:bodyPr/>
+                    <a:lstStyle/>
+                    <a:p>
+                      <a:pPr algn="ctr"/>
+                      <a:r>
+                        <a:rPr lang="zh-TW" altLang="en-US" sz="2400" dirty="0"/>
+                        <a:t>背景圖片</a:t>
+                      </a:r>
+                    </a:p>
+                  </a:txBody>
+                  <a:tcPr/>
+                </a:tc>
+                <a:tc>
+                  <a:txBody>
+                    <a:bodyPr/>
+                    <a:lstStyle/>
+                    <a:p>
+                      <a:pPr algn="ctr"/>
+                      <a:endParaRPr lang="zh-TW" altLang="en-US" sz="2400" dirty="0"/>
+                    </a:p>
+                  </a:txBody>
+                  <a:tcPr/>
+                </a:tc>
+                <a:extLst>
+                  <a:ext uri="{0D108BD9-81ED-4DB2-BD59-A6C34878D82A}">
+                    <a16:rowId xmlns:a16="http://schemas.microsoft.com/office/drawing/2014/main" val="3934149177"/>
+                  </a:ext>
+                </a:extLst>
+              </a:tr>
+              <a:tr h="452634">
+                <a:tc>
+                  <a:txBody>
+                    <a:bodyPr/>
+                    <a:lstStyle/>
+                    <a:p>
+                      <a:pPr algn="ctr"/>
+                      <a:r>
+                        <a:rPr lang="zh-TW" altLang="en-US" sz="2400" dirty="0"/>
+                        <a:t>報告</a:t>
+                      </a:r>
+                    </a:p>
+                  </a:txBody>
+                  <a:tcPr/>
+                </a:tc>
+                <a:tc>
+                  <a:txBody>
+                    <a:bodyPr/>
+                    <a:lstStyle/>
+                    <a:p>
+                      <a:pPr algn="ctr"/>
+                      <a:endParaRPr lang="zh-TW" altLang="en-US" sz="2400" dirty="0"/>
+                    </a:p>
+                  </a:txBody>
+                  <a:tcPr/>
+                </a:tc>
+                <a:extLst>
+                  <a:ext uri="{0D108BD9-81ED-4DB2-BD59-A6C34878D82A}">
+                    <a16:rowId xmlns:a16="http://schemas.microsoft.com/office/drawing/2014/main" val="2063493733"/>
+                  </a:ext>
+                </a:extLst>
+              </a:tr>
+            </a:tbl>
+          </a:graphicData>
+        </a:graphic>
+      </p:graphicFrame>
+    </p:spTree>
+    <p:extLst>
+      <p:ext uri="{BB962C8B-B14F-4D97-AF65-F5344CB8AC3E}">
+        <p14:creationId xmlns:p14="http://schemas.microsoft.com/office/powerpoint/2010/main" val="3511946862"/>
       </p:ext>
     </p:extLst>
   </p:cSld>
@@ -21160,8 +21954,8 @@
         </p:nvSpPr>
         <p:spPr>
           <a:xfrm>
-            <a:off x="1209368" y="2035277"/>
-            <a:ext cx="5158201" cy="2246769"/>
+            <a:off x="1046206" y="2035277"/>
+            <a:ext cx="5321364" cy="2677656"/>
           </a:xfrm>
           <a:prstGeom prst="rect">
             <a:avLst/>
@@ -21184,8 +21978,29 @@
             </a:r>
             <a:r>
               <a:rPr lang="en-US" altLang="zh-TW" sz="2800" dirty="0"/>
-              <a:t>--CSS</a:t>
+              <a:t>—CSS</a:t>
             </a:r>
+            <a:r>
+              <a:rPr lang="zh-TW" altLang="en-US" sz="2800" dirty="0"/>
+              <a:t>、</a:t>
+            </a:r>
+            <a:r>
+              <a:rPr lang="en-US" altLang="zh-TW" sz="2800" dirty="0"/>
+              <a:t> HTML</a:t>
+            </a:r>
+            <a:r>
+              <a:rPr lang="zh-TW" altLang="en-US" sz="2800" dirty="0"/>
+              <a:t>、</a:t>
+            </a:r>
+            <a:r>
+              <a:rPr lang="en-US" altLang="zh-TW" sz="2800" dirty="0"/>
+              <a:t> </a:t>
+            </a:r>
+            <a:r>
+              <a:rPr lang="en-US" altLang="zh-TW" sz="2800" dirty="0" err="1"/>
+              <a:t>JQuery</a:t>
+            </a:r>
+            <a:endParaRPr lang="en-US" altLang="zh-TW" sz="2800" dirty="0"/>
           </a:p>
           <a:p>
             <a:pPr marL="285750" indent="-285750">
@@ -21208,6 +22023,11 @@
               <a:rPr lang="en-US" altLang="zh-TW" sz="2800" dirty="0"/>
               <a:t> CSS</a:t>
             </a:r>
+            <a:r>
+              <a:rPr lang="zh-TW" altLang="en-US" sz="2800" dirty="0"/>
+              <a:t> </a:t>
+            </a:r>
+            <a:endParaRPr lang="en-US" altLang="zh-TW" sz="2800" dirty="0"/>
           </a:p>
           <a:p>
             <a:pPr marL="285750" indent="-285750">
@@ -21222,6 +22042,19 @@
               <a:rPr lang="en-US" altLang="zh-TW" sz="2800" dirty="0"/>
               <a:t>— HTML</a:t>
             </a:r>
+            <a:r>
+              <a:rPr lang="zh-TW" altLang="en-US" sz="2800" dirty="0"/>
+              <a:t>、</a:t>
+            </a:r>
+            <a:r>
+              <a:rPr lang="en-US" altLang="zh-TW" sz="2800" dirty="0"/>
+              <a:t> </a:t>
+            </a:r>
+            <a:r>
+              <a:rPr lang="en-US" altLang="zh-TW" sz="2800" dirty="0" err="1"/>
+              <a:t>JQuery</a:t>
+            </a:r>
+            <a:endParaRPr lang="en-US" altLang="zh-TW" sz="2800" dirty="0"/>
           </a:p>
           <a:p>
             <a:pPr marL="285750" indent="-285750">
@@ -21241,8 +22074,24 @@
               <a:t>、</a:t>
             </a:r>
             <a:r>
+              <a:rPr lang="en-US" altLang="zh-TW" sz="2800" dirty="0" err="1"/>
+              <a:t>JQuery</a:t>
+            </a:r>
+            <a:r>
+              <a:rPr lang="zh-TW" altLang="en-US" sz="2800" dirty="0"/>
+              <a:t>、</a:t>
+            </a:r>
+            <a:r>
               <a:rPr lang="en-US" altLang="zh-TW" sz="2800" dirty="0"/>
-              <a:t>JQuery</a:t>
+              <a:t> JavaScript</a:t>
+            </a:r>
+            <a:r>
+              <a:rPr lang="zh-TW" altLang="en-US" sz="2800" dirty="0"/>
+              <a:t>、</a:t>
+            </a:r>
+            <a:r>
+              <a:rPr lang="en-US" altLang="zh-TW" sz="2800" dirty="0"/>
+              <a:t> CSS</a:t>
             </a:r>
           </a:p>
           <a:p>
@@ -21254,6 +22103,19 @@
               <a:rPr lang="en-US" altLang="zh-TW" sz="2800" dirty="0"/>
               <a:t>Button — JavaScript</a:t>
             </a:r>
+            <a:r>
+              <a:rPr lang="zh-TW" altLang="en-US" sz="2800" dirty="0"/>
+              <a:t>、</a:t>
+            </a:r>
+            <a:r>
+              <a:rPr lang="en-US" altLang="zh-TW" sz="2800" dirty="0"/>
+              <a:t> </a:t>
+            </a:r>
+            <a:r>
+              <a:rPr lang="en-US" altLang="zh-TW" sz="2800" dirty="0" err="1"/>
+              <a:t>JQuery</a:t>
+            </a:r>
+            <a:endParaRPr lang="en-US" altLang="zh-TW" sz="2800" dirty="0"/>
           </a:p>
         </p:txBody>
       </p:sp>
@@ -21332,13 +22194,13 @@
       </p:grpSpPr>
       <p:sp>
         <p:nvSpPr>
-          <p:cNvPr id="4" name="矩形 3"/>
+          <p:cNvPr id="16" name="矩形 15"/>
           <p:cNvSpPr/>
           <p:nvPr/>
         </p:nvSpPr>
         <p:spPr>
           <a:xfrm>
-            <a:off x="4408" y="0"/>
+            <a:off x="0" y="-72978"/>
             <a:ext cx="12187592" cy="6930977"/>
           </a:xfrm>
           <a:prstGeom prst="rect">
@@ -21374,13 +22236,13 @@
           <a:lstStyle/>
           <a:p>
             <a:pPr algn="ctr"/>
-            <a:endParaRPr lang="zh-CN" altLang="en-US" dirty="0"/>
+            <a:endParaRPr lang="zh-CN" altLang="en-US"/>
           </a:p>
         </p:txBody>
       </p:sp>
       <p:sp>
         <p:nvSpPr>
-          <p:cNvPr id="5" name="图文框 4"/>
+          <p:cNvPr id="22" name="图文框 21"/>
           <p:cNvSpPr/>
           <p:nvPr/>
         </p:nvSpPr>
@@ -21451,225 +22313,14 @@
       </p:sp>
       <p:pic>
         <p:nvPicPr>
-          <p:cNvPr id="10" name="图片 9"/>
+          <p:cNvPr id="5" name="圖片 4"/>
           <p:cNvPicPr>
             <a:picLocks noChangeAspect="1"/>
           </p:cNvPicPr>
           <p:nvPr/>
         </p:nvPicPr>
         <p:blipFill>
-          <a:blip r:embed="rId3" cstate="print">
-            <a:extLst>
-              <a:ext uri="{28A0092B-C50C-407E-A947-70E740481C1C}">
-                <a14:useLocalDpi xmlns:a14="http://schemas.microsoft.com/office/drawing/2010/main" val="0"/>
-              </a:ext>
-            </a:extLst>
-          </a:blip>
-          <a:stretch>
-            <a:fillRect/>
-          </a:stretch>
-        </p:blipFill>
-        <p:spPr>
-          <a:xfrm rot="3984410" flipH="1">
-            <a:off x="216185" y="-526303"/>
-            <a:ext cx="1596267" cy="1738247"/>
-          </a:xfrm>
-          <a:prstGeom prst="rect">
-            <a:avLst/>
-          </a:prstGeom>
-        </p:spPr>
-      </p:pic>
-      <p:sp>
-        <p:nvSpPr>
-          <p:cNvPr id="12" name="TextBox 105"/>
-          <p:cNvSpPr txBox="1">
-            <a:spLocks noChangeArrowheads="1"/>
-          </p:cNvSpPr>
-          <p:nvPr/>
-        </p:nvSpPr>
-        <p:spPr bwMode="auto">
-          <a:xfrm>
-            <a:off x="2130238" y="554715"/>
-            <a:ext cx="4237331" cy="684769"/>
-          </a:xfrm>
-          <a:prstGeom prst="rect">
-            <a:avLst/>
-          </a:prstGeom>
-          <a:noFill/>
-          <a:ln w="9525">
-            <a:noFill/>
-            <a:miter lim="800000"/>
-          </a:ln>
-        </p:spPr>
-        <p:txBody>
-          <a:bodyPr vert="horz" wrap="square" lIns="68546" tIns="34273" rIns="68546" bIns="34273">
-            <a:spAutoFit/>
-          </a:bodyPr>
-          <a:lstStyle>
-            <a:lvl1pPr eaLnBrk="0" hangingPunct="0">
-              <a:defRPr>
-                <a:solidFill>
-                  <a:schemeClr val="tx1"/>
-                </a:solidFill>
-                <a:latin typeface="Arial" panose="020B0604020202020204" pitchFamily="34" charset="0"/>
-                <a:ea typeface="宋体" panose="02010600030101010101" pitchFamily="2" charset="-122"/>
-              </a:defRPr>
-            </a:lvl1pPr>
-            <a:lvl2pPr marL="742950" indent="-285750" eaLnBrk="0" hangingPunct="0">
-              <a:defRPr>
-                <a:solidFill>
-                  <a:schemeClr val="tx1"/>
-                </a:solidFill>
-                <a:latin typeface="Arial" panose="020B0604020202020204" pitchFamily="34" charset="0"/>
-                <a:ea typeface="宋体" panose="02010600030101010101" pitchFamily="2" charset="-122"/>
-              </a:defRPr>
-            </a:lvl2pPr>
-            <a:lvl3pPr marL="1143000" indent="-228600" eaLnBrk="0" hangingPunct="0">
-              <a:defRPr>
-                <a:solidFill>
-                  <a:schemeClr val="tx1"/>
-                </a:solidFill>
-                <a:latin typeface="Arial" panose="020B0604020202020204" pitchFamily="34" charset="0"/>
-                <a:ea typeface="宋体" panose="02010600030101010101" pitchFamily="2" charset="-122"/>
-              </a:defRPr>
-            </a:lvl3pPr>
-            <a:lvl4pPr marL="1600200" indent="-228600" eaLnBrk="0" hangingPunct="0">
-              <a:defRPr>
-                <a:solidFill>
-                  <a:schemeClr val="tx1"/>
-                </a:solidFill>
-                <a:latin typeface="Arial" panose="020B0604020202020204" pitchFamily="34" charset="0"/>
-                <a:ea typeface="宋体" panose="02010600030101010101" pitchFamily="2" charset="-122"/>
-              </a:defRPr>
-            </a:lvl4pPr>
-            <a:lvl5pPr marL="2057400" indent="-228600" eaLnBrk="0" hangingPunct="0">
-              <a:defRPr>
-                <a:solidFill>
-                  <a:schemeClr val="tx1"/>
-                </a:solidFill>
-                <a:latin typeface="Arial" panose="020B0604020202020204" pitchFamily="34" charset="0"/>
-                <a:ea typeface="宋体" panose="02010600030101010101" pitchFamily="2" charset="-122"/>
-              </a:defRPr>
-            </a:lvl5pPr>
-            <a:lvl6pPr marL="2514600" indent="-228600" eaLnBrk="0" fontAlgn="base" hangingPunct="0">
-              <a:spcBef>
-                <a:spcPct val="0"/>
-              </a:spcBef>
-              <a:spcAft>
-                <a:spcPct val="0"/>
-              </a:spcAft>
-              <a:buFont typeface="Arial" panose="020B0604020202020204" pitchFamily="34" charset="0"/>
-              <a:defRPr>
-                <a:solidFill>
-                  <a:schemeClr val="tx1"/>
-                </a:solidFill>
-                <a:latin typeface="Arial" panose="020B0604020202020204" pitchFamily="34" charset="0"/>
-                <a:ea typeface="宋体" panose="02010600030101010101" pitchFamily="2" charset="-122"/>
-              </a:defRPr>
-            </a:lvl6pPr>
-            <a:lvl7pPr marL="2971800" indent="-228600" eaLnBrk="0" fontAlgn="base" hangingPunct="0">
-              <a:spcBef>
-                <a:spcPct val="0"/>
-              </a:spcBef>
-              <a:spcAft>
-                <a:spcPct val="0"/>
-              </a:spcAft>
-              <a:buFont typeface="Arial" panose="020B0604020202020204" pitchFamily="34" charset="0"/>
-              <a:defRPr>
-                <a:solidFill>
-                  <a:schemeClr val="tx1"/>
-                </a:solidFill>
-                <a:latin typeface="Arial" panose="020B0604020202020204" pitchFamily="34" charset="0"/>
-                <a:ea typeface="宋体" panose="02010600030101010101" pitchFamily="2" charset="-122"/>
-              </a:defRPr>
-            </a:lvl7pPr>
-            <a:lvl8pPr marL="3429000" indent="-228600" eaLnBrk="0" fontAlgn="base" hangingPunct="0">
-              <a:spcBef>
-                <a:spcPct val="0"/>
-              </a:spcBef>
-              <a:spcAft>
-                <a:spcPct val="0"/>
-              </a:spcAft>
-              <a:buFont typeface="Arial" panose="020B0604020202020204" pitchFamily="34" charset="0"/>
-              <a:defRPr>
-                <a:solidFill>
-                  <a:schemeClr val="tx1"/>
-                </a:solidFill>
-                <a:latin typeface="Arial" panose="020B0604020202020204" pitchFamily="34" charset="0"/>
-                <a:ea typeface="宋体" panose="02010600030101010101" pitchFamily="2" charset="-122"/>
-              </a:defRPr>
-            </a:lvl8pPr>
-            <a:lvl9pPr marL="3886200" indent="-228600" eaLnBrk="0" fontAlgn="base" hangingPunct="0">
-              <a:spcBef>
-                <a:spcPct val="0"/>
-              </a:spcBef>
-              <a:spcAft>
-                <a:spcPct val="0"/>
-              </a:spcAft>
-              <a:buFont typeface="Arial" panose="020B0604020202020204" pitchFamily="34" charset="0"/>
-              <a:defRPr>
-                <a:solidFill>
-                  <a:schemeClr val="tx1"/>
-                </a:solidFill>
-                <a:latin typeface="Arial" panose="020B0604020202020204" pitchFamily="34" charset="0"/>
-                <a:ea typeface="宋体" panose="02010600030101010101" pitchFamily="2" charset="-122"/>
-              </a:defRPr>
-            </a:lvl9pPr>
-          </a:lstStyle>
-          <a:p>
-            <a:pPr eaLnBrk="1" hangingPunct="1"/>
-            <a:r>
-              <a:rPr lang="en-US" altLang="zh-TW" sz="4000" b="1" dirty="0">
-                <a:solidFill>
-                  <a:schemeClr val="tx1">
-                    <a:lumMod val="95000"/>
-                    <a:lumOff val="5000"/>
-                  </a:schemeClr>
-                </a:solidFill>
-                <a:latin typeface="+mn-lt"/>
-                <a:ea typeface="方正字迹-子实行楷简体" panose="02000000000000000000" pitchFamily="2" charset="-122"/>
-                <a:cs typeface="+mn-lt"/>
-              </a:rPr>
-              <a:t>	</a:t>
-            </a:r>
-            <a:r>
-              <a:rPr lang="zh-TW" altLang="en-US" sz="4000" b="1" dirty="0">
-                <a:solidFill>
-                  <a:schemeClr val="tx1">
-                    <a:lumMod val="95000"/>
-                    <a:lumOff val="5000"/>
-                  </a:schemeClr>
-                </a:solidFill>
-                <a:latin typeface="+mn-lt"/>
-                <a:ea typeface="方正字迹-子实行楷简体" panose="02000000000000000000" pitchFamily="2" charset="-122"/>
-                <a:cs typeface="+mn-lt"/>
-              </a:rPr>
-              <a:t>分工表</a:t>
-            </a:r>
-            <a:endParaRPr lang="zh-CN" altLang="en-US" sz="4000" b="1" dirty="0">
-              <a:solidFill>
-                <a:schemeClr val="tx1">
-                  <a:lumMod val="95000"/>
-                  <a:lumOff val="5000"/>
-                </a:schemeClr>
-              </a:solidFill>
-              <a:latin typeface="+mn-lt"/>
-              <a:ea typeface="方正字迹-子实行楷简体" panose="02000000000000000000" pitchFamily="2" charset="-122"/>
-              <a:cs typeface="+mn-lt"/>
-            </a:endParaRPr>
-          </a:p>
-        </p:txBody>
-      </p:sp>
-      <p:pic>
-        <p:nvPicPr>
-          <p:cNvPr id="7" name="图片 6"/>
-          <p:cNvPicPr>
-            <a:picLocks noChangeAspect="1"/>
-          </p:cNvPicPr>
-          <p:nvPr/>
-        </p:nvPicPr>
-        <p:blipFill>
-          <a:blip r:embed="rId4" cstate="print">
+          <a:blip r:embed="rId3">
             <a:extLst>
               <a:ext uri="{28A0092B-C50C-407E-A947-70E740481C1C}">
                 <a14:useLocalDpi xmlns:a14="http://schemas.microsoft.com/office/drawing/2010/main" val="0"/>
@@ -21682,544 +22333,18 @@
         </p:blipFill>
         <p:spPr>
           <a:xfrm>
-            <a:off x="9703248" y="4642344"/>
-            <a:ext cx="2019653" cy="1872834"/>
+            <a:off x="0" y="-72978"/>
+            <a:ext cx="12187592" cy="6930977"/>
           </a:xfrm>
           <a:prstGeom prst="rect">
             <a:avLst/>
           </a:prstGeom>
         </p:spPr>
       </p:pic>
-      <p:grpSp>
-        <p:nvGrpSpPr>
-          <p:cNvPr id="18" name="组合 17">
-            <a:extLst>
-              <a:ext uri="{FF2B5EF4-FFF2-40B4-BE49-F238E27FC236}">
-                <a16:creationId xmlns:a16="http://schemas.microsoft.com/office/drawing/2014/main" id="{D433FA99-3568-42FE-8F55-A11E5BAC3006}"/>
-              </a:ext>
-            </a:extLst>
-          </p:cNvPr>
-          <p:cNvGrpSpPr/>
-          <p:nvPr/>
-        </p:nvGrpSpPr>
-        <p:grpSpPr>
-          <a:xfrm>
-            <a:off x="6722527" y="803635"/>
-            <a:ext cx="3665718" cy="5578848"/>
-            <a:chOff x="6722527" y="803635"/>
-            <a:chExt cx="3665718" cy="5578848"/>
-          </a:xfrm>
-        </p:grpSpPr>
-        <p:pic>
-          <p:nvPicPr>
-            <p:cNvPr id="16" name="图片 15">
-              <a:extLst>
-                <a:ext uri="{FF2B5EF4-FFF2-40B4-BE49-F238E27FC236}">
-                  <a16:creationId xmlns:a16="http://schemas.microsoft.com/office/drawing/2014/main" id="{FAF3BB67-A6FD-45BB-8A1D-6EF1D6253D61}"/>
-                </a:ext>
-              </a:extLst>
-            </p:cNvPr>
-            <p:cNvPicPr>
-              <a:picLocks noChangeAspect="1"/>
-            </p:cNvPicPr>
-            <p:nvPr/>
-          </p:nvPicPr>
-          <p:blipFill>
-            <a:blip r:embed="rId5">
-              <a:extLst>
-                <a:ext uri="{28A0092B-C50C-407E-A947-70E740481C1C}">
-                  <a14:useLocalDpi xmlns:a14="http://schemas.microsoft.com/office/drawing/2010/main" val="0"/>
-                </a:ext>
-              </a:extLst>
-            </a:blip>
-            <a:stretch>
-              <a:fillRect/>
-            </a:stretch>
-          </p:blipFill>
-          <p:spPr>
-            <a:xfrm>
-              <a:off x="7255915" y="803635"/>
-              <a:ext cx="3132330" cy="5488213"/>
-            </a:xfrm>
-            <a:prstGeom prst="rect">
-              <a:avLst/>
-            </a:prstGeom>
-          </p:spPr>
-        </p:pic>
-        <p:pic>
-          <p:nvPicPr>
-            <p:cNvPr id="17" name="图片 16">
-              <a:extLst>
-                <a:ext uri="{FF2B5EF4-FFF2-40B4-BE49-F238E27FC236}">
-                  <a16:creationId xmlns:a16="http://schemas.microsoft.com/office/drawing/2014/main" id="{77456045-867B-4E9C-9926-A040225FF1AE}"/>
-                </a:ext>
-              </a:extLst>
-            </p:cNvPr>
-            <p:cNvPicPr>
-              <a:picLocks noChangeAspect="1"/>
-            </p:cNvPicPr>
-            <p:nvPr/>
-          </p:nvPicPr>
-          <p:blipFill>
-            <a:blip r:embed="rId5">
-              <a:extLst>
-                <a:ext uri="{28A0092B-C50C-407E-A947-70E740481C1C}">
-                  <a14:useLocalDpi xmlns:a14="http://schemas.microsoft.com/office/drawing/2010/main" val="0"/>
-                </a:ext>
-              </a:extLst>
-            </a:blip>
-            <a:stretch>
-              <a:fillRect/>
-            </a:stretch>
-          </p:blipFill>
-          <p:spPr>
-            <a:xfrm rot="20587026" flipH="1">
-              <a:off x="6722527" y="2397877"/>
-              <a:ext cx="2274165" cy="3984606"/>
-            </a:xfrm>
-            <a:prstGeom prst="rect">
-              <a:avLst/>
-            </a:prstGeom>
-          </p:spPr>
-        </p:pic>
-      </p:grpSp>
-      <p:graphicFrame>
-        <p:nvGraphicFramePr>
-          <p:cNvPr id="3" name="表格 5">
-            <a:extLst>
-              <a:ext uri="{FF2B5EF4-FFF2-40B4-BE49-F238E27FC236}">
-                <a16:creationId xmlns:a16="http://schemas.microsoft.com/office/drawing/2014/main" id="{0261B42D-3A4D-4DA3-9CB7-020B988D152A}"/>
-              </a:ext>
-            </a:extLst>
-          </p:cNvPr>
-          <p:cNvGraphicFramePr>
-            <a:graphicFrameLocks noGrp="1"/>
-          </p:cNvGraphicFramePr>
-          <p:nvPr>
-            <p:extLst>
-              <p:ext uri="{D42A27DB-BD31-4B8C-83A1-F6EECF244321}">
-                <p14:modId xmlns:p14="http://schemas.microsoft.com/office/powerpoint/2010/main" val="1584029146"/>
-              </p:ext>
-            </p:extLst>
-          </p:nvPr>
-        </p:nvGraphicFramePr>
-        <p:xfrm>
-          <a:off x="591303" y="1223813"/>
-          <a:ext cx="7068064" cy="4830552"/>
-        </p:xfrm>
-        <a:graphic>
-          <a:graphicData uri="http://schemas.openxmlformats.org/drawingml/2006/table">
-            <a:tbl>
-              <a:tblPr firstRow="1" bandRow="1">
-                <a:tableStyleId>{5C22544A-7EE6-4342-B048-85BDC9FD1C3A}</a:tableStyleId>
-              </a:tblPr>
-              <a:tblGrid>
-                <a:gridCol w="3222835">
-                  <a:extLst>
-                    <a:ext uri="{9D8B030D-6E8A-4147-A177-3AD203B41FA5}">
-                      <a16:colId xmlns:a16="http://schemas.microsoft.com/office/drawing/2014/main" val="544030490"/>
-                    </a:ext>
-                  </a:extLst>
-                </a:gridCol>
-                <a:gridCol w="3845229">
-                  <a:extLst>
-                    <a:ext uri="{9D8B030D-6E8A-4147-A177-3AD203B41FA5}">
-                      <a16:colId xmlns:a16="http://schemas.microsoft.com/office/drawing/2014/main" val="2344221429"/>
-                    </a:ext>
-                  </a:extLst>
-                </a:gridCol>
-              </a:tblGrid>
-              <a:tr h="864632">
-                <a:tc>
-                  <a:txBody>
-                    <a:bodyPr/>
-                    <a:lstStyle/>
-                    <a:p>
-                      <a:r>
-                        <a:rPr lang="en-US" altLang="zh-TW" sz="2600" dirty="0"/>
-                        <a:t>00757016 </a:t>
-                      </a:r>
-                      <a:r>
-                        <a:rPr lang="zh-TW" altLang="en-US" sz="2600" dirty="0"/>
-                        <a:t>廖巧恩</a:t>
-                      </a:r>
-                    </a:p>
-                  </a:txBody>
-                  <a:tcPr/>
-                </a:tc>
-                <a:tc>
-                  <a:txBody>
-                    <a:bodyPr/>
-                    <a:lstStyle/>
-                    <a:p>
-                      <a:r>
-                        <a:rPr lang="en-US" altLang="zh-TW" sz="2600" dirty="0"/>
-                        <a:t>00757033 </a:t>
-                      </a:r>
-                      <a:r>
-                        <a:rPr lang="zh-TW" altLang="en-US" sz="2600" dirty="0"/>
-                        <a:t>劉凌瑄</a:t>
-                      </a:r>
-                    </a:p>
-                    <a:p>
-                      <a:endParaRPr lang="zh-TW" altLang="en-US" sz="2600" dirty="0"/>
-                    </a:p>
-                  </a:txBody>
-                  <a:tcPr/>
-                </a:tc>
-                <a:extLst>
-                  <a:ext uri="{0D108BD9-81ED-4DB2-BD59-A6C34878D82A}">
-                    <a16:rowId xmlns:a16="http://schemas.microsoft.com/office/drawing/2014/main" val="1682388858"/>
-                  </a:ext>
-                </a:extLst>
-              </a:tr>
-              <a:tr h="474153">
-                <a:tc>
-                  <a:txBody>
-                    <a:bodyPr/>
-                    <a:lstStyle/>
-                    <a:p>
-                      <a:r>
-                        <a:rPr lang="zh-TW" altLang="en-US" sz="2600" dirty="0"/>
-                        <a:t>關卡</a:t>
-                      </a:r>
-                    </a:p>
-                  </a:txBody>
-                  <a:tcPr/>
-                </a:tc>
-                <a:tc>
-                  <a:txBody>
-                    <a:bodyPr/>
-                    <a:lstStyle/>
-                    <a:p>
-                      <a:r>
-                        <a:rPr lang="zh-TW" altLang="en-US" sz="2600" dirty="0"/>
-                        <a:t>布景</a:t>
-                      </a:r>
-                      <a:r>
-                        <a:rPr lang="en-US" altLang="zh-TW" sz="2600" dirty="0"/>
-                        <a:t>(</a:t>
-                      </a:r>
-                      <a:r>
-                        <a:rPr lang="zh-TW" altLang="en-US" sz="2600" dirty="0"/>
-                        <a:t>每層設計</a:t>
-                      </a:r>
-                      <a:r>
-                        <a:rPr lang="en-US" altLang="zh-TW" sz="2600" dirty="0"/>
-                        <a:t>)</a:t>
-                      </a:r>
-                      <a:endParaRPr lang="zh-TW" altLang="en-US" sz="2600" dirty="0"/>
-                    </a:p>
-                  </a:txBody>
-                  <a:tcPr/>
-                </a:tc>
-                <a:extLst>
-                  <a:ext uri="{0D108BD9-81ED-4DB2-BD59-A6C34878D82A}">
-                    <a16:rowId xmlns:a16="http://schemas.microsoft.com/office/drawing/2014/main" val="3408638570"/>
-                  </a:ext>
-                </a:extLst>
-              </a:tr>
-              <a:tr h="474153">
-                <a:tc>
-                  <a:txBody>
-                    <a:bodyPr/>
-                    <a:lstStyle/>
-                    <a:p>
-                      <a:pPr marL="0" marR="0" lvl="0" indent="0" algn="l" defTabSz="914400" rtl="0" eaLnBrk="1" fontAlgn="auto" latinLnBrk="0" hangingPunct="1">
-                        <a:lnSpc>
-                          <a:spcPct val="100000"/>
-                        </a:lnSpc>
-                        <a:spcBef>
-                          <a:spcPts val="0"/>
-                        </a:spcBef>
-                        <a:spcAft>
-                          <a:spcPts val="0"/>
-                        </a:spcAft>
-                        <a:buClrTx/>
-                        <a:buSzTx/>
-                        <a:buFontTx/>
-                        <a:buNone/>
-                        <a:tabLst/>
-                        <a:defRPr/>
-                      </a:pPr>
-                      <a:r>
-                        <a:rPr lang="zh-TW" altLang="en-US" sz="2600" dirty="0"/>
-                        <a:t>圖片拍照</a:t>
-                      </a:r>
-                    </a:p>
-                  </a:txBody>
-                  <a:tcPr/>
-                </a:tc>
-                <a:tc>
-                  <a:txBody>
-                    <a:bodyPr/>
-                    <a:lstStyle/>
-                    <a:p>
-                      <a:r>
-                        <a:rPr lang="zh-TW" altLang="en-US" sz="2600" dirty="0"/>
-                        <a:t>背包</a:t>
-                      </a:r>
-                    </a:p>
-                  </a:txBody>
-                  <a:tcPr/>
-                </a:tc>
-                <a:extLst>
-                  <a:ext uri="{0D108BD9-81ED-4DB2-BD59-A6C34878D82A}">
-                    <a16:rowId xmlns:a16="http://schemas.microsoft.com/office/drawing/2014/main" val="3402815105"/>
-                  </a:ext>
-                </a:extLst>
-              </a:tr>
-              <a:tr h="474153">
-                <a:tc>
-                  <a:txBody>
-                    <a:bodyPr/>
-                    <a:lstStyle/>
-                    <a:p>
-                      <a:r>
-                        <a:rPr lang="zh-TW" altLang="en-US" sz="2600" dirty="0"/>
-                        <a:t>投影片</a:t>
-                      </a:r>
-                    </a:p>
-                  </a:txBody>
-                  <a:tcPr/>
-                </a:tc>
-                <a:tc>
-                  <a:txBody>
-                    <a:bodyPr/>
-                    <a:lstStyle/>
-                    <a:p>
-                      <a:r>
-                        <a:rPr lang="zh-TW" altLang="en-US" sz="2600" dirty="0"/>
-                        <a:t>計算機</a:t>
-                      </a:r>
-                    </a:p>
-                  </a:txBody>
-                  <a:tcPr/>
-                </a:tc>
-                <a:extLst>
-                  <a:ext uri="{0D108BD9-81ED-4DB2-BD59-A6C34878D82A}">
-                    <a16:rowId xmlns:a16="http://schemas.microsoft.com/office/drawing/2014/main" val="408727473"/>
-                  </a:ext>
-                </a:extLst>
-              </a:tr>
-              <a:tr h="474153">
-                <a:tc>
-                  <a:txBody>
-                    <a:bodyPr/>
-                    <a:lstStyle/>
-                    <a:p>
-                      <a:r>
-                        <a:rPr lang="zh-TW" altLang="en-US" sz="2600" dirty="0"/>
-                        <a:t>圖片剪裁</a:t>
-                      </a:r>
-                    </a:p>
-                  </a:txBody>
-                  <a:tcPr/>
-                </a:tc>
-                <a:tc>
-                  <a:txBody>
-                    <a:bodyPr/>
-                    <a:lstStyle/>
-                    <a:p>
-                      <a:pPr marL="0" marR="0" lvl="0" indent="0" algn="l" defTabSz="914400" rtl="0" eaLnBrk="1" fontAlgn="auto" latinLnBrk="0" hangingPunct="1">
-                        <a:lnSpc>
-                          <a:spcPct val="100000"/>
-                        </a:lnSpc>
-                        <a:spcBef>
-                          <a:spcPts val="0"/>
-                        </a:spcBef>
-                        <a:spcAft>
-                          <a:spcPts val="0"/>
-                        </a:spcAft>
-                        <a:buClrTx/>
-                        <a:buSzTx/>
-                        <a:buFontTx/>
-                        <a:buNone/>
-                        <a:tabLst/>
-                        <a:defRPr/>
-                      </a:pPr>
-                      <a:r>
-                        <a:rPr lang="zh-TW" altLang="en-US" sz="2600" dirty="0"/>
-                        <a:t>按鈕</a:t>
-                      </a:r>
-                    </a:p>
-                  </a:txBody>
-                  <a:tcPr/>
-                </a:tc>
-                <a:extLst>
-                  <a:ext uri="{0D108BD9-81ED-4DB2-BD59-A6C34878D82A}">
-                    <a16:rowId xmlns:a16="http://schemas.microsoft.com/office/drawing/2014/main" val="1769105684"/>
-                  </a:ext>
-                </a:extLst>
-              </a:tr>
-              <a:tr h="532872">
-                <a:tc>
-                  <a:txBody>
-                    <a:bodyPr/>
-                    <a:lstStyle/>
-                    <a:p>
-                      <a:r>
-                        <a:rPr lang="zh-TW" altLang="en-US" sz="2600" dirty="0"/>
-                        <a:t>提示設計</a:t>
-                      </a:r>
-                    </a:p>
-                  </a:txBody>
-                  <a:tcPr/>
-                </a:tc>
-                <a:tc>
-                  <a:txBody>
-                    <a:bodyPr/>
-                    <a:lstStyle/>
-                    <a:p>
-                      <a:pPr marL="0" marR="0" lvl="0" indent="0" algn="l" defTabSz="914400" rtl="0" eaLnBrk="1" fontAlgn="auto" latinLnBrk="0" hangingPunct="1">
-                        <a:lnSpc>
-                          <a:spcPct val="100000"/>
-                        </a:lnSpc>
-                        <a:spcBef>
-                          <a:spcPts val="0"/>
-                        </a:spcBef>
-                        <a:spcAft>
-                          <a:spcPts val="0"/>
-                        </a:spcAft>
-                        <a:buClrTx/>
-                        <a:buSzTx/>
-                        <a:buFontTx/>
-                        <a:buNone/>
-                        <a:tabLst/>
-                        <a:defRPr/>
-                      </a:pPr>
-                      <a:r>
-                        <a:rPr lang="zh-TW" altLang="en-US" sz="2600" dirty="0"/>
-                        <a:t>投影片</a:t>
-                      </a:r>
-                    </a:p>
-                  </a:txBody>
-                  <a:tcPr/>
-                </a:tc>
-                <a:extLst>
-                  <a:ext uri="{0D108BD9-81ED-4DB2-BD59-A6C34878D82A}">
-                    <a16:rowId xmlns:a16="http://schemas.microsoft.com/office/drawing/2014/main" val="2552338585"/>
-                  </a:ext>
-                </a:extLst>
-              </a:tr>
-              <a:tr h="464268">
-                <a:tc>
-                  <a:txBody>
-                    <a:bodyPr/>
-                    <a:lstStyle/>
-                    <a:p>
-                      <a:r>
-                        <a:rPr lang="zh-TW" altLang="en-US" sz="2600" dirty="0"/>
-                        <a:t>首頁</a:t>
-                      </a:r>
-                    </a:p>
-                  </a:txBody>
-                  <a:tcPr/>
-                </a:tc>
-                <a:tc>
-                  <a:txBody>
-                    <a:bodyPr/>
-                    <a:lstStyle/>
-                    <a:p>
-                      <a:pPr marL="0" marR="0" lvl="0" indent="0" algn="l" defTabSz="914400" rtl="0" eaLnBrk="1" fontAlgn="auto" latinLnBrk="0" hangingPunct="1">
-                        <a:lnSpc>
-                          <a:spcPct val="100000"/>
-                        </a:lnSpc>
-                        <a:spcBef>
-                          <a:spcPts val="0"/>
-                        </a:spcBef>
-                        <a:spcAft>
-                          <a:spcPts val="0"/>
-                        </a:spcAft>
-                        <a:buClrTx/>
-                        <a:buSzTx/>
-                        <a:buFontTx/>
-                        <a:buNone/>
-                        <a:tabLst/>
-                        <a:defRPr/>
-                      </a:pPr>
-                      <a:r>
-                        <a:rPr lang="zh-TW" altLang="en-US" sz="2600" dirty="0"/>
-                        <a:t>提示設計</a:t>
-                      </a:r>
-                    </a:p>
-                  </a:txBody>
-                  <a:tcPr/>
-                </a:tc>
-                <a:extLst>
-                  <a:ext uri="{0D108BD9-81ED-4DB2-BD59-A6C34878D82A}">
-                    <a16:rowId xmlns:a16="http://schemas.microsoft.com/office/drawing/2014/main" val="3117589930"/>
-                  </a:ext>
-                </a:extLst>
-              </a:tr>
-              <a:tr h="474153">
-                <a:tc>
-                  <a:txBody>
-                    <a:bodyPr/>
-                    <a:lstStyle/>
-                    <a:p>
-                      <a:r>
-                        <a:rPr lang="zh-TW" altLang="en-US" sz="2600" dirty="0"/>
-                        <a:t>結尾</a:t>
-                      </a:r>
-                    </a:p>
-                  </a:txBody>
-                  <a:tcPr/>
-                </a:tc>
-                <a:tc>
-                  <a:txBody>
-                    <a:bodyPr/>
-                    <a:lstStyle/>
-                    <a:p>
-                      <a:endParaRPr lang="zh-TW" altLang="en-US" sz="2600" dirty="0"/>
-                    </a:p>
-                  </a:txBody>
-                  <a:tcPr/>
-                </a:tc>
-                <a:extLst>
-                  <a:ext uri="{0D108BD9-81ED-4DB2-BD59-A6C34878D82A}">
-                    <a16:rowId xmlns:a16="http://schemas.microsoft.com/office/drawing/2014/main" val="3866684177"/>
-                  </a:ext>
-                </a:extLst>
-              </a:tr>
-              <a:tr h="474153">
-                <a:tc>
-                  <a:txBody>
-                    <a:bodyPr/>
-                    <a:lstStyle/>
-                    <a:p>
-                      <a:r>
-                        <a:rPr lang="zh-TW" altLang="en-US" sz="2600" dirty="0"/>
-                        <a:t>報告</a:t>
-                      </a:r>
-                    </a:p>
-                  </a:txBody>
-                  <a:tcPr/>
-                </a:tc>
-                <a:tc>
-                  <a:txBody>
-                    <a:bodyPr/>
-                    <a:lstStyle/>
-                    <a:p>
-                      <a:endParaRPr lang="zh-TW" altLang="en-US" sz="2600" dirty="0"/>
-                    </a:p>
-                  </a:txBody>
-                  <a:tcPr/>
-                </a:tc>
-                <a:extLst>
-                  <a:ext uri="{0D108BD9-81ED-4DB2-BD59-A6C34878D82A}">
-                    <a16:rowId xmlns:a16="http://schemas.microsoft.com/office/drawing/2014/main" val="2063493733"/>
-                  </a:ext>
-                </a:extLst>
-              </a:tr>
-            </a:tbl>
-          </a:graphicData>
-        </a:graphic>
-      </p:graphicFrame>
     </p:spTree>
     <p:extLst>
       <p:ext uri="{BB962C8B-B14F-4D97-AF65-F5344CB8AC3E}">
-        <p14:creationId xmlns:p14="http://schemas.microsoft.com/office/powerpoint/2010/main" val="3511946862"/>
+        <p14:creationId xmlns:p14="http://schemas.microsoft.com/office/powerpoint/2010/main" val="3945838687"/>
       </p:ext>
     </p:extLst>
   </p:cSld>
@@ -22379,7 +22504,7 @@
       </p:sp>
       <p:pic>
         <p:nvPicPr>
-          <p:cNvPr id="5" name="圖片 4"/>
+          <p:cNvPr id="2" name="圖片 1"/>
           <p:cNvPicPr>
             <a:picLocks noChangeAspect="1"/>
           </p:cNvPicPr>
@@ -22400,7 +22525,7 @@
         <p:spPr>
           <a:xfrm>
             <a:off x="0" y="-72978"/>
-            <a:ext cx="12187592" cy="6930977"/>
+            <a:ext cx="12192000" cy="6930977"/>
           </a:xfrm>
           <a:prstGeom prst="rect">
             <a:avLst/>
@@ -22410,7 +22535,7 @@
     </p:spTree>
     <p:extLst>
       <p:ext uri="{BB962C8B-B14F-4D97-AF65-F5344CB8AC3E}">
-        <p14:creationId xmlns:p14="http://schemas.microsoft.com/office/powerpoint/2010/main" val="3945838687"/>
+        <p14:creationId xmlns:p14="http://schemas.microsoft.com/office/powerpoint/2010/main" val="3743693203"/>
       </p:ext>
     </p:extLst>
   </p:cSld>
@@ -22591,7 +22716,7 @@
         <p:spPr>
           <a:xfrm>
             <a:off x="0" y="-72978"/>
-            <a:ext cx="12192000" cy="6930977"/>
+            <a:ext cx="12187592" cy="6930977"/>
           </a:xfrm>
           <a:prstGeom prst="rect">
             <a:avLst/>
@@ -22601,7 +22726,7 @@
     </p:spTree>
     <p:extLst>
       <p:ext uri="{BB962C8B-B14F-4D97-AF65-F5344CB8AC3E}">
-        <p14:creationId xmlns:p14="http://schemas.microsoft.com/office/powerpoint/2010/main" val="3743693203"/>
+        <p14:creationId xmlns:p14="http://schemas.microsoft.com/office/powerpoint/2010/main" val="1121059650"/>
       </p:ext>
     </p:extLst>
   </p:cSld>
@@ -22781,8 +22906,8 @@
         </p:blipFill>
         <p:spPr>
           <a:xfrm>
-            <a:off x="0" y="-72978"/>
-            <a:ext cx="12187592" cy="6930977"/>
+            <a:off x="0" y="-72977"/>
+            <a:ext cx="12192000" cy="6930978"/>
           </a:xfrm>
           <a:prstGeom prst="rect">
             <a:avLst/>
@@ -22792,7 +22917,7 @@
     </p:spTree>
     <p:extLst>
       <p:ext uri="{BB962C8B-B14F-4D97-AF65-F5344CB8AC3E}">
-        <p14:creationId xmlns:p14="http://schemas.microsoft.com/office/powerpoint/2010/main" val="1121059650"/>
+        <p14:creationId xmlns:p14="http://schemas.microsoft.com/office/powerpoint/2010/main" val="3071890504"/>
       </p:ext>
     </p:extLst>
   </p:cSld>
@@ -22952,7 +23077,7 @@
       </p:sp>
       <p:pic>
         <p:nvPicPr>
-          <p:cNvPr id="2" name="圖片 1"/>
+          <p:cNvPr id="3" name="圖片 2"/>
           <p:cNvPicPr>
             <a:picLocks noChangeAspect="1"/>
           </p:cNvPicPr>
@@ -22983,7 +23108,7 @@
     </p:spTree>
     <p:extLst>
       <p:ext uri="{BB962C8B-B14F-4D97-AF65-F5344CB8AC3E}">
-        <p14:creationId xmlns:p14="http://schemas.microsoft.com/office/powerpoint/2010/main" val="3071890504"/>
+        <p14:creationId xmlns:p14="http://schemas.microsoft.com/office/powerpoint/2010/main" val="2833302709"/>
       </p:ext>
     </p:extLst>
   </p:cSld>

--- a/系館密室大逃脫.pptx
+++ b/系館密室大逃脫.pptx
@@ -19267,7 +19267,7 @@
 </file>
 
 <file path=ppt/slides/slide10.xml><?xml version="1.0" encoding="utf-8"?>
-<p:sld xmlns:a="http://schemas.openxmlformats.org/drawingml/2006/main" xmlns:r="http://schemas.openxmlformats.org/officeDocument/2006/relationships" xmlns:p="http://schemas.openxmlformats.org/presentationml/2006/main">
+<p:sld xmlns:a="http://schemas.openxmlformats.org/drawingml/2006/main" xmlns:r="http://schemas.openxmlformats.org/officeDocument/2006/relationships" xmlns:p="http://schemas.openxmlformats.org/presentationml/2006/main" show="0">
   <p:cSld>
     <p:spTree>
       <p:nvGrpSpPr>
@@ -19472,13 +19472,13 @@
   <p:clrMapOvr>
     <a:masterClrMapping/>
   </p:clrMapOvr>
-  <mc:AlternateContent xmlns:mc="http://schemas.openxmlformats.org/markup-compatibility/2006" xmlns:p14="http://schemas.microsoft.com/office/powerpoint/2010/main">
-    <mc:Choice Requires="p14">
+  <mc:AlternateContent xmlns:mc="http://schemas.openxmlformats.org/markup-compatibility/2006">
+    <mc:Choice xmlns:p14="http://schemas.microsoft.com/office/powerpoint/2010/main" Requires="p14">
       <p:transition spd="med" p14:dur="700">
         <p:fade/>
       </p:transition>
     </mc:Choice>
-    <mc:Fallback xmlns="">
+    <mc:Fallback>
       <p:transition spd="med">
         <p:fade/>
       </p:transition>
@@ -22176,7 +22176,7 @@
 </file>
 
 <file path=ppt/slides/slide5.xml><?xml version="1.0" encoding="utf-8"?>
-<p:sld xmlns:a="http://schemas.openxmlformats.org/drawingml/2006/main" xmlns:r="http://schemas.openxmlformats.org/officeDocument/2006/relationships" xmlns:p="http://schemas.openxmlformats.org/presentationml/2006/main">
+<p:sld xmlns:a="http://schemas.openxmlformats.org/drawingml/2006/main" xmlns:r="http://schemas.openxmlformats.org/officeDocument/2006/relationships" xmlns:p="http://schemas.openxmlformats.org/presentationml/2006/main" show="0">
   <p:cSld>
     <p:spTree>
       <p:nvGrpSpPr>
@@ -22351,13 +22351,13 @@
   <p:clrMapOvr>
     <a:masterClrMapping/>
   </p:clrMapOvr>
-  <mc:AlternateContent xmlns:mc="http://schemas.openxmlformats.org/markup-compatibility/2006" xmlns:p14="http://schemas.microsoft.com/office/powerpoint/2010/main">
-    <mc:Choice Requires="p14">
+  <mc:AlternateContent xmlns:mc="http://schemas.openxmlformats.org/markup-compatibility/2006">
+    <mc:Choice xmlns:p14="http://schemas.microsoft.com/office/powerpoint/2010/main" Requires="p14">
       <p:transition spd="med" p14:dur="700">
         <p:fade/>
       </p:transition>
     </mc:Choice>
-    <mc:Fallback xmlns="">
+    <mc:Fallback>
       <p:transition spd="med">
         <p:fade/>
       </p:transition>
@@ -22367,7 +22367,7 @@
 </file>
 
 <file path=ppt/slides/slide6.xml><?xml version="1.0" encoding="utf-8"?>
-<p:sld xmlns:a="http://schemas.openxmlformats.org/drawingml/2006/main" xmlns:r="http://schemas.openxmlformats.org/officeDocument/2006/relationships" xmlns:p="http://schemas.openxmlformats.org/presentationml/2006/main">
+<p:sld xmlns:a="http://schemas.openxmlformats.org/drawingml/2006/main" xmlns:r="http://schemas.openxmlformats.org/officeDocument/2006/relationships" xmlns:p="http://schemas.openxmlformats.org/presentationml/2006/main" show="0">
   <p:cSld>
     <p:spTree>
       <p:nvGrpSpPr>
@@ -22542,13 +22542,13 @@
   <p:clrMapOvr>
     <a:masterClrMapping/>
   </p:clrMapOvr>
-  <mc:AlternateContent xmlns:mc="http://schemas.openxmlformats.org/markup-compatibility/2006" xmlns:p14="http://schemas.microsoft.com/office/powerpoint/2010/main">
-    <mc:Choice Requires="p14">
+  <mc:AlternateContent xmlns:mc="http://schemas.openxmlformats.org/markup-compatibility/2006">
+    <mc:Choice xmlns:p14="http://schemas.microsoft.com/office/powerpoint/2010/main" Requires="p14">
       <p:transition spd="med" p14:dur="700">
         <p:fade/>
       </p:transition>
     </mc:Choice>
-    <mc:Fallback xmlns="">
+    <mc:Fallback>
       <p:transition spd="med">
         <p:fade/>
       </p:transition>
@@ -22558,7 +22558,7 @@
 </file>
 
 <file path=ppt/slides/slide7.xml><?xml version="1.0" encoding="utf-8"?>
-<p:sld xmlns:a="http://schemas.openxmlformats.org/drawingml/2006/main" xmlns:r="http://schemas.openxmlformats.org/officeDocument/2006/relationships" xmlns:p="http://schemas.openxmlformats.org/presentationml/2006/main">
+<p:sld xmlns:a="http://schemas.openxmlformats.org/drawingml/2006/main" xmlns:r="http://schemas.openxmlformats.org/officeDocument/2006/relationships" xmlns:p="http://schemas.openxmlformats.org/presentationml/2006/main" show="0">
   <p:cSld>
     <p:spTree>
       <p:nvGrpSpPr>
@@ -22733,13 +22733,13 @@
   <p:clrMapOvr>
     <a:masterClrMapping/>
   </p:clrMapOvr>
-  <mc:AlternateContent xmlns:mc="http://schemas.openxmlformats.org/markup-compatibility/2006" xmlns:p14="http://schemas.microsoft.com/office/powerpoint/2010/main">
-    <mc:Choice Requires="p14">
+  <mc:AlternateContent xmlns:mc="http://schemas.openxmlformats.org/markup-compatibility/2006">
+    <mc:Choice xmlns:p14="http://schemas.microsoft.com/office/powerpoint/2010/main" Requires="p14">
       <p:transition spd="med" p14:dur="700">
         <p:fade/>
       </p:transition>
     </mc:Choice>
-    <mc:Fallback xmlns="">
+    <mc:Fallback>
       <p:transition spd="med">
         <p:fade/>
       </p:transition>
@@ -22749,7 +22749,7 @@
 </file>
 
 <file path=ppt/slides/slide8.xml><?xml version="1.0" encoding="utf-8"?>
-<p:sld xmlns:a="http://schemas.openxmlformats.org/drawingml/2006/main" xmlns:r="http://schemas.openxmlformats.org/officeDocument/2006/relationships" xmlns:p="http://schemas.openxmlformats.org/presentationml/2006/main">
+<p:sld xmlns:a="http://schemas.openxmlformats.org/drawingml/2006/main" xmlns:r="http://schemas.openxmlformats.org/officeDocument/2006/relationships" xmlns:p="http://schemas.openxmlformats.org/presentationml/2006/main" show="0">
   <p:cSld>
     <p:spTree>
       <p:nvGrpSpPr>
@@ -22924,13 +22924,13 @@
   <p:clrMapOvr>
     <a:masterClrMapping/>
   </p:clrMapOvr>
-  <mc:AlternateContent xmlns:mc="http://schemas.openxmlformats.org/markup-compatibility/2006" xmlns:p14="http://schemas.microsoft.com/office/powerpoint/2010/main">
-    <mc:Choice Requires="p14">
+  <mc:AlternateContent xmlns:mc="http://schemas.openxmlformats.org/markup-compatibility/2006">
+    <mc:Choice xmlns:p14="http://schemas.microsoft.com/office/powerpoint/2010/main" Requires="p14">
       <p:transition spd="med" p14:dur="700">
         <p:fade/>
       </p:transition>
     </mc:Choice>
-    <mc:Fallback xmlns="">
+    <mc:Fallback>
       <p:transition spd="med">
         <p:fade/>
       </p:transition>
@@ -22940,7 +22940,7 @@
 </file>
 
 <file path=ppt/slides/slide9.xml><?xml version="1.0" encoding="utf-8"?>
-<p:sld xmlns:a="http://schemas.openxmlformats.org/drawingml/2006/main" xmlns:r="http://schemas.openxmlformats.org/officeDocument/2006/relationships" xmlns:p="http://schemas.openxmlformats.org/presentationml/2006/main">
+<p:sld xmlns:a="http://schemas.openxmlformats.org/drawingml/2006/main" xmlns:r="http://schemas.openxmlformats.org/officeDocument/2006/relationships" xmlns:p="http://schemas.openxmlformats.org/presentationml/2006/main" show="0">
   <p:cSld>
     <p:spTree>
       <p:nvGrpSpPr>
@@ -23115,13 +23115,13 @@
   <p:clrMapOvr>
     <a:masterClrMapping/>
   </p:clrMapOvr>
-  <mc:AlternateContent xmlns:mc="http://schemas.openxmlformats.org/markup-compatibility/2006" xmlns:p14="http://schemas.microsoft.com/office/powerpoint/2010/main">
-    <mc:Choice Requires="p14">
+  <mc:AlternateContent xmlns:mc="http://schemas.openxmlformats.org/markup-compatibility/2006">
+    <mc:Choice xmlns:p14="http://schemas.microsoft.com/office/powerpoint/2010/main" Requires="p14">
       <p:transition spd="med" p14:dur="700">
         <p:fade/>
       </p:transition>
     </mc:Choice>
-    <mc:Fallback xmlns="">
+    <mc:Fallback>
       <p:transition spd="med">
         <p:fade/>
       </p:transition>

--- a/系館密室大逃脫.pptx
+++ b/系館密室大逃脫.pptx
@@ -19472,13 +19472,13 @@
   <p:clrMapOvr>
     <a:masterClrMapping/>
   </p:clrMapOvr>
-  <mc:AlternateContent xmlns:mc="http://schemas.openxmlformats.org/markup-compatibility/2006">
-    <mc:Choice xmlns:p14="http://schemas.microsoft.com/office/powerpoint/2010/main" Requires="p14">
+  <mc:AlternateContent xmlns:mc="http://schemas.openxmlformats.org/markup-compatibility/2006" xmlns:p14="http://schemas.microsoft.com/office/powerpoint/2010/main">
+    <mc:Choice Requires="p14">
       <p:transition spd="med" p14:dur="700">
         <p:fade/>
       </p:transition>
     </mc:Choice>
-    <mc:Fallback>
+    <mc:Fallback xmlns="">
       <p:transition spd="med">
         <p:fade/>
       </p:transition>
@@ -21455,13 +21455,13 @@
             <p:ph idx="1"/>
             <p:extLst>
               <p:ext uri="{D42A27DB-BD31-4B8C-83A1-F6EECF244321}">
-                <p14:modId xmlns:p14="http://schemas.microsoft.com/office/powerpoint/2010/main" val="4265578842"/>
+                <p14:modId xmlns:p14="http://schemas.microsoft.com/office/powerpoint/2010/main" val="168183206"/>
               </p:ext>
             </p:extLst>
           </p:nvPr>
         </p:nvGraphicFramePr>
         <p:xfrm>
-          <a:off x="1358844" y="1268028"/>
+          <a:off x="1318062" y="1227423"/>
           <a:ext cx="10515600" cy="4351338"/>
         </p:xfrm>
         <a:graphic>
@@ -22351,13 +22351,13 @@
   <p:clrMapOvr>
     <a:masterClrMapping/>
   </p:clrMapOvr>
-  <mc:AlternateContent xmlns:mc="http://schemas.openxmlformats.org/markup-compatibility/2006">
-    <mc:Choice xmlns:p14="http://schemas.microsoft.com/office/powerpoint/2010/main" Requires="p14">
+  <mc:AlternateContent xmlns:mc="http://schemas.openxmlformats.org/markup-compatibility/2006" xmlns:p14="http://schemas.microsoft.com/office/powerpoint/2010/main">
+    <mc:Choice Requires="p14">
       <p:transition spd="med" p14:dur="700">
         <p:fade/>
       </p:transition>
     </mc:Choice>
-    <mc:Fallback>
+    <mc:Fallback xmlns="">
       <p:transition spd="med">
         <p:fade/>
       </p:transition>
@@ -22542,13 +22542,13 @@
   <p:clrMapOvr>
     <a:masterClrMapping/>
   </p:clrMapOvr>
-  <mc:AlternateContent xmlns:mc="http://schemas.openxmlformats.org/markup-compatibility/2006">
-    <mc:Choice xmlns:p14="http://schemas.microsoft.com/office/powerpoint/2010/main" Requires="p14">
+  <mc:AlternateContent xmlns:mc="http://schemas.openxmlformats.org/markup-compatibility/2006" xmlns:p14="http://schemas.microsoft.com/office/powerpoint/2010/main">
+    <mc:Choice Requires="p14">
       <p:transition spd="med" p14:dur="700">
         <p:fade/>
       </p:transition>
     </mc:Choice>
-    <mc:Fallback>
+    <mc:Fallback xmlns="">
       <p:transition spd="med">
         <p:fade/>
       </p:transition>
@@ -22733,13 +22733,13 @@
   <p:clrMapOvr>
     <a:masterClrMapping/>
   </p:clrMapOvr>
-  <mc:AlternateContent xmlns:mc="http://schemas.openxmlformats.org/markup-compatibility/2006">
-    <mc:Choice xmlns:p14="http://schemas.microsoft.com/office/powerpoint/2010/main" Requires="p14">
+  <mc:AlternateContent xmlns:mc="http://schemas.openxmlformats.org/markup-compatibility/2006" xmlns:p14="http://schemas.microsoft.com/office/powerpoint/2010/main">
+    <mc:Choice Requires="p14">
       <p:transition spd="med" p14:dur="700">
         <p:fade/>
       </p:transition>
     </mc:Choice>
-    <mc:Fallback>
+    <mc:Fallback xmlns="">
       <p:transition spd="med">
         <p:fade/>
       </p:transition>
@@ -22924,13 +22924,13 @@
   <p:clrMapOvr>
     <a:masterClrMapping/>
   </p:clrMapOvr>
-  <mc:AlternateContent xmlns:mc="http://schemas.openxmlformats.org/markup-compatibility/2006">
-    <mc:Choice xmlns:p14="http://schemas.microsoft.com/office/powerpoint/2010/main" Requires="p14">
+  <mc:AlternateContent xmlns:mc="http://schemas.openxmlformats.org/markup-compatibility/2006" xmlns:p14="http://schemas.microsoft.com/office/powerpoint/2010/main">
+    <mc:Choice Requires="p14">
       <p:transition spd="med" p14:dur="700">
         <p:fade/>
       </p:transition>
     </mc:Choice>
-    <mc:Fallback>
+    <mc:Fallback xmlns="">
       <p:transition spd="med">
         <p:fade/>
       </p:transition>
@@ -23115,13 +23115,13 @@
   <p:clrMapOvr>
     <a:masterClrMapping/>
   </p:clrMapOvr>
-  <mc:AlternateContent xmlns:mc="http://schemas.openxmlformats.org/markup-compatibility/2006">
-    <mc:Choice xmlns:p14="http://schemas.microsoft.com/office/powerpoint/2010/main" Requires="p14">
+  <mc:AlternateContent xmlns:mc="http://schemas.openxmlformats.org/markup-compatibility/2006" xmlns:p14="http://schemas.microsoft.com/office/powerpoint/2010/main">
+    <mc:Choice Requires="p14">
       <p:transition spd="med" p14:dur="700">
         <p:fade/>
       </p:transition>
     </mc:Choice>
-    <mc:Fallback>
+    <mc:Fallback xmlns="">
       <p:transition spd="med">
         <p:fade/>
       </p:transition>

--- a/系館密室大逃脫.pptx
+++ b/系館密室大逃脫.pptx
@@ -7,7 +7,7 @@
     <p:sldMasterId id="2147483724" r:id="rId3"/>
   </p:sldMasterIdLst>
   <p:notesMasterIdLst>
-    <p:notesMasterId r:id="rId16"/>
+    <p:notesMasterId r:id="rId17"/>
   </p:notesMasterIdLst>
   <p:sldIdLst>
     <p:sldId id="472" r:id="rId4"/>
@@ -20,13 +20,14 @@
     <p:sldId id="525" r:id="rId11"/>
     <p:sldId id="526" r:id="rId12"/>
     <p:sldId id="528" r:id="rId13"/>
-    <p:sldId id="529" r:id="rId14"/>
-    <p:sldId id="473" r:id="rId15"/>
+    <p:sldId id="530" r:id="rId14"/>
+    <p:sldId id="529" r:id="rId15"/>
+    <p:sldId id="473" r:id="rId16"/>
   </p:sldIdLst>
   <p:sldSz cx="12192000" cy="6858000"/>
   <p:notesSz cx="6858000" cy="9144000"/>
   <p:custDataLst>
-    <p:tags r:id="rId17"/>
+    <p:tags r:id="rId18"/>
   </p:custDataLst>
   <p:defaultTextStyle>
     <a:defPPr>
@@ -1330,6 +1331,13 @@
         </dgm:presLayoutVars>
       </dgm:prSet>
       <dgm:spPr/>
+      <dgm:t>
+        <a:bodyPr/>
+        <a:lstStyle/>
+        <a:p>
+          <a:endParaRPr lang="zh-TW" altLang="en-US"/>
+        </a:p>
+      </dgm:t>
     </dgm:pt>
     <dgm:pt modelId="{68E0E28C-C32B-4166-969A-2569B84D79B8}" type="pres">
       <dgm:prSet presAssocID="{9EC60AEE-5E4E-4C94-A220-BDAF15833BB6}" presName="hierRoot1" presStyleCnt="0">
@@ -1350,10 +1358,24 @@
         </dgm:presLayoutVars>
       </dgm:prSet>
       <dgm:spPr/>
+      <dgm:t>
+        <a:bodyPr/>
+        <a:lstStyle/>
+        <a:p>
+          <a:endParaRPr lang="zh-TW" altLang="en-US"/>
+        </a:p>
+      </dgm:t>
     </dgm:pt>
     <dgm:pt modelId="{B1136337-536E-4311-8EF8-FC3245A5B538}" type="pres">
       <dgm:prSet presAssocID="{9EC60AEE-5E4E-4C94-A220-BDAF15833BB6}" presName="rootConnector1" presStyleLbl="node1" presStyleIdx="0" presStyleCnt="0"/>
       <dgm:spPr/>
+      <dgm:t>
+        <a:bodyPr/>
+        <a:lstStyle/>
+        <a:p>
+          <a:endParaRPr lang="zh-TW" altLang="en-US"/>
+        </a:p>
+      </dgm:t>
     </dgm:pt>
     <dgm:pt modelId="{4016A7F4-C648-46FF-AEAB-E6D056104AC5}" type="pres">
       <dgm:prSet presAssocID="{9EC60AEE-5E4E-4C94-A220-BDAF15833BB6}" presName="hierChild2" presStyleCnt="0"/>
@@ -1362,6 +1384,13 @@
     <dgm:pt modelId="{01CE560C-B17E-4D88-A95A-4BD98DEA1192}" type="pres">
       <dgm:prSet presAssocID="{78471CD8-0CB2-4CB0-B729-0DBF8D683EF2}" presName="Name64" presStyleLbl="parChTrans1D2" presStyleIdx="0" presStyleCnt="6"/>
       <dgm:spPr/>
+      <dgm:t>
+        <a:bodyPr/>
+        <a:lstStyle/>
+        <a:p>
+          <a:endParaRPr lang="zh-TW" altLang="en-US"/>
+        </a:p>
+      </dgm:t>
     </dgm:pt>
     <dgm:pt modelId="{07D72B8A-E3B8-4E2C-9665-B7B369843B2A}" type="pres">
       <dgm:prSet presAssocID="{8751CF98-D202-44D7-B1CE-E14BBF794823}" presName="hierRoot2" presStyleCnt="0">
@@ -1382,10 +1411,24 @@
         </dgm:presLayoutVars>
       </dgm:prSet>
       <dgm:spPr/>
+      <dgm:t>
+        <a:bodyPr/>
+        <a:lstStyle/>
+        <a:p>
+          <a:endParaRPr lang="zh-TW" altLang="en-US"/>
+        </a:p>
+      </dgm:t>
     </dgm:pt>
     <dgm:pt modelId="{42D8300F-6503-42E4-87AC-CF3A6013013A}" type="pres">
       <dgm:prSet presAssocID="{8751CF98-D202-44D7-B1CE-E14BBF794823}" presName="rootConnector" presStyleLbl="node2" presStyleIdx="0" presStyleCnt="6"/>
       <dgm:spPr/>
+      <dgm:t>
+        <a:bodyPr/>
+        <a:lstStyle/>
+        <a:p>
+          <a:endParaRPr lang="zh-TW" altLang="en-US"/>
+        </a:p>
+      </dgm:t>
     </dgm:pt>
     <dgm:pt modelId="{408B7940-5C62-4E5C-89DD-721D03987EF8}" type="pres">
       <dgm:prSet presAssocID="{8751CF98-D202-44D7-B1CE-E14BBF794823}" presName="hierChild4" presStyleCnt="0"/>
@@ -1398,6 +1441,13 @@
     <dgm:pt modelId="{ED2A72E6-77BE-4D70-B16C-B744A04C5B50}" type="pres">
       <dgm:prSet presAssocID="{6C63741B-AD3F-4B42-A104-99C6F59A5097}" presName="Name64" presStyleLbl="parChTrans1D2" presStyleIdx="1" presStyleCnt="6"/>
       <dgm:spPr/>
+      <dgm:t>
+        <a:bodyPr/>
+        <a:lstStyle/>
+        <a:p>
+          <a:endParaRPr lang="zh-TW" altLang="en-US"/>
+        </a:p>
+      </dgm:t>
     </dgm:pt>
     <dgm:pt modelId="{8A9905EC-8BE3-43CB-A6DB-F40A269190D4}" type="pres">
       <dgm:prSet presAssocID="{964C5660-DB82-4CE9-B84F-0122CA6C84BE}" presName="hierRoot2" presStyleCnt="0">
@@ -1418,10 +1468,24 @@
         </dgm:presLayoutVars>
       </dgm:prSet>
       <dgm:spPr/>
+      <dgm:t>
+        <a:bodyPr/>
+        <a:lstStyle/>
+        <a:p>
+          <a:endParaRPr lang="zh-TW" altLang="en-US"/>
+        </a:p>
+      </dgm:t>
     </dgm:pt>
     <dgm:pt modelId="{113432D0-8F1E-4023-AF8B-4D9D7D535B28}" type="pres">
       <dgm:prSet presAssocID="{964C5660-DB82-4CE9-B84F-0122CA6C84BE}" presName="rootConnector" presStyleLbl="node2" presStyleIdx="1" presStyleCnt="6"/>
       <dgm:spPr/>
+      <dgm:t>
+        <a:bodyPr/>
+        <a:lstStyle/>
+        <a:p>
+          <a:endParaRPr lang="zh-TW" altLang="en-US"/>
+        </a:p>
+      </dgm:t>
     </dgm:pt>
     <dgm:pt modelId="{B9372B03-CCFC-4F91-A121-123CD4162161}" type="pres">
       <dgm:prSet presAssocID="{964C5660-DB82-4CE9-B84F-0122CA6C84BE}" presName="hierChild4" presStyleCnt="0"/>
@@ -1430,6 +1494,13 @@
     <dgm:pt modelId="{A347DB8B-4C84-4049-9B32-7329AFCB6A37}" type="pres">
       <dgm:prSet presAssocID="{8738BAD2-CC99-456E-8195-2E64096D51F2}" presName="Name64" presStyleLbl="parChTrans1D3" presStyleIdx="0" presStyleCnt="3"/>
       <dgm:spPr/>
+      <dgm:t>
+        <a:bodyPr/>
+        <a:lstStyle/>
+        <a:p>
+          <a:endParaRPr lang="zh-TW" altLang="en-US"/>
+        </a:p>
+      </dgm:t>
     </dgm:pt>
     <dgm:pt modelId="{9BD3CFBB-F295-4F08-93FD-50712FD27A9E}" type="pres">
       <dgm:prSet presAssocID="{CE39FCA9-51E2-42E2-BE2E-72A8C71B13EA}" presName="hierRoot2" presStyleCnt="0">
@@ -1450,10 +1521,24 @@
         </dgm:presLayoutVars>
       </dgm:prSet>
       <dgm:spPr/>
+      <dgm:t>
+        <a:bodyPr/>
+        <a:lstStyle/>
+        <a:p>
+          <a:endParaRPr lang="zh-TW" altLang="en-US"/>
+        </a:p>
+      </dgm:t>
     </dgm:pt>
     <dgm:pt modelId="{98C040D8-1FB0-4E40-A2C1-84019E64CE73}" type="pres">
       <dgm:prSet presAssocID="{CE39FCA9-51E2-42E2-BE2E-72A8C71B13EA}" presName="rootConnector" presStyleLbl="node3" presStyleIdx="0" presStyleCnt="3"/>
       <dgm:spPr/>
+      <dgm:t>
+        <a:bodyPr/>
+        <a:lstStyle/>
+        <a:p>
+          <a:endParaRPr lang="zh-TW" altLang="en-US"/>
+        </a:p>
+      </dgm:t>
     </dgm:pt>
     <dgm:pt modelId="{A18D0953-EAE1-437F-9F79-345FFADFFB6E}" type="pres">
       <dgm:prSet presAssocID="{CE39FCA9-51E2-42E2-BE2E-72A8C71B13EA}" presName="hierChild4" presStyleCnt="0"/>
@@ -1470,6 +1555,13 @@
     <dgm:pt modelId="{11C747E1-DC9D-403C-99BA-8D2A9FF3A93D}" type="pres">
       <dgm:prSet presAssocID="{36DE2BBA-4577-45E1-8D3D-E3659D07868B}" presName="Name64" presStyleLbl="parChTrans1D2" presStyleIdx="2" presStyleCnt="6"/>
       <dgm:spPr/>
+      <dgm:t>
+        <a:bodyPr/>
+        <a:lstStyle/>
+        <a:p>
+          <a:endParaRPr lang="zh-TW" altLang="en-US"/>
+        </a:p>
+      </dgm:t>
     </dgm:pt>
     <dgm:pt modelId="{E8E2CB36-5F47-4EFE-8815-E255FE489836}" type="pres">
       <dgm:prSet presAssocID="{DC2F09ED-25AE-4E21-887D-D7DEC6A4D612}" presName="hierRoot2" presStyleCnt="0">
@@ -1490,10 +1582,24 @@
         </dgm:presLayoutVars>
       </dgm:prSet>
       <dgm:spPr/>
+      <dgm:t>
+        <a:bodyPr/>
+        <a:lstStyle/>
+        <a:p>
+          <a:endParaRPr lang="zh-TW" altLang="en-US"/>
+        </a:p>
+      </dgm:t>
     </dgm:pt>
     <dgm:pt modelId="{F90312A6-B10B-4659-8E39-7FB9AA27A1F7}" type="pres">
       <dgm:prSet presAssocID="{DC2F09ED-25AE-4E21-887D-D7DEC6A4D612}" presName="rootConnector" presStyleLbl="node2" presStyleIdx="2" presStyleCnt="6"/>
       <dgm:spPr/>
+      <dgm:t>
+        <a:bodyPr/>
+        <a:lstStyle/>
+        <a:p>
+          <a:endParaRPr lang="zh-TW" altLang="en-US"/>
+        </a:p>
+      </dgm:t>
     </dgm:pt>
     <dgm:pt modelId="{FE3D683C-9787-4A1B-8EE4-9426CC990965}" type="pres">
       <dgm:prSet presAssocID="{DC2F09ED-25AE-4E21-887D-D7DEC6A4D612}" presName="hierChild4" presStyleCnt="0"/>
@@ -1502,6 +1608,13 @@
     <dgm:pt modelId="{101F917A-773B-4D0A-B1CE-C281B93CD456}" type="pres">
       <dgm:prSet presAssocID="{237B5B17-9FEC-40DD-BFDD-5D03EAB62932}" presName="Name64" presStyleLbl="parChTrans1D3" presStyleIdx="1" presStyleCnt="3"/>
       <dgm:spPr/>
+      <dgm:t>
+        <a:bodyPr/>
+        <a:lstStyle/>
+        <a:p>
+          <a:endParaRPr lang="zh-TW" altLang="en-US"/>
+        </a:p>
+      </dgm:t>
     </dgm:pt>
     <dgm:pt modelId="{00595259-37DE-49A9-8C85-1C4E7663C4B7}" type="pres">
       <dgm:prSet presAssocID="{74EFD9A9-284B-40C2-AD26-9AE4F671C67F}" presName="hierRoot2" presStyleCnt="0">
@@ -1522,10 +1635,24 @@
         </dgm:presLayoutVars>
       </dgm:prSet>
       <dgm:spPr/>
+      <dgm:t>
+        <a:bodyPr/>
+        <a:lstStyle/>
+        <a:p>
+          <a:endParaRPr lang="zh-TW" altLang="en-US"/>
+        </a:p>
+      </dgm:t>
     </dgm:pt>
     <dgm:pt modelId="{A3FF06D4-278F-437A-AD53-32BBECC02542}" type="pres">
       <dgm:prSet presAssocID="{74EFD9A9-284B-40C2-AD26-9AE4F671C67F}" presName="rootConnector" presStyleLbl="node3" presStyleIdx="1" presStyleCnt="3"/>
       <dgm:spPr/>
+      <dgm:t>
+        <a:bodyPr/>
+        <a:lstStyle/>
+        <a:p>
+          <a:endParaRPr lang="zh-TW" altLang="en-US"/>
+        </a:p>
+      </dgm:t>
     </dgm:pt>
     <dgm:pt modelId="{60C14EB4-C77F-4531-AF92-E09119C5D640}" type="pres">
       <dgm:prSet presAssocID="{74EFD9A9-284B-40C2-AD26-9AE4F671C67F}" presName="hierChild4" presStyleCnt="0"/>
@@ -1542,6 +1669,13 @@
     <dgm:pt modelId="{3F65F72D-C093-4D20-9146-3DAF15956C68}" type="pres">
       <dgm:prSet presAssocID="{5186595E-5121-4FE6-9D11-36C2B906E1F4}" presName="Name64" presStyleLbl="parChTrans1D2" presStyleIdx="3" presStyleCnt="6"/>
       <dgm:spPr/>
+      <dgm:t>
+        <a:bodyPr/>
+        <a:lstStyle/>
+        <a:p>
+          <a:endParaRPr lang="zh-TW" altLang="en-US"/>
+        </a:p>
+      </dgm:t>
     </dgm:pt>
     <dgm:pt modelId="{E339E4D5-D1E6-4870-98E8-2155B860AE9D}" type="pres">
       <dgm:prSet presAssocID="{2A9E60CA-E74E-4CED-A999-2FAA475A1520}" presName="hierRoot2" presStyleCnt="0">
@@ -1562,10 +1696,24 @@
         </dgm:presLayoutVars>
       </dgm:prSet>
       <dgm:spPr/>
+      <dgm:t>
+        <a:bodyPr/>
+        <a:lstStyle/>
+        <a:p>
+          <a:endParaRPr lang="zh-TW" altLang="en-US"/>
+        </a:p>
+      </dgm:t>
     </dgm:pt>
     <dgm:pt modelId="{E9AFF166-F887-48C8-94E1-5505B5E5E721}" type="pres">
       <dgm:prSet presAssocID="{2A9E60CA-E74E-4CED-A999-2FAA475A1520}" presName="rootConnector" presStyleLbl="node2" presStyleIdx="3" presStyleCnt="6"/>
       <dgm:spPr/>
+      <dgm:t>
+        <a:bodyPr/>
+        <a:lstStyle/>
+        <a:p>
+          <a:endParaRPr lang="zh-TW" altLang="en-US"/>
+        </a:p>
+      </dgm:t>
     </dgm:pt>
     <dgm:pt modelId="{6B29BE53-FDBF-4EC3-9666-A0B8C4AF5B80}" type="pres">
       <dgm:prSet presAssocID="{2A9E60CA-E74E-4CED-A999-2FAA475A1520}" presName="hierChild4" presStyleCnt="0"/>
@@ -1574,6 +1722,13 @@
     <dgm:pt modelId="{27BD5B8A-B220-4CBD-9E0B-E4ACC2DC997E}" type="pres">
       <dgm:prSet presAssocID="{47D54325-33D3-42E8-9F66-085CAE0918E0}" presName="Name64" presStyleLbl="parChTrans1D3" presStyleIdx="2" presStyleCnt="3"/>
       <dgm:spPr/>
+      <dgm:t>
+        <a:bodyPr/>
+        <a:lstStyle/>
+        <a:p>
+          <a:endParaRPr lang="zh-TW" altLang="en-US"/>
+        </a:p>
+      </dgm:t>
     </dgm:pt>
     <dgm:pt modelId="{7424158C-0C39-4F6F-89BC-0BC09547C4A3}" type="pres">
       <dgm:prSet presAssocID="{B81AC6F3-2442-41D4-9FD1-0673E86098E8}" presName="hierRoot2" presStyleCnt="0">
@@ -1594,10 +1749,24 @@
         </dgm:presLayoutVars>
       </dgm:prSet>
       <dgm:spPr/>
+      <dgm:t>
+        <a:bodyPr/>
+        <a:lstStyle/>
+        <a:p>
+          <a:endParaRPr lang="zh-TW" altLang="en-US"/>
+        </a:p>
+      </dgm:t>
     </dgm:pt>
     <dgm:pt modelId="{0E1E4098-9809-4219-819F-AA010277DB0E}" type="pres">
       <dgm:prSet presAssocID="{B81AC6F3-2442-41D4-9FD1-0673E86098E8}" presName="rootConnector" presStyleLbl="node3" presStyleIdx="2" presStyleCnt="3"/>
       <dgm:spPr/>
+      <dgm:t>
+        <a:bodyPr/>
+        <a:lstStyle/>
+        <a:p>
+          <a:endParaRPr lang="zh-TW" altLang="en-US"/>
+        </a:p>
+      </dgm:t>
     </dgm:pt>
     <dgm:pt modelId="{B0CADBDE-717F-41D3-BDD8-91D2CA8E276F}" type="pres">
       <dgm:prSet presAssocID="{B81AC6F3-2442-41D4-9FD1-0673E86098E8}" presName="hierChild4" presStyleCnt="0"/>
@@ -1614,6 +1783,13 @@
     <dgm:pt modelId="{867CFA56-307E-4950-8192-AC725A25654B}" type="pres">
       <dgm:prSet presAssocID="{086A9DBD-C0F0-4E7F-BD4D-399247611328}" presName="Name64" presStyleLbl="parChTrans1D2" presStyleIdx="4" presStyleCnt="6"/>
       <dgm:spPr/>
+      <dgm:t>
+        <a:bodyPr/>
+        <a:lstStyle/>
+        <a:p>
+          <a:endParaRPr lang="zh-TW" altLang="en-US"/>
+        </a:p>
+      </dgm:t>
     </dgm:pt>
     <dgm:pt modelId="{9F55AB53-2952-4F85-A598-2F90B9AECE23}" type="pres">
       <dgm:prSet presAssocID="{971D61A8-3B1A-4176-B0E0-FCA45E813FD2}" presName="hierRoot2" presStyleCnt="0">
@@ -1634,10 +1810,24 @@
         </dgm:presLayoutVars>
       </dgm:prSet>
       <dgm:spPr/>
+      <dgm:t>
+        <a:bodyPr/>
+        <a:lstStyle/>
+        <a:p>
+          <a:endParaRPr lang="zh-TW" altLang="en-US"/>
+        </a:p>
+      </dgm:t>
     </dgm:pt>
     <dgm:pt modelId="{48065DEA-B6EF-4511-9006-E5130FBF2531}" type="pres">
       <dgm:prSet presAssocID="{971D61A8-3B1A-4176-B0E0-FCA45E813FD2}" presName="rootConnector" presStyleLbl="node2" presStyleIdx="4" presStyleCnt="6"/>
       <dgm:spPr/>
+      <dgm:t>
+        <a:bodyPr/>
+        <a:lstStyle/>
+        <a:p>
+          <a:endParaRPr lang="zh-TW" altLang="en-US"/>
+        </a:p>
+      </dgm:t>
     </dgm:pt>
     <dgm:pt modelId="{C4892BD1-E1A5-41BD-9F06-AD66569562AE}" type="pres">
       <dgm:prSet presAssocID="{971D61A8-3B1A-4176-B0E0-FCA45E813FD2}" presName="hierChild4" presStyleCnt="0"/>
@@ -1650,6 +1840,13 @@
     <dgm:pt modelId="{8525A20F-B620-4399-96A3-5B9C424C26B1}" type="pres">
       <dgm:prSet presAssocID="{3A8902E5-4D3A-4EDD-8A13-34326CF57137}" presName="Name64" presStyleLbl="parChTrans1D2" presStyleIdx="5" presStyleCnt="6"/>
       <dgm:spPr/>
+      <dgm:t>
+        <a:bodyPr/>
+        <a:lstStyle/>
+        <a:p>
+          <a:endParaRPr lang="zh-TW" altLang="en-US"/>
+        </a:p>
+      </dgm:t>
     </dgm:pt>
     <dgm:pt modelId="{73648452-FFB2-4C20-9A63-634B79F1F1AD}" type="pres">
       <dgm:prSet presAssocID="{05AEC40B-9D9A-49B7-8F47-0034FDA3BD77}" presName="hierRoot2" presStyleCnt="0">
@@ -1670,10 +1867,24 @@
         </dgm:presLayoutVars>
       </dgm:prSet>
       <dgm:spPr/>
+      <dgm:t>
+        <a:bodyPr/>
+        <a:lstStyle/>
+        <a:p>
+          <a:endParaRPr lang="zh-TW" altLang="en-US"/>
+        </a:p>
+      </dgm:t>
     </dgm:pt>
     <dgm:pt modelId="{F09C901D-C643-4A1B-8CD9-61ADFA406F50}" type="pres">
       <dgm:prSet presAssocID="{05AEC40B-9D9A-49B7-8F47-0034FDA3BD77}" presName="rootConnector" presStyleLbl="node2" presStyleIdx="5" presStyleCnt="6"/>
       <dgm:spPr/>
+      <dgm:t>
+        <a:bodyPr/>
+        <a:lstStyle/>
+        <a:p>
+          <a:endParaRPr lang="zh-TW" altLang="en-US"/>
+        </a:p>
+      </dgm:t>
     </dgm:pt>
     <dgm:pt modelId="{A599416A-F764-49F3-BA6C-CC73609DE759}" type="pres">
       <dgm:prSet presAssocID="{05AEC40B-9D9A-49B7-8F47-0034FDA3BD77}" presName="hierChild4" presStyleCnt="0"/>
@@ -1689,46 +1900,46 @@
     </dgm:pt>
   </dgm:ptLst>
   <dgm:cxnLst>
+    <dgm:cxn modelId="{6C7A46E5-FE0E-487D-8BB0-5B67EA3E11BC}" type="presOf" srcId="{2A9E60CA-E74E-4CED-A999-2FAA475A1520}" destId="{E9AFF166-F887-48C8-94E1-5505B5E5E721}" srcOrd="1" destOrd="0" presId="urn:microsoft.com/office/officeart/2009/3/layout/HorizontalOrganizationChart"/>
+    <dgm:cxn modelId="{DC9C305B-A734-4750-B6B5-5C69969C6D16}" type="presOf" srcId="{36DE2BBA-4577-45E1-8D3D-E3659D07868B}" destId="{11C747E1-DC9D-403C-99BA-8D2A9FF3A93D}" srcOrd="0" destOrd="0" presId="urn:microsoft.com/office/officeart/2009/3/layout/HorizontalOrganizationChart"/>
+    <dgm:cxn modelId="{7ECF35B6-30A8-422D-9CA0-F39508919770}" srcId="{9EC60AEE-5E4E-4C94-A220-BDAF15833BB6}" destId="{DC2F09ED-25AE-4E21-887D-D7DEC6A4D612}" srcOrd="2" destOrd="0" parTransId="{36DE2BBA-4577-45E1-8D3D-E3659D07868B}" sibTransId="{252D762E-CDAD-43A8-982D-EB82D17A39C6}"/>
+    <dgm:cxn modelId="{9DE506E5-72C5-4F2A-855E-A36B2FD71B27}" type="presOf" srcId="{964C5660-DB82-4CE9-B84F-0122CA6C84BE}" destId="{87A7DF28-CF80-42B5-B02E-406F222E690D}" srcOrd="0" destOrd="0" presId="urn:microsoft.com/office/officeart/2009/3/layout/HorizontalOrganizationChart"/>
+    <dgm:cxn modelId="{BC27418A-5CFD-4D89-8E1E-2790C0E00B89}" type="presOf" srcId="{086A9DBD-C0F0-4E7F-BD4D-399247611328}" destId="{867CFA56-307E-4950-8192-AC725A25654B}" srcOrd="0" destOrd="0" presId="urn:microsoft.com/office/officeart/2009/3/layout/HorizontalOrganizationChart"/>
+    <dgm:cxn modelId="{FBF24F85-9BFC-4303-9620-08D80324BE5E}" type="presOf" srcId="{5186595E-5121-4FE6-9D11-36C2B906E1F4}" destId="{3F65F72D-C093-4D20-9146-3DAF15956C68}" srcOrd="0" destOrd="0" presId="urn:microsoft.com/office/officeart/2009/3/layout/HorizontalOrganizationChart"/>
+    <dgm:cxn modelId="{5229F644-FA7F-4094-B0A3-D2DF410A38C9}" type="presOf" srcId="{CE39FCA9-51E2-42E2-BE2E-72A8C71B13EA}" destId="{98C040D8-1FB0-4E40-A2C1-84019E64CE73}" srcOrd="1" destOrd="0" presId="urn:microsoft.com/office/officeart/2009/3/layout/HorizontalOrganizationChart"/>
+    <dgm:cxn modelId="{B1922F31-32DD-4C50-9792-BE6DCB8644A1}" type="presOf" srcId="{DC2F09ED-25AE-4E21-887D-D7DEC6A4D612}" destId="{F90312A6-B10B-4659-8E39-7FB9AA27A1F7}" srcOrd="1" destOrd="0" presId="urn:microsoft.com/office/officeart/2009/3/layout/HorizontalOrganizationChart"/>
+    <dgm:cxn modelId="{F5E48877-D015-49A9-A580-F87AF6031AB0}" srcId="{9EC60AEE-5E4E-4C94-A220-BDAF15833BB6}" destId="{05AEC40B-9D9A-49B7-8F47-0034FDA3BD77}" srcOrd="5" destOrd="0" parTransId="{3A8902E5-4D3A-4EDD-8A13-34326CF57137}" sibTransId="{66608DCB-C612-43E6-BEFA-DA6119263E6F}"/>
+    <dgm:cxn modelId="{2C887285-A635-4F16-A1D2-8E5B23D44C01}" srcId="{9EC60AEE-5E4E-4C94-A220-BDAF15833BB6}" destId="{971D61A8-3B1A-4176-B0E0-FCA45E813FD2}" srcOrd="4" destOrd="0" parTransId="{086A9DBD-C0F0-4E7F-BD4D-399247611328}" sibTransId="{0FE2958E-D0F2-4723-8586-12FC58CD48D8}"/>
+    <dgm:cxn modelId="{B20BD370-554A-4704-B962-6E67CD8809D1}" type="presOf" srcId="{74EFD9A9-284B-40C2-AD26-9AE4F671C67F}" destId="{A3FF06D4-278F-437A-AD53-32BBECC02542}" srcOrd="1" destOrd="0" presId="urn:microsoft.com/office/officeart/2009/3/layout/HorizontalOrganizationChart"/>
+    <dgm:cxn modelId="{8DE8195D-FE99-4490-B6B0-F9A36CCACF94}" type="presOf" srcId="{47D54325-33D3-42E8-9F66-085CAE0918E0}" destId="{27BD5B8A-B220-4CBD-9E0B-E4ACC2DC997E}" srcOrd="0" destOrd="0" presId="urn:microsoft.com/office/officeart/2009/3/layout/HorizontalOrganizationChart"/>
+    <dgm:cxn modelId="{2519D1A8-BD42-4238-98AE-A098C6C2E27D}" type="presOf" srcId="{78471CD8-0CB2-4CB0-B729-0DBF8D683EF2}" destId="{01CE560C-B17E-4D88-A95A-4BD98DEA1192}" srcOrd="0" destOrd="0" presId="urn:microsoft.com/office/officeart/2009/3/layout/HorizontalOrganizationChart"/>
+    <dgm:cxn modelId="{6ACE38B1-E263-4325-AB56-4EAF7F97EC6F}" type="presOf" srcId="{B81AC6F3-2442-41D4-9FD1-0673E86098E8}" destId="{0F5C582B-6C5B-4EDA-9389-5FE18D4859C8}" srcOrd="0" destOrd="0" presId="urn:microsoft.com/office/officeart/2009/3/layout/HorizontalOrganizationChart"/>
+    <dgm:cxn modelId="{F8C67118-18B3-444A-AEE7-DD49CFCDCB8F}" srcId="{964C5660-DB82-4CE9-B84F-0122CA6C84BE}" destId="{CE39FCA9-51E2-42E2-BE2E-72A8C71B13EA}" srcOrd="0" destOrd="0" parTransId="{8738BAD2-CC99-456E-8195-2E64096D51F2}" sibTransId="{C859E766-7BF0-485F-B1CC-63A033CAE433}"/>
+    <dgm:cxn modelId="{294FC81B-B251-42BD-8CB5-44FAA67E7E8F}" type="presOf" srcId="{237B5B17-9FEC-40DD-BFDD-5D03EAB62932}" destId="{101F917A-773B-4D0A-B1CE-C281B93CD456}" srcOrd="0" destOrd="0" presId="urn:microsoft.com/office/officeart/2009/3/layout/HorizontalOrganizationChart"/>
+    <dgm:cxn modelId="{3EE7A23A-F769-4C57-97D7-505EF5506A5A}" type="presOf" srcId="{3A8902E5-4D3A-4EDD-8A13-34326CF57137}" destId="{8525A20F-B620-4399-96A3-5B9C424C26B1}" srcOrd="0" destOrd="0" presId="urn:microsoft.com/office/officeart/2009/3/layout/HorizontalOrganizationChart"/>
+    <dgm:cxn modelId="{9E48C013-FD2F-4E1A-AF85-77C461C07DF0}" srcId="{9EC60AEE-5E4E-4C94-A220-BDAF15833BB6}" destId="{8751CF98-D202-44D7-B1CE-E14BBF794823}" srcOrd="0" destOrd="0" parTransId="{78471CD8-0CB2-4CB0-B729-0DBF8D683EF2}" sibTransId="{AF6F9E68-F436-44AD-92C7-DD295B51A48B}"/>
+    <dgm:cxn modelId="{1799B968-88CF-4045-BD2E-3BB285725076}" type="presOf" srcId="{964C5660-DB82-4CE9-B84F-0122CA6C84BE}" destId="{113432D0-8F1E-4023-AF8B-4D9D7D535B28}" srcOrd="1" destOrd="0" presId="urn:microsoft.com/office/officeart/2009/3/layout/HorizontalOrganizationChart"/>
+    <dgm:cxn modelId="{31E55478-761A-47ED-9D23-BFED56DC7931}" type="presOf" srcId="{05AEC40B-9D9A-49B7-8F47-0034FDA3BD77}" destId="{0A376B0A-4C76-4894-A9D2-7D3250BC4E23}" srcOrd="0" destOrd="0" presId="urn:microsoft.com/office/officeart/2009/3/layout/HorizontalOrganizationChart"/>
+    <dgm:cxn modelId="{068B1D0B-4B0F-4BD8-98FB-7178C13CF909}" type="presOf" srcId="{05AEC40B-9D9A-49B7-8F47-0034FDA3BD77}" destId="{F09C901D-C643-4A1B-8CD9-61ADFA406F50}" srcOrd="1" destOrd="0" presId="urn:microsoft.com/office/officeart/2009/3/layout/HorizontalOrganizationChart"/>
     <dgm:cxn modelId="{CCE63908-4473-44E4-867F-9E07B7E5E8EE}" type="presOf" srcId="{8738BAD2-CC99-456E-8195-2E64096D51F2}" destId="{A347DB8B-4C84-4049-9B32-7329AFCB6A37}" srcOrd="0" destOrd="0" presId="urn:microsoft.com/office/officeart/2009/3/layout/HorizontalOrganizationChart"/>
-    <dgm:cxn modelId="{068B1D0B-4B0F-4BD8-98FB-7178C13CF909}" type="presOf" srcId="{05AEC40B-9D9A-49B7-8F47-0034FDA3BD77}" destId="{F09C901D-C643-4A1B-8CD9-61ADFA406F50}" srcOrd="1" destOrd="0" presId="urn:microsoft.com/office/officeart/2009/3/layout/HorizontalOrganizationChart"/>
+    <dgm:cxn modelId="{E308EB24-D2F4-4207-AF48-677FD18DC9B7}" type="presOf" srcId="{8751CF98-D202-44D7-B1CE-E14BBF794823}" destId="{98373AEB-8C7F-4CDF-A824-DA8A44EC5E4D}" srcOrd="0" destOrd="0" presId="urn:microsoft.com/office/officeart/2009/3/layout/HorizontalOrganizationChart"/>
+    <dgm:cxn modelId="{E38B599C-3249-41C1-B016-17C2C5BEFFC7}" srcId="{2A9E60CA-E74E-4CED-A999-2FAA475A1520}" destId="{B81AC6F3-2442-41D4-9FD1-0673E86098E8}" srcOrd="0" destOrd="0" parTransId="{47D54325-33D3-42E8-9F66-085CAE0918E0}" sibTransId="{13C9DBA1-033F-44FC-8280-48155B508276}"/>
+    <dgm:cxn modelId="{6AD1BEB0-376A-45A5-9F56-766AAA23F1EF}" srcId="{9EC60AEE-5E4E-4C94-A220-BDAF15833BB6}" destId="{964C5660-DB82-4CE9-B84F-0122CA6C84BE}" srcOrd="1" destOrd="0" parTransId="{6C63741B-AD3F-4B42-A104-99C6F59A5097}" sibTransId="{2353CE7F-18FB-4344-B13E-CB4C27C0AFBE}"/>
+    <dgm:cxn modelId="{004DA8F9-C4E0-4335-BD70-086CF703936D}" type="presOf" srcId="{9EC60AEE-5E4E-4C94-A220-BDAF15833BB6}" destId="{F6EDB80A-B445-4389-B1D6-7569CFE47C3A}" srcOrd="0" destOrd="0" presId="urn:microsoft.com/office/officeart/2009/3/layout/HorizontalOrganizationChart"/>
+    <dgm:cxn modelId="{928D781A-30A8-4FBE-B107-80DE3DCEADE4}" srcId="{9EC60AEE-5E4E-4C94-A220-BDAF15833BB6}" destId="{2A9E60CA-E74E-4CED-A999-2FAA475A1520}" srcOrd="3" destOrd="0" parTransId="{5186595E-5121-4FE6-9D11-36C2B906E1F4}" sibTransId="{B6EFD2CB-6EE3-4125-83E3-E0758DDEFB0B}"/>
+    <dgm:cxn modelId="{D2BEE02A-7ECB-469A-B262-A32A27C439CF}" srcId="{DC2F09ED-25AE-4E21-887D-D7DEC6A4D612}" destId="{74EFD9A9-284B-40C2-AD26-9AE4F671C67F}" srcOrd="0" destOrd="0" parTransId="{237B5B17-9FEC-40DD-BFDD-5D03EAB62932}" sibTransId="{EC98FE7F-31D0-4D5B-949E-7076CA3F0A76}"/>
+    <dgm:cxn modelId="{BAD905F9-9C89-4BFB-AA39-3073BFF2B92E}" type="presOf" srcId="{74EFD9A9-284B-40C2-AD26-9AE4F671C67F}" destId="{18BEC628-6C3B-4176-BCC7-089F19B62AF3}" srcOrd="0" destOrd="0" presId="urn:microsoft.com/office/officeart/2009/3/layout/HorizontalOrganizationChart"/>
+    <dgm:cxn modelId="{908585B7-8202-4857-BC82-E59E3443EF77}" srcId="{92560626-A874-4561-B7BE-155F44B04658}" destId="{9EC60AEE-5E4E-4C94-A220-BDAF15833BB6}" srcOrd="0" destOrd="0" parTransId="{910432B2-31EA-42AC-9D68-B1EDD282A43A}" sibTransId="{48750255-FAF6-4B3B-95C6-2825D332314A}"/>
+    <dgm:cxn modelId="{1B694452-92B5-49DD-8B24-6E5968F4727C}" type="presOf" srcId="{2A9E60CA-E74E-4CED-A999-2FAA475A1520}" destId="{E9E8AE4E-A851-4A5D-BE53-3A47DE05DE77}" srcOrd="0" destOrd="0" presId="urn:microsoft.com/office/officeart/2009/3/layout/HorizontalOrganizationChart"/>
     <dgm:cxn modelId="{5A8D8B12-D1CD-4966-9530-0BEFE566C386}" type="presOf" srcId="{971D61A8-3B1A-4176-B0E0-FCA45E813FD2}" destId="{2E5BB67B-F9DF-4CC2-977A-1BE788C6C400}" srcOrd="0" destOrd="0" presId="urn:microsoft.com/office/officeart/2009/3/layout/HorizontalOrganizationChart"/>
-    <dgm:cxn modelId="{9E48C013-FD2F-4E1A-AF85-77C461C07DF0}" srcId="{9EC60AEE-5E4E-4C94-A220-BDAF15833BB6}" destId="{8751CF98-D202-44D7-B1CE-E14BBF794823}" srcOrd="0" destOrd="0" parTransId="{78471CD8-0CB2-4CB0-B729-0DBF8D683EF2}" sibTransId="{AF6F9E68-F436-44AD-92C7-DD295B51A48B}"/>
+    <dgm:cxn modelId="{E5A6266E-97B8-4BA0-97E4-46FF92226C02}" type="presOf" srcId="{DC2F09ED-25AE-4E21-887D-D7DEC6A4D612}" destId="{5A4DE984-B2D7-4BAF-9715-B03353129903}" srcOrd="0" destOrd="0" presId="urn:microsoft.com/office/officeart/2009/3/layout/HorizontalOrganizationChart"/>
+    <dgm:cxn modelId="{5DCB2476-934E-4D78-9A23-6D20D483EC99}" type="presOf" srcId="{971D61A8-3B1A-4176-B0E0-FCA45E813FD2}" destId="{48065DEA-B6EF-4511-9006-E5130FBF2531}" srcOrd="1" destOrd="0" presId="urn:microsoft.com/office/officeart/2009/3/layout/HorizontalOrganizationChart"/>
+    <dgm:cxn modelId="{C541BA67-FFDA-4D6B-A3C0-D6B1DA94B7CB}" type="presOf" srcId="{B81AC6F3-2442-41D4-9FD1-0673E86098E8}" destId="{0E1E4098-9809-4219-819F-AA010277DB0E}" srcOrd="1" destOrd="0" presId="urn:microsoft.com/office/officeart/2009/3/layout/HorizontalOrganizationChart"/>
     <dgm:cxn modelId="{E6C25B17-997C-46C3-A9F4-2982A17D54AE}" type="presOf" srcId="{6C63741B-AD3F-4B42-A104-99C6F59A5097}" destId="{ED2A72E6-77BE-4D70-B16C-B744A04C5B50}" srcOrd="0" destOrd="0" presId="urn:microsoft.com/office/officeart/2009/3/layout/HorizontalOrganizationChart"/>
-    <dgm:cxn modelId="{F8C67118-18B3-444A-AEE7-DD49CFCDCB8F}" srcId="{964C5660-DB82-4CE9-B84F-0122CA6C84BE}" destId="{CE39FCA9-51E2-42E2-BE2E-72A8C71B13EA}" srcOrd="0" destOrd="0" parTransId="{8738BAD2-CC99-456E-8195-2E64096D51F2}" sibTransId="{C859E766-7BF0-485F-B1CC-63A033CAE433}"/>
-    <dgm:cxn modelId="{928D781A-30A8-4FBE-B107-80DE3DCEADE4}" srcId="{9EC60AEE-5E4E-4C94-A220-BDAF15833BB6}" destId="{2A9E60CA-E74E-4CED-A999-2FAA475A1520}" srcOrd="3" destOrd="0" parTransId="{5186595E-5121-4FE6-9D11-36C2B906E1F4}" sibTransId="{B6EFD2CB-6EE3-4125-83E3-E0758DDEFB0B}"/>
-    <dgm:cxn modelId="{294FC81B-B251-42BD-8CB5-44FAA67E7E8F}" type="presOf" srcId="{237B5B17-9FEC-40DD-BFDD-5D03EAB62932}" destId="{101F917A-773B-4D0A-B1CE-C281B93CD456}" srcOrd="0" destOrd="0" presId="urn:microsoft.com/office/officeart/2009/3/layout/HorizontalOrganizationChart"/>
+    <dgm:cxn modelId="{3A2FC5F6-27C9-47EA-8A9C-31E6E133158B}" type="presOf" srcId="{8751CF98-D202-44D7-B1CE-E14BBF794823}" destId="{42D8300F-6503-42E4-87AC-CF3A6013013A}" srcOrd="1" destOrd="0" presId="urn:microsoft.com/office/officeart/2009/3/layout/HorizontalOrganizationChart"/>
+    <dgm:cxn modelId="{C08D29E3-40C6-4DEC-8C8D-FEFFEC5ED7D0}" type="presOf" srcId="{CE39FCA9-51E2-42E2-BE2E-72A8C71B13EA}" destId="{30534483-8154-4109-B5F9-33DA8D3BD8B4}" srcOrd="0" destOrd="0" presId="urn:microsoft.com/office/officeart/2009/3/layout/HorizontalOrganizationChart"/>
+    <dgm:cxn modelId="{8FB8F19D-3C44-40F5-8925-4FEF38855379}" type="presOf" srcId="{92560626-A874-4561-B7BE-155F44B04658}" destId="{E2809953-9E56-4161-9130-C33EB08ECE33}" srcOrd="0" destOrd="0" presId="urn:microsoft.com/office/officeart/2009/3/layout/HorizontalOrganizationChart"/>
     <dgm:cxn modelId="{54A91821-F5FC-43CD-B07B-2E0C7D573A00}" type="presOf" srcId="{9EC60AEE-5E4E-4C94-A220-BDAF15833BB6}" destId="{B1136337-536E-4311-8EF8-FC3245A5B538}" srcOrd="1" destOrd="0" presId="urn:microsoft.com/office/officeart/2009/3/layout/HorizontalOrganizationChart"/>
-    <dgm:cxn modelId="{E308EB24-D2F4-4207-AF48-677FD18DC9B7}" type="presOf" srcId="{8751CF98-D202-44D7-B1CE-E14BBF794823}" destId="{98373AEB-8C7F-4CDF-A824-DA8A44EC5E4D}" srcOrd="0" destOrd="0" presId="urn:microsoft.com/office/officeart/2009/3/layout/HorizontalOrganizationChart"/>
-    <dgm:cxn modelId="{D2BEE02A-7ECB-469A-B262-A32A27C439CF}" srcId="{DC2F09ED-25AE-4E21-887D-D7DEC6A4D612}" destId="{74EFD9A9-284B-40C2-AD26-9AE4F671C67F}" srcOrd="0" destOrd="0" parTransId="{237B5B17-9FEC-40DD-BFDD-5D03EAB62932}" sibTransId="{EC98FE7F-31D0-4D5B-949E-7076CA3F0A76}"/>
-    <dgm:cxn modelId="{B1922F31-32DD-4C50-9792-BE6DCB8644A1}" type="presOf" srcId="{DC2F09ED-25AE-4E21-887D-D7DEC6A4D612}" destId="{F90312A6-B10B-4659-8E39-7FB9AA27A1F7}" srcOrd="1" destOrd="0" presId="urn:microsoft.com/office/officeart/2009/3/layout/HorizontalOrganizationChart"/>
-    <dgm:cxn modelId="{3EE7A23A-F769-4C57-97D7-505EF5506A5A}" type="presOf" srcId="{3A8902E5-4D3A-4EDD-8A13-34326CF57137}" destId="{8525A20F-B620-4399-96A3-5B9C424C26B1}" srcOrd="0" destOrd="0" presId="urn:microsoft.com/office/officeart/2009/3/layout/HorizontalOrganizationChart"/>
-    <dgm:cxn modelId="{DC9C305B-A734-4750-B6B5-5C69969C6D16}" type="presOf" srcId="{36DE2BBA-4577-45E1-8D3D-E3659D07868B}" destId="{11C747E1-DC9D-403C-99BA-8D2A9FF3A93D}" srcOrd="0" destOrd="0" presId="urn:microsoft.com/office/officeart/2009/3/layout/HorizontalOrganizationChart"/>
-    <dgm:cxn modelId="{8DE8195D-FE99-4490-B6B0-F9A36CCACF94}" type="presOf" srcId="{47D54325-33D3-42E8-9F66-085CAE0918E0}" destId="{27BD5B8A-B220-4CBD-9E0B-E4ACC2DC997E}" srcOrd="0" destOrd="0" presId="urn:microsoft.com/office/officeart/2009/3/layout/HorizontalOrganizationChart"/>
-    <dgm:cxn modelId="{5229F644-FA7F-4094-B0A3-D2DF410A38C9}" type="presOf" srcId="{CE39FCA9-51E2-42E2-BE2E-72A8C71B13EA}" destId="{98C040D8-1FB0-4E40-A2C1-84019E64CE73}" srcOrd="1" destOrd="0" presId="urn:microsoft.com/office/officeart/2009/3/layout/HorizontalOrganizationChart"/>
-    <dgm:cxn modelId="{C541BA67-FFDA-4D6B-A3C0-D6B1DA94B7CB}" type="presOf" srcId="{B81AC6F3-2442-41D4-9FD1-0673E86098E8}" destId="{0E1E4098-9809-4219-819F-AA010277DB0E}" srcOrd="1" destOrd="0" presId="urn:microsoft.com/office/officeart/2009/3/layout/HorizontalOrganizationChart"/>
-    <dgm:cxn modelId="{1799B968-88CF-4045-BD2E-3BB285725076}" type="presOf" srcId="{964C5660-DB82-4CE9-B84F-0122CA6C84BE}" destId="{113432D0-8F1E-4023-AF8B-4D9D7D535B28}" srcOrd="1" destOrd="0" presId="urn:microsoft.com/office/officeart/2009/3/layout/HorizontalOrganizationChart"/>
-    <dgm:cxn modelId="{E5A6266E-97B8-4BA0-97E4-46FF92226C02}" type="presOf" srcId="{DC2F09ED-25AE-4E21-887D-D7DEC6A4D612}" destId="{5A4DE984-B2D7-4BAF-9715-B03353129903}" srcOrd="0" destOrd="0" presId="urn:microsoft.com/office/officeart/2009/3/layout/HorizontalOrganizationChart"/>
-    <dgm:cxn modelId="{B20BD370-554A-4704-B962-6E67CD8809D1}" type="presOf" srcId="{74EFD9A9-284B-40C2-AD26-9AE4F671C67F}" destId="{A3FF06D4-278F-437A-AD53-32BBECC02542}" srcOrd="1" destOrd="0" presId="urn:microsoft.com/office/officeart/2009/3/layout/HorizontalOrganizationChart"/>
-    <dgm:cxn modelId="{1B694452-92B5-49DD-8B24-6E5968F4727C}" type="presOf" srcId="{2A9E60CA-E74E-4CED-A999-2FAA475A1520}" destId="{E9E8AE4E-A851-4A5D-BE53-3A47DE05DE77}" srcOrd="0" destOrd="0" presId="urn:microsoft.com/office/officeart/2009/3/layout/HorizontalOrganizationChart"/>
-    <dgm:cxn modelId="{5DCB2476-934E-4D78-9A23-6D20D483EC99}" type="presOf" srcId="{971D61A8-3B1A-4176-B0E0-FCA45E813FD2}" destId="{48065DEA-B6EF-4511-9006-E5130FBF2531}" srcOrd="1" destOrd="0" presId="urn:microsoft.com/office/officeart/2009/3/layout/HorizontalOrganizationChart"/>
-    <dgm:cxn modelId="{F5E48877-D015-49A9-A580-F87AF6031AB0}" srcId="{9EC60AEE-5E4E-4C94-A220-BDAF15833BB6}" destId="{05AEC40B-9D9A-49B7-8F47-0034FDA3BD77}" srcOrd="5" destOrd="0" parTransId="{3A8902E5-4D3A-4EDD-8A13-34326CF57137}" sibTransId="{66608DCB-C612-43E6-BEFA-DA6119263E6F}"/>
-    <dgm:cxn modelId="{31E55478-761A-47ED-9D23-BFED56DC7931}" type="presOf" srcId="{05AEC40B-9D9A-49B7-8F47-0034FDA3BD77}" destId="{0A376B0A-4C76-4894-A9D2-7D3250BC4E23}" srcOrd="0" destOrd="0" presId="urn:microsoft.com/office/officeart/2009/3/layout/HorizontalOrganizationChart"/>
-    <dgm:cxn modelId="{FBF24F85-9BFC-4303-9620-08D80324BE5E}" type="presOf" srcId="{5186595E-5121-4FE6-9D11-36C2B906E1F4}" destId="{3F65F72D-C093-4D20-9146-3DAF15956C68}" srcOrd="0" destOrd="0" presId="urn:microsoft.com/office/officeart/2009/3/layout/HorizontalOrganizationChart"/>
-    <dgm:cxn modelId="{2C887285-A635-4F16-A1D2-8E5B23D44C01}" srcId="{9EC60AEE-5E4E-4C94-A220-BDAF15833BB6}" destId="{971D61A8-3B1A-4176-B0E0-FCA45E813FD2}" srcOrd="4" destOrd="0" parTransId="{086A9DBD-C0F0-4E7F-BD4D-399247611328}" sibTransId="{0FE2958E-D0F2-4723-8586-12FC58CD48D8}"/>
-    <dgm:cxn modelId="{BC27418A-5CFD-4D89-8E1E-2790C0E00B89}" type="presOf" srcId="{086A9DBD-C0F0-4E7F-BD4D-399247611328}" destId="{867CFA56-307E-4950-8192-AC725A25654B}" srcOrd="0" destOrd="0" presId="urn:microsoft.com/office/officeart/2009/3/layout/HorizontalOrganizationChart"/>
-    <dgm:cxn modelId="{E38B599C-3249-41C1-B016-17C2C5BEFFC7}" srcId="{2A9E60CA-E74E-4CED-A999-2FAA475A1520}" destId="{B81AC6F3-2442-41D4-9FD1-0673E86098E8}" srcOrd="0" destOrd="0" parTransId="{47D54325-33D3-42E8-9F66-085CAE0918E0}" sibTransId="{13C9DBA1-033F-44FC-8280-48155B508276}"/>
-    <dgm:cxn modelId="{8FB8F19D-3C44-40F5-8925-4FEF38855379}" type="presOf" srcId="{92560626-A874-4561-B7BE-155F44B04658}" destId="{E2809953-9E56-4161-9130-C33EB08ECE33}" srcOrd="0" destOrd="0" presId="urn:microsoft.com/office/officeart/2009/3/layout/HorizontalOrganizationChart"/>
-    <dgm:cxn modelId="{2519D1A8-BD42-4238-98AE-A098C6C2E27D}" type="presOf" srcId="{78471CD8-0CB2-4CB0-B729-0DBF8D683EF2}" destId="{01CE560C-B17E-4D88-A95A-4BD98DEA1192}" srcOrd="0" destOrd="0" presId="urn:microsoft.com/office/officeart/2009/3/layout/HorizontalOrganizationChart"/>
-    <dgm:cxn modelId="{6AD1BEB0-376A-45A5-9F56-766AAA23F1EF}" srcId="{9EC60AEE-5E4E-4C94-A220-BDAF15833BB6}" destId="{964C5660-DB82-4CE9-B84F-0122CA6C84BE}" srcOrd="1" destOrd="0" parTransId="{6C63741B-AD3F-4B42-A104-99C6F59A5097}" sibTransId="{2353CE7F-18FB-4344-B13E-CB4C27C0AFBE}"/>
-    <dgm:cxn modelId="{6ACE38B1-E263-4325-AB56-4EAF7F97EC6F}" type="presOf" srcId="{B81AC6F3-2442-41D4-9FD1-0673E86098E8}" destId="{0F5C582B-6C5B-4EDA-9389-5FE18D4859C8}" srcOrd="0" destOrd="0" presId="urn:microsoft.com/office/officeart/2009/3/layout/HorizontalOrganizationChart"/>
-    <dgm:cxn modelId="{7ECF35B6-30A8-422D-9CA0-F39508919770}" srcId="{9EC60AEE-5E4E-4C94-A220-BDAF15833BB6}" destId="{DC2F09ED-25AE-4E21-887D-D7DEC6A4D612}" srcOrd="2" destOrd="0" parTransId="{36DE2BBA-4577-45E1-8D3D-E3659D07868B}" sibTransId="{252D762E-CDAD-43A8-982D-EB82D17A39C6}"/>
-    <dgm:cxn modelId="{908585B7-8202-4857-BC82-E59E3443EF77}" srcId="{92560626-A874-4561-B7BE-155F44B04658}" destId="{9EC60AEE-5E4E-4C94-A220-BDAF15833BB6}" srcOrd="0" destOrd="0" parTransId="{910432B2-31EA-42AC-9D68-B1EDD282A43A}" sibTransId="{48750255-FAF6-4B3B-95C6-2825D332314A}"/>
-    <dgm:cxn modelId="{C08D29E3-40C6-4DEC-8C8D-FEFFEC5ED7D0}" type="presOf" srcId="{CE39FCA9-51E2-42E2-BE2E-72A8C71B13EA}" destId="{30534483-8154-4109-B5F9-33DA8D3BD8B4}" srcOrd="0" destOrd="0" presId="urn:microsoft.com/office/officeart/2009/3/layout/HorizontalOrganizationChart"/>
-    <dgm:cxn modelId="{9DE506E5-72C5-4F2A-855E-A36B2FD71B27}" type="presOf" srcId="{964C5660-DB82-4CE9-B84F-0122CA6C84BE}" destId="{87A7DF28-CF80-42B5-B02E-406F222E690D}" srcOrd="0" destOrd="0" presId="urn:microsoft.com/office/officeart/2009/3/layout/HorizontalOrganizationChart"/>
-    <dgm:cxn modelId="{6C7A46E5-FE0E-487D-8BB0-5B67EA3E11BC}" type="presOf" srcId="{2A9E60CA-E74E-4CED-A999-2FAA475A1520}" destId="{E9AFF166-F887-48C8-94E1-5505B5E5E721}" srcOrd="1" destOrd="0" presId="urn:microsoft.com/office/officeart/2009/3/layout/HorizontalOrganizationChart"/>
-    <dgm:cxn modelId="{3A2FC5F6-27C9-47EA-8A9C-31E6E133158B}" type="presOf" srcId="{8751CF98-D202-44D7-B1CE-E14BBF794823}" destId="{42D8300F-6503-42E4-87AC-CF3A6013013A}" srcOrd="1" destOrd="0" presId="urn:microsoft.com/office/officeart/2009/3/layout/HorizontalOrganizationChart"/>
-    <dgm:cxn modelId="{BAD905F9-9C89-4BFB-AA39-3073BFF2B92E}" type="presOf" srcId="{74EFD9A9-284B-40C2-AD26-9AE4F671C67F}" destId="{18BEC628-6C3B-4176-BCC7-089F19B62AF3}" srcOrd="0" destOrd="0" presId="urn:microsoft.com/office/officeart/2009/3/layout/HorizontalOrganizationChart"/>
-    <dgm:cxn modelId="{004DA8F9-C4E0-4335-BD70-086CF703936D}" type="presOf" srcId="{9EC60AEE-5E4E-4C94-A220-BDAF15833BB6}" destId="{F6EDB80A-B445-4389-B1D6-7569CFE47C3A}" srcOrd="0" destOrd="0" presId="urn:microsoft.com/office/officeart/2009/3/layout/HorizontalOrganizationChart"/>
     <dgm:cxn modelId="{628E59AA-5922-433C-B293-D6F4D640B69B}" type="presParOf" srcId="{E2809953-9E56-4161-9130-C33EB08ECE33}" destId="{68E0E28C-C32B-4166-969A-2569B84D79B8}" srcOrd="0" destOrd="0" presId="urn:microsoft.com/office/officeart/2009/3/layout/HorizontalOrganizationChart"/>
     <dgm:cxn modelId="{E4E4885D-5E1F-4A02-9A30-8097751444AF}" type="presParOf" srcId="{68E0E28C-C32B-4166-969A-2569B84D79B8}" destId="{76C4962C-EEEB-49FA-8126-CCEF0B699095}" srcOrd="0" destOrd="0" presId="urn:microsoft.com/office/officeart/2009/3/layout/HorizontalOrganizationChart"/>
     <dgm:cxn modelId="{316DF96D-077B-4327-8DD8-B3C0DCD84E56}" type="presParOf" srcId="{76C4962C-EEEB-49FA-8126-CCEF0B699095}" destId="{F6EDB80A-B445-4389-B1D6-7569CFE47C3A}" srcOrd="0" destOrd="0" presId="urn:microsoft.com/office/officeart/2009/3/layout/HorizontalOrganizationChart"/>
@@ -2413,7 +2624,7 @@
         </a:bodyPr>
         <a:lstStyle/>
         <a:p>
-          <a:pPr marL="0" lvl="0" indent="0" algn="ctr" defTabSz="1377950">
+          <a:pPr lvl="0" algn="ctr" defTabSz="1377950">
             <a:lnSpc>
               <a:spcPct val="90000"/>
             </a:lnSpc>
@@ -2423,13 +2634,11 @@
             <a:spcAft>
               <a:spcPct val="35000"/>
             </a:spcAft>
-            <a:buNone/>
           </a:pPr>
           <a:r>
             <a:rPr lang="zh-TW" altLang="en-US" sz="3100" kern="1200" dirty="0"/>
             <a:t>網站首頁</a:t>
           </a:r>
-          <a:endParaRPr lang="zh-TW" sz="3100" kern="1200" dirty="0"/>
         </a:p>
       </dsp:txBody>
       <dsp:txXfrm>
@@ -2493,7 +2702,7 @@
         </a:bodyPr>
         <a:lstStyle/>
         <a:p>
-          <a:pPr marL="0" lvl="0" indent="0" algn="ctr" defTabSz="1377950">
+          <a:pPr lvl="0" algn="ctr" defTabSz="1377950">
             <a:lnSpc>
               <a:spcPct val="90000"/>
             </a:lnSpc>
@@ -2503,13 +2712,11 @@
             <a:spcAft>
               <a:spcPct val="35000"/>
             </a:spcAft>
-            <a:buNone/>
           </a:pPr>
           <a:r>
             <a:rPr lang="zh-TW" altLang="en-US" sz="3100" kern="1200" dirty="0"/>
             <a:t>大門</a:t>
           </a:r>
-          <a:endParaRPr lang="zh-TW" sz="3100" kern="1200" dirty="0"/>
         </a:p>
       </dsp:txBody>
       <dsp:txXfrm>
@@ -2573,7 +2780,7 @@
         </a:bodyPr>
         <a:lstStyle/>
         <a:p>
-          <a:pPr marL="0" lvl="0" indent="0" algn="ctr" defTabSz="1377950">
+          <a:pPr lvl="0" algn="ctr" defTabSz="1377950">
             <a:lnSpc>
               <a:spcPct val="90000"/>
             </a:lnSpc>
@@ -2583,10 +2790,9 @@
             <a:spcAft>
               <a:spcPct val="35000"/>
             </a:spcAft>
-            <a:buNone/>
           </a:pPr>
           <a:r>
-            <a:rPr lang="zh-TW" sz="3100" kern="1200" dirty="0"/>
+            <a:rPr lang="zh-TW" altLang="en-US" sz="3100" kern="1200" dirty="0"/>
             <a:t>一樓</a:t>
           </a:r>
         </a:p>
@@ -2652,7 +2858,7 @@
         </a:bodyPr>
         <a:lstStyle/>
         <a:p>
-          <a:pPr marL="0" lvl="0" indent="0" algn="ctr" defTabSz="1377950">
+          <a:pPr lvl="0" algn="ctr" defTabSz="1377950">
             <a:lnSpc>
               <a:spcPct val="90000"/>
             </a:lnSpc>
@@ -2662,13 +2868,11 @@
             <a:spcAft>
               <a:spcPct val="35000"/>
             </a:spcAft>
-            <a:buNone/>
           </a:pPr>
           <a:r>
             <a:rPr lang="zh-TW" altLang="en-US" sz="3100" kern="1200" dirty="0"/>
             <a:t>全景</a:t>
           </a:r>
-          <a:endParaRPr lang="zh-TW" sz="3100" kern="1200" dirty="0"/>
         </a:p>
       </dsp:txBody>
       <dsp:txXfrm>
@@ -2732,7 +2936,7 @@
         </a:bodyPr>
         <a:lstStyle/>
         <a:p>
-          <a:pPr marL="0" lvl="0" indent="0" algn="ctr" defTabSz="1377950">
+          <a:pPr lvl="0" algn="ctr" defTabSz="1377950">
             <a:lnSpc>
               <a:spcPct val="90000"/>
             </a:lnSpc>
@@ -2742,10 +2946,9 @@
             <a:spcAft>
               <a:spcPct val="35000"/>
             </a:spcAft>
-            <a:buNone/>
           </a:pPr>
           <a:r>
-            <a:rPr lang="zh-TW" sz="3100" kern="1200" dirty="0"/>
+            <a:rPr lang="zh-TW" altLang="en-US" sz="3100" kern="1200" dirty="0"/>
             <a:t>二樓</a:t>
           </a:r>
         </a:p>
@@ -2811,7 +3014,7 @@
         </a:bodyPr>
         <a:lstStyle/>
         <a:p>
-          <a:pPr marL="0" lvl="0" indent="0" algn="ctr" defTabSz="1377950">
+          <a:pPr lvl="0" algn="ctr" defTabSz="1377950">
             <a:lnSpc>
               <a:spcPct val="90000"/>
             </a:lnSpc>
@@ -2821,7 +3024,6 @@
             <a:spcAft>
               <a:spcPct val="35000"/>
             </a:spcAft>
-            <a:buNone/>
           </a:pPr>
           <a:r>
             <a:rPr lang="en-US" altLang="zh-TW" sz="3100" kern="1200" dirty="0"/>
@@ -2891,7 +3093,7 @@
         </a:bodyPr>
         <a:lstStyle/>
         <a:p>
-          <a:pPr marL="0" lvl="0" indent="0" algn="ctr" defTabSz="1377950">
+          <a:pPr lvl="0" algn="ctr" defTabSz="1377950">
             <a:lnSpc>
               <a:spcPct val="90000"/>
             </a:lnSpc>
@@ -2901,10 +3103,9 @@
             <a:spcAft>
               <a:spcPct val="35000"/>
             </a:spcAft>
-            <a:buNone/>
           </a:pPr>
           <a:r>
-            <a:rPr lang="zh-TW" sz="3100" kern="1200" dirty="0"/>
+            <a:rPr lang="zh-TW" altLang="en-US" sz="3100" kern="1200" dirty="0"/>
             <a:t>三樓</a:t>
           </a:r>
         </a:p>
@@ -2970,7 +3171,7 @@
         </a:bodyPr>
         <a:lstStyle/>
         <a:p>
-          <a:pPr marL="0" lvl="0" indent="0" algn="ctr" defTabSz="1377950">
+          <a:pPr lvl="0" algn="ctr" defTabSz="1377950">
             <a:lnSpc>
               <a:spcPct val="90000"/>
             </a:lnSpc>
@@ -2980,13 +3181,11 @@
             <a:spcAft>
               <a:spcPct val="35000"/>
             </a:spcAft>
-            <a:buNone/>
           </a:pPr>
           <a:r>
             <a:rPr lang="zh-TW" altLang="en-US" sz="3100" kern="1200" dirty="0"/>
             <a:t>討論區</a:t>
           </a:r>
-          <a:endParaRPr lang="zh-TW" sz="3100" kern="1200" dirty="0"/>
         </a:p>
       </dsp:txBody>
       <dsp:txXfrm>
@@ -3050,7 +3249,7 @@
         </a:bodyPr>
         <a:lstStyle/>
         <a:p>
-          <a:pPr marL="0" lvl="0" indent="0" algn="ctr" defTabSz="1377950">
+          <a:pPr lvl="0" algn="ctr" defTabSz="1377950">
             <a:lnSpc>
               <a:spcPct val="90000"/>
             </a:lnSpc>
@@ -3060,10 +3259,9 @@
             <a:spcAft>
               <a:spcPct val="35000"/>
             </a:spcAft>
-            <a:buNone/>
           </a:pPr>
           <a:r>
-            <a:rPr lang="zh-TW" sz="3100" kern="1200" dirty="0"/>
+            <a:rPr lang="zh-TW" altLang="en-US" sz="3100" kern="1200" dirty="0"/>
             <a:t>四樓</a:t>
           </a:r>
         </a:p>
@@ -3129,7 +3327,7 @@
         </a:bodyPr>
         <a:lstStyle/>
         <a:p>
-          <a:pPr marL="0" lvl="0" indent="0" algn="ctr" defTabSz="1377950">
+          <a:pPr lvl="0" algn="ctr" defTabSz="1377950">
             <a:lnSpc>
               <a:spcPct val="90000"/>
             </a:lnSpc>
@@ -3139,13 +3337,11 @@
             <a:spcAft>
               <a:spcPct val="35000"/>
             </a:spcAft>
-            <a:buNone/>
           </a:pPr>
           <a:r>
             <a:rPr lang="zh-TW" altLang="en-US" sz="3100" kern="1200" dirty="0"/>
             <a:t>五樓</a:t>
           </a:r>
-          <a:endParaRPr lang="zh-TW" sz="3100" kern="1200" dirty="0"/>
         </a:p>
       </dsp:txBody>
       <dsp:txXfrm>
@@ -5457,7 +5653,7 @@
           <a:p>
             <a:fld id="{8CBE7066-B972-4FCC-8DD5-896438D26C5C}" type="datetimeFigureOut">
               <a:rPr lang="zh-CN" altLang="en-US" smtClean="0"/>
-              <a:t>2019/12/31</a:t>
+              <a:t>2020/1/11</a:t>
             </a:fld>
             <a:endParaRPr lang="zh-CN" altLang="en-US"/>
           </a:p>
@@ -5936,7 +6132,7 @@
           <a:bodyPr/>
           <a:lstStyle/>
           <a:p>
-            <a:endParaRPr lang="zh-CN" altLang="en-US" dirty="0"/>
+            <a:endParaRPr lang="zh-CN" altLang="en-US"/>
           </a:p>
         </p:txBody>
       </p:sp>
@@ -5966,7 +6162,7 @@
     </p:spTree>
     <p:extLst>
       <p:ext uri="{BB962C8B-B14F-4D97-AF65-F5344CB8AC3E}">
-        <p14:creationId xmlns:p14="http://schemas.microsoft.com/office/powerpoint/2010/main" val="3593147272"/>
+        <p14:creationId xmlns:p14="http://schemas.microsoft.com/office/powerpoint/2010/main" val="2507432827"/>
       </p:ext>
     </p:extLst>
   </p:cSld>
@@ -6020,7 +6216,7 @@
           <a:bodyPr/>
           <a:lstStyle/>
           <a:p>
-            <a:endParaRPr lang="zh-CN" altLang="en-US"/>
+            <a:endParaRPr lang="zh-CN" altLang="en-US" dirty="0"/>
           </a:p>
         </p:txBody>
       </p:sp>
@@ -6042,6 +6238,90 @@
             <a:fld id="{1823C29A-DBB4-444B-9F6A-6570514051FE}" type="slidenum">
               <a:rPr lang="zh-CN" altLang="en-US" smtClean="0"/>
               <a:t>12</a:t>
+            </a:fld>
+            <a:endParaRPr lang="zh-CN" altLang="en-US"/>
+          </a:p>
+        </p:txBody>
+      </p:sp>
+    </p:spTree>
+    <p:extLst>
+      <p:ext uri="{BB962C8B-B14F-4D97-AF65-F5344CB8AC3E}">
+        <p14:creationId xmlns:p14="http://schemas.microsoft.com/office/powerpoint/2010/main" val="3593147272"/>
+      </p:ext>
+    </p:extLst>
+  </p:cSld>
+  <p:clrMapOvr>
+    <a:masterClrMapping/>
+  </p:clrMapOvr>
+</p:notes>
+</file>
+
+<file path=ppt/notesSlides/notesSlide13.xml><?xml version="1.0" encoding="utf-8"?>
+<p:notes xmlns:a="http://schemas.openxmlformats.org/drawingml/2006/main" xmlns:r="http://schemas.openxmlformats.org/officeDocument/2006/relationships" xmlns:p="http://schemas.openxmlformats.org/presentationml/2006/main">
+  <p:cSld>
+    <p:spTree>
+      <p:nvGrpSpPr>
+        <p:cNvPr id="1" name=""/>
+        <p:cNvGrpSpPr/>
+        <p:nvPr/>
+      </p:nvGrpSpPr>
+      <p:grpSpPr>
+        <a:xfrm>
+          <a:off x="0" y="0"/>
+          <a:ext cx="0" cy="0"/>
+          <a:chOff x="0" y="0"/>
+          <a:chExt cx="0" cy="0"/>
+        </a:xfrm>
+      </p:grpSpPr>
+      <p:sp>
+        <p:nvSpPr>
+          <p:cNvPr id="2" name="幻灯片图像占位符 1"/>
+          <p:cNvSpPr>
+            <a:spLocks noGrp="1" noRot="1" noChangeAspect="1"/>
+          </p:cNvSpPr>
+          <p:nvPr>
+            <p:ph type="sldImg"/>
+          </p:nvPr>
+        </p:nvSpPr>
+        <p:spPr/>
+      </p:sp>
+      <p:sp>
+        <p:nvSpPr>
+          <p:cNvPr id="3" name="备注占位符 2"/>
+          <p:cNvSpPr>
+            <a:spLocks noGrp="1"/>
+          </p:cNvSpPr>
+          <p:nvPr>
+            <p:ph type="body" idx="1"/>
+          </p:nvPr>
+        </p:nvSpPr>
+        <p:spPr/>
+        <p:txBody>
+          <a:bodyPr/>
+          <a:lstStyle/>
+          <a:p>
+            <a:endParaRPr lang="zh-CN" altLang="en-US"/>
+          </a:p>
+        </p:txBody>
+      </p:sp>
+      <p:sp>
+        <p:nvSpPr>
+          <p:cNvPr id="4" name="灯片编号占位符 3"/>
+          <p:cNvSpPr>
+            <a:spLocks noGrp="1"/>
+          </p:cNvSpPr>
+          <p:nvPr>
+            <p:ph type="sldNum" sz="quarter" idx="5"/>
+          </p:nvPr>
+        </p:nvSpPr>
+        <p:spPr/>
+        <p:txBody>
+          <a:bodyPr/>
+          <a:lstStyle/>
+          <a:p>
+            <a:fld id="{1823C29A-DBB4-444B-9F6A-6570514051FE}" type="slidenum">
+              <a:rPr lang="zh-CN" altLang="en-US" smtClean="0"/>
+              <a:t>13</a:t>
             </a:fld>
             <a:endParaRPr lang="zh-CN" altLang="en-US"/>
           </a:p>
@@ -6861,7 +7141,7 @@
           <a:p>
             <a:fld id="{B6B662BC-BFCE-4273-955A-28B15CD19EDC}" type="datetimeFigureOut">
               <a:rPr lang="zh-CN" altLang="en-US" smtClean="0"/>
-              <a:t>2019/12/31</a:t>
+              <a:t>2020/1/11</a:t>
             </a:fld>
             <a:endParaRPr lang="zh-CN" altLang="en-US"/>
           </a:p>
@@ -7036,7 +7316,7 @@
           <a:p>
             <a:fld id="{B6B662BC-BFCE-4273-955A-28B15CD19EDC}" type="datetimeFigureOut">
               <a:rPr lang="zh-CN" altLang="en-US" smtClean="0"/>
-              <a:t>2019/12/31</a:t>
+              <a:t>2020/1/11</a:t>
             </a:fld>
             <a:endParaRPr lang="zh-CN" altLang="en-US"/>
           </a:p>
@@ -7221,7 +7501,7 @@
           <a:p>
             <a:fld id="{B6B662BC-BFCE-4273-955A-28B15CD19EDC}" type="datetimeFigureOut">
               <a:rPr lang="zh-CN" altLang="en-US" smtClean="0"/>
-              <a:t>2019/12/31</a:t>
+              <a:t>2020/1/11</a:t>
             </a:fld>
             <a:endParaRPr lang="zh-CN" altLang="en-US"/>
           </a:p>
@@ -8424,7 +8704,7 @@
           <a:p>
             <a:fld id="{B6B662BC-BFCE-4273-955A-28B15CD19EDC}" type="datetimeFigureOut">
               <a:rPr lang="zh-CN" altLang="en-US" smtClean="0"/>
-              <a:t>2019/12/31</a:t>
+              <a:t>2020/1/11</a:t>
             </a:fld>
             <a:endParaRPr lang="zh-CN" altLang="en-US"/>
           </a:p>
@@ -8621,7 +8901,7 @@
           <a:p>
             <a:fld id="{B6B662BC-BFCE-4273-955A-28B15CD19EDC}" type="datetimeFigureOut">
               <a:rPr lang="zh-CN" altLang="en-US" smtClean="0"/>
-              <a:t>2019/12/31</a:t>
+              <a:t>2020/1/11</a:t>
             </a:fld>
             <a:endParaRPr lang="zh-CN" altLang="en-US"/>
           </a:p>
@@ -8796,7 +9076,7 @@
           <a:p>
             <a:fld id="{B6B662BC-BFCE-4273-955A-28B15CD19EDC}" type="datetimeFigureOut">
               <a:rPr lang="zh-CN" altLang="en-US" smtClean="0"/>
-              <a:t>2019/12/31</a:t>
+              <a:t>2020/1/11</a:t>
             </a:fld>
             <a:endParaRPr lang="zh-CN" altLang="en-US"/>
           </a:p>
@@ -9048,7 +9328,7 @@
           <a:p>
             <a:fld id="{B6B662BC-BFCE-4273-955A-28B15CD19EDC}" type="datetimeFigureOut">
               <a:rPr lang="zh-CN" altLang="en-US" smtClean="0"/>
-              <a:t>2019/12/31</a:t>
+              <a:t>2020/1/11</a:t>
             </a:fld>
             <a:endParaRPr lang="zh-CN" altLang="en-US"/>
           </a:p>
@@ -9284,7 +9564,7 @@
           <a:p>
             <a:fld id="{B6B662BC-BFCE-4273-955A-28B15CD19EDC}" type="datetimeFigureOut">
               <a:rPr lang="zh-CN" altLang="en-US" smtClean="0"/>
-              <a:t>2019/12/31</a:t>
+              <a:t>2020/1/11</a:t>
             </a:fld>
             <a:endParaRPr lang="zh-CN" altLang="en-US"/>
           </a:p>
@@ -9655,7 +9935,7 @@
           <a:p>
             <a:fld id="{B6B662BC-BFCE-4273-955A-28B15CD19EDC}" type="datetimeFigureOut">
               <a:rPr lang="zh-CN" altLang="en-US" smtClean="0"/>
-              <a:t>2019/12/31</a:t>
+              <a:t>2020/1/11</a:t>
             </a:fld>
             <a:endParaRPr lang="zh-CN" altLang="en-US"/>
           </a:p>
@@ -9779,7 +10059,7 @@
           <a:p>
             <a:fld id="{B6B662BC-BFCE-4273-955A-28B15CD19EDC}" type="datetimeFigureOut">
               <a:rPr lang="zh-CN" altLang="en-US" smtClean="0"/>
-              <a:t>2019/12/31</a:t>
+              <a:t>2020/1/11</a:t>
             </a:fld>
             <a:endParaRPr lang="zh-CN" altLang="en-US"/>
           </a:p>
@@ -9881,7 +10161,7 @@
           <a:p>
             <a:fld id="{B6B662BC-BFCE-4273-955A-28B15CD19EDC}" type="datetimeFigureOut">
               <a:rPr lang="zh-CN" altLang="en-US" smtClean="0"/>
-              <a:t>2019/12/31</a:t>
+              <a:t>2020/1/11</a:t>
             </a:fld>
             <a:endParaRPr lang="zh-CN" altLang="en-US"/>
           </a:p>
@@ -10163,7 +10443,7 @@
           <a:p>
             <a:fld id="{B6B662BC-BFCE-4273-955A-28B15CD19EDC}" type="datetimeFigureOut">
               <a:rPr lang="zh-CN" altLang="en-US" smtClean="0"/>
-              <a:t>2019/12/31</a:t>
+              <a:t>2020/1/11</a:t>
             </a:fld>
             <a:endParaRPr lang="zh-CN" altLang="en-US"/>
           </a:p>
@@ -10422,7 +10702,7 @@
           <a:p>
             <a:fld id="{B6B662BC-BFCE-4273-955A-28B15CD19EDC}" type="datetimeFigureOut">
               <a:rPr lang="zh-CN" altLang="en-US" smtClean="0"/>
-              <a:t>2019/12/31</a:t>
+              <a:t>2020/1/11</a:t>
             </a:fld>
             <a:endParaRPr lang="zh-CN" altLang="en-US"/>
           </a:p>
@@ -10597,7 +10877,7 @@
           <a:p>
             <a:fld id="{B6B662BC-BFCE-4273-955A-28B15CD19EDC}" type="datetimeFigureOut">
               <a:rPr lang="zh-CN" altLang="en-US" smtClean="0"/>
-              <a:t>2019/12/31</a:t>
+              <a:t>2020/1/11</a:t>
             </a:fld>
             <a:endParaRPr lang="zh-CN" altLang="en-US"/>
           </a:p>
@@ -10849,7 +11129,7 @@
           <a:p>
             <a:fld id="{B6B662BC-BFCE-4273-955A-28B15CD19EDC}" type="datetimeFigureOut">
               <a:rPr lang="zh-CN" altLang="en-US" smtClean="0"/>
-              <a:t>2019/12/31</a:t>
+              <a:t>2020/1/11</a:t>
             </a:fld>
             <a:endParaRPr lang="zh-CN" altLang="en-US"/>
           </a:p>
@@ -11034,7 +11314,7 @@
           <a:p>
             <a:fld id="{B6B662BC-BFCE-4273-955A-28B15CD19EDC}" type="datetimeFigureOut">
               <a:rPr lang="zh-CN" altLang="en-US" smtClean="0"/>
-              <a:t>2019/12/31</a:t>
+              <a:t>2020/1/11</a:t>
             </a:fld>
             <a:endParaRPr lang="zh-CN" altLang="en-US"/>
           </a:p>
@@ -11270,7 +11550,7 @@
           <a:p>
             <a:fld id="{B6B662BC-BFCE-4273-955A-28B15CD19EDC}" type="datetimeFigureOut">
               <a:rPr lang="zh-CN" altLang="en-US" smtClean="0"/>
-              <a:t>2019/12/31</a:t>
+              <a:t>2020/1/11</a:t>
             </a:fld>
             <a:endParaRPr lang="zh-CN" altLang="en-US"/>
           </a:p>
@@ -11641,7 +11921,7 @@
           <a:p>
             <a:fld id="{B6B662BC-BFCE-4273-955A-28B15CD19EDC}" type="datetimeFigureOut">
               <a:rPr lang="zh-CN" altLang="en-US" smtClean="0"/>
-              <a:t>2019/12/31</a:t>
+              <a:t>2020/1/11</a:t>
             </a:fld>
             <a:endParaRPr lang="zh-CN" altLang="en-US"/>
           </a:p>
@@ -11765,7 +12045,7 @@
           <a:p>
             <a:fld id="{B6B662BC-BFCE-4273-955A-28B15CD19EDC}" type="datetimeFigureOut">
               <a:rPr lang="zh-CN" altLang="en-US" smtClean="0"/>
-              <a:t>2019/12/31</a:t>
+              <a:t>2020/1/11</a:t>
             </a:fld>
             <a:endParaRPr lang="zh-CN" altLang="en-US"/>
           </a:p>
@@ -11867,7 +12147,7 @@
           <a:p>
             <a:fld id="{B6B662BC-BFCE-4273-955A-28B15CD19EDC}" type="datetimeFigureOut">
               <a:rPr lang="zh-CN" altLang="en-US" smtClean="0"/>
-              <a:t>2019/12/31</a:t>
+              <a:t>2020/1/11</a:t>
             </a:fld>
             <a:endParaRPr lang="zh-CN" altLang="en-US"/>
           </a:p>
@@ -12149,7 +12429,7 @@
           <a:p>
             <a:fld id="{B6B662BC-BFCE-4273-955A-28B15CD19EDC}" type="datetimeFigureOut">
               <a:rPr lang="zh-CN" altLang="en-US" smtClean="0"/>
-              <a:t>2019/12/31</a:t>
+              <a:t>2020/1/11</a:t>
             </a:fld>
             <a:endParaRPr lang="zh-CN" altLang="en-US"/>
           </a:p>
@@ -12408,7 +12688,7 @@
           <a:p>
             <a:fld id="{B6B662BC-BFCE-4273-955A-28B15CD19EDC}" type="datetimeFigureOut">
               <a:rPr lang="zh-CN" altLang="en-US" smtClean="0"/>
-              <a:t>2019/12/31</a:t>
+              <a:t>2020/1/11</a:t>
             </a:fld>
             <a:endParaRPr lang="zh-CN" altLang="en-US"/>
           </a:p>
@@ -12626,7 +12906,7 @@
           <a:p>
             <a:fld id="{B6B662BC-BFCE-4273-955A-28B15CD19EDC}" type="datetimeFigureOut">
               <a:rPr lang="zh-CN" altLang="en-US" smtClean="0"/>
-              <a:t>2019/12/31</a:t>
+              <a:t>2020/1/11</a:t>
             </a:fld>
             <a:endParaRPr lang="zh-CN" altLang="en-US"/>
           </a:p>
@@ -13504,7 +13784,7 @@
           <a:p>
             <a:fld id="{B6B662BC-BFCE-4273-955A-28B15CD19EDC}" type="datetimeFigureOut">
               <a:rPr lang="zh-CN" altLang="en-US" smtClean="0"/>
-              <a:t>2019/12/31</a:t>
+              <a:t>2020/1/11</a:t>
             </a:fld>
             <a:endParaRPr lang="zh-CN" altLang="en-US"/>
           </a:p>
@@ -19548,6 +19828,417 @@
           <a:lstStyle/>
           <a:p>
             <a:pPr algn="ctr"/>
+            <a:endParaRPr lang="zh-CN" altLang="en-US"/>
+          </a:p>
+        </p:txBody>
+      </p:sp>
+      <p:sp>
+        <p:nvSpPr>
+          <p:cNvPr id="5" name="图文框 4"/>
+          <p:cNvSpPr/>
+          <p:nvPr/>
+        </p:nvSpPr>
+        <p:spPr>
+          <a:xfrm>
+            <a:off x="353931" y="342821"/>
+            <a:ext cx="11479731" cy="6172357"/>
+          </a:xfrm>
+          <a:prstGeom prst="frame">
+            <a:avLst>
+              <a:gd name="adj1" fmla="val 772"/>
+            </a:avLst>
+          </a:prstGeom>
+          <a:gradFill flip="none" rotWithShape="1">
+            <a:gsLst>
+              <a:gs pos="0">
+                <a:srgbClr val="FEF19F"/>
+              </a:gs>
+              <a:gs pos="100000">
+                <a:srgbClr val="FEF19F"/>
+              </a:gs>
+              <a:gs pos="50000">
+                <a:srgbClr val="937F3C"/>
+              </a:gs>
+            </a:gsLst>
+            <a:lin ang="0" scaled="1"/>
+            <a:tileRect/>
+          </a:gradFill>
+          <a:ln>
+            <a:noFill/>
+          </a:ln>
+          <a:effectLst>
+            <a:outerShdw blurRad="101600" algn="ctr" rotWithShape="0">
+              <a:prstClr val="black">
+                <a:alpha val="42000"/>
+              </a:prstClr>
+            </a:outerShdw>
+          </a:effectLst>
+        </p:spPr>
+        <p:style>
+          <a:lnRef idx="2">
+            <a:schemeClr val="accent1">
+              <a:shade val="50000"/>
+            </a:schemeClr>
+          </a:lnRef>
+          <a:fillRef idx="1">
+            <a:schemeClr val="accent1"/>
+          </a:fillRef>
+          <a:effectRef idx="0">
+            <a:schemeClr val="accent1"/>
+          </a:effectRef>
+          <a:fontRef idx="minor">
+            <a:schemeClr val="lt1"/>
+          </a:fontRef>
+        </p:style>
+        <p:txBody>
+          <a:bodyPr rtlCol="0" anchor="ctr"/>
+          <a:lstStyle/>
+          <a:p>
+            <a:pPr algn="ctr"/>
+            <a:endParaRPr lang="zh-CN" altLang="en-US">
+              <a:solidFill>
+                <a:schemeClr val="tx1"/>
+              </a:solidFill>
+            </a:endParaRPr>
+          </a:p>
+        </p:txBody>
+      </p:sp>
+      <p:pic>
+        <p:nvPicPr>
+          <p:cNvPr id="6" name="图片 5"/>
+          <p:cNvPicPr>
+            <a:picLocks noChangeAspect="1"/>
+          </p:cNvPicPr>
+          <p:nvPr/>
+        </p:nvPicPr>
+        <p:blipFill>
+          <a:blip r:embed="rId3">
+            <a:extLst>
+              <a:ext uri="{28A0092B-C50C-407E-A947-70E740481C1C}">
+                <a14:useLocalDpi xmlns:a14="http://schemas.microsoft.com/office/drawing/2010/main" val="0"/>
+              </a:ext>
+            </a:extLst>
+          </a:blip>
+          <a:stretch>
+            <a:fillRect/>
+          </a:stretch>
+        </p:blipFill>
+        <p:spPr>
+          <a:xfrm rot="20818854" flipH="1">
+            <a:off x="-661462" y="1493265"/>
+            <a:ext cx="4661673" cy="5076307"/>
+          </a:xfrm>
+          <a:prstGeom prst="rect">
+            <a:avLst/>
+          </a:prstGeom>
+        </p:spPr>
+      </p:pic>
+      <p:pic>
+        <p:nvPicPr>
+          <p:cNvPr id="3" name="图片 2"/>
+          <p:cNvPicPr>
+            <a:picLocks noChangeAspect="1"/>
+          </p:cNvPicPr>
+          <p:nvPr/>
+        </p:nvPicPr>
+        <p:blipFill>
+          <a:blip r:embed="rId4">
+            <a:extLst>
+              <a:ext uri="{28A0092B-C50C-407E-A947-70E740481C1C}">
+                <a14:useLocalDpi xmlns:a14="http://schemas.microsoft.com/office/drawing/2010/main" val="0"/>
+              </a:ext>
+            </a:extLst>
+          </a:blip>
+          <a:stretch>
+            <a:fillRect/>
+          </a:stretch>
+        </p:blipFill>
+        <p:spPr>
+          <a:xfrm>
+            <a:off x="7477236" y="803282"/>
+            <a:ext cx="3963030" cy="5711896"/>
+          </a:xfrm>
+          <a:prstGeom prst="rect">
+            <a:avLst/>
+          </a:prstGeom>
+        </p:spPr>
+      </p:pic>
+      <p:sp>
+        <p:nvSpPr>
+          <p:cNvPr id="2" name="文字方塊 1"/>
+          <p:cNvSpPr txBox="1"/>
+          <p:nvPr/>
+        </p:nvSpPr>
+        <p:spPr>
+          <a:xfrm>
+            <a:off x="3613355" y="1194619"/>
+            <a:ext cx="4011561" cy="523220"/>
+          </a:xfrm>
+          <a:prstGeom prst="rect">
+            <a:avLst/>
+          </a:prstGeom>
+          <a:noFill/>
+        </p:spPr>
+        <p:txBody>
+          <a:bodyPr wrap="square" rtlCol="0">
+            <a:spAutoFit/>
+          </a:bodyPr>
+          <a:lstStyle/>
+          <a:p>
+            <a:r>
+              <a:rPr lang="zh-TW" altLang="en-US" sz="2800" b="1" dirty="0" smtClean="0">
+                <a:solidFill>
+                  <a:schemeClr val="tx1">
+                    <a:lumMod val="95000"/>
+                    <a:lumOff val="5000"/>
+                  </a:schemeClr>
+                </a:solidFill>
+                <a:ea typeface="方正字迹-子实行楷简体" panose="02000000000000000000" pitchFamily="2" charset="-122"/>
+                <a:cs typeface="+mn-lt"/>
+              </a:rPr>
+              <a:t>通關提示</a:t>
+            </a:r>
+            <a:endParaRPr lang="zh-TW" altLang="en-US" sz="2800" b="1" dirty="0">
+              <a:solidFill>
+                <a:schemeClr val="tx1">
+                  <a:lumMod val="95000"/>
+                  <a:lumOff val="5000"/>
+                </a:schemeClr>
+              </a:solidFill>
+              <a:ea typeface="方正字迹-子实行楷简体" panose="02000000000000000000" pitchFamily="2" charset="-122"/>
+              <a:cs typeface="+mn-lt"/>
+            </a:endParaRPr>
+          </a:p>
+        </p:txBody>
+      </p:sp>
+      <p:sp>
+        <p:nvSpPr>
+          <p:cNvPr id="7" name="文字方塊 6"/>
+          <p:cNvSpPr txBox="1"/>
+          <p:nvPr/>
+        </p:nvSpPr>
+        <p:spPr>
+          <a:xfrm>
+            <a:off x="2765702" y="2777680"/>
+            <a:ext cx="5848241" cy="2677656"/>
+          </a:xfrm>
+          <a:prstGeom prst="rect">
+            <a:avLst/>
+          </a:prstGeom>
+          <a:noFill/>
+        </p:spPr>
+        <p:txBody>
+          <a:bodyPr wrap="square" rtlCol="0">
+            <a:spAutoFit/>
+          </a:bodyPr>
+          <a:lstStyle/>
+          <a:p>
+            <a:pPr marL="342900" indent="-342900">
+              <a:buFont typeface="Arial" panose="020B0604020202020204" pitchFamily="34" charset="0"/>
+              <a:buChar char="•"/>
+            </a:pPr>
+            <a:r>
+              <a:rPr lang="zh-TW" altLang="en-US" sz="2400" dirty="0" smtClean="0"/>
+              <a:t>一樓：飲料販賣機</a:t>
+            </a:r>
+            <a:r>
+              <a:rPr lang="en-US" altLang="zh-TW" sz="2400" dirty="0" smtClean="0"/>
+              <a:t>(</a:t>
+            </a:r>
+            <a:r>
+              <a:rPr lang="zh-TW" altLang="en-US" sz="2400" dirty="0" smtClean="0"/>
+              <a:t>需要先撿取地上的紙和牆上教室代碼的表</a:t>
+            </a:r>
+            <a:r>
+              <a:rPr lang="en-US" altLang="zh-TW" sz="2400" dirty="0" smtClean="0"/>
+              <a:t>)</a:t>
+            </a:r>
+            <a:r>
+              <a:rPr lang="zh-TW" altLang="en-US" sz="2400" dirty="0" smtClean="0"/>
+              <a:t>，答案是：</a:t>
+            </a:r>
+            <a:r>
+              <a:rPr lang="en-US" altLang="zh-TW" sz="2400" dirty="0" smtClean="0"/>
+              <a:t>iMac(</a:t>
+            </a:r>
+            <a:r>
+              <a:rPr lang="zh-TW" altLang="en-US" sz="2400" dirty="0" smtClean="0"/>
+              <a:t>大小寫需相同</a:t>
+            </a:r>
+            <a:r>
+              <a:rPr lang="en-US" altLang="zh-TW" sz="2400" dirty="0" smtClean="0"/>
+              <a:t>)</a:t>
+            </a:r>
+          </a:p>
+          <a:p>
+            <a:pPr marL="342900" indent="-342900">
+              <a:buFont typeface="Arial" panose="020B0604020202020204" pitchFamily="34" charset="0"/>
+              <a:buChar char="•"/>
+            </a:pPr>
+            <a:r>
+              <a:rPr lang="zh-TW" altLang="en-US" sz="2400" dirty="0" smtClean="0"/>
+              <a:t>二樓：</a:t>
+            </a:r>
+            <a:r>
+              <a:rPr lang="en-US" altLang="zh-TW" sz="2400" dirty="0" smtClean="0"/>
+              <a:t>205</a:t>
+            </a:r>
+            <a:r>
+              <a:rPr lang="zh-TW" altLang="en-US" sz="2400" dirty="0" smtClean="0"/>
+              <a:t>教室，錯誤程式碼為第</a:t>
+            </a:r>
+            <a:r>
+              <a:rPr lang="en-US" altLang="zh-TW" sz="2400" dirty="0" smtClean="0"/>
+              <a:t>13</a:t>
+            </a:r>
+            <a:r>
+              <a:rPr lang="zh-TW" altLang="en-US" sz="2400" dirty="0" smtClean="0"/>
+              <a:t>行，正確答案為</a:t>
+            </a:r>
+            <a:r>
+              <a:rPr lang="en-US" altLang="zh-TW" sz="2400" dirty="0"/>
+              <a:t>“</a:t>
+            </a:r>
+            <a:r>
+              <a:rPr lang="en-US" altLang="zh-TW" sz="2400" dirty="0" err="1"/>
+              <a:t>arr</a:t>
+            </a:r>
+            <a:r>
+              <a:rPr lang="en-US" altLang="zh-TW" sz="2400" dirty="0"/>
+              <a:t>[j]=</a:t>
+            </a:r>
+            <a:r>
+              <a:rPr lang="en-US" altLang="zh-TW" sz="2400" dirty="0" err="1"/>
+              <a:t>arr</a:t>
+            </a:r>
+            <a:r>
+              <a:rPr lang="en-US" altLang="zh-TW" sz="2400" dirty="0"/>
+              <a:t>[</a:t>
+            </a:r>
+            <a:r>
+              <a:rPr lang="en-US" altLang="zh-TW" sz="2400" dirty="0" err="1"/>
+              <a:t>i</a:t>
+            </a:r>
+            <a:r>
+              <a:rPr lang="en-US" altLang="zh-TW" sz="2400" dirty="0" smtClean="0"/>
+              <a:t>];”</a:t>
+            </a:r>
+            <a:endParaRPr lang="en-US" altLang="zh-TW" sz="2400" dirty="0"/>
+          </a:p>
+          <a:p>
+            <a:pPr marL="342900" indent="-342900">
+              <a:buFont typeface="Arial" panose="020B0604020202020204" pitchFamily="34" charset="0"/>
+              <a:buChar char="•"/>
+            </a:pPr>
+            <a:r>
+              <a:rPr lang="zh-TW" altLang="en-US" sz="2400" dirty="0"/>
+              <a:t>三樓：右側走道走到底有販賣</a:t>
+            </a:r>
+            <a:r>
+              <a:rPr lang="zh-TW" altLang="en-US" sz="2400" dirty="0" smtClean="0"/>
+              <a:t>機</a:t>
+            </a:r>
+            <a:endParaRPr lang="en-US" altLang="zh-TW" sz="2400" dirty="0" smtClean="0"/>
+          </a:p>
+          <a:p>
+            <a:pPr marL="342900" indent="-342900">
+              <a:buFont typeface="Arial" panose="020B0604020202020204" pitchFamily="34" charset="0"/>
+              <a:buChar char="•"/>
+            </a:pPr>
+            <a:r>
+              <a:rPr lang="zh-TW" altLang="en-US" sz="2400" dirty="0" smtClean="0"/>
+              <a:t>四樓：左側走道上的桌上有錢幣</a:t>
+            </a:r>
+            <a:endParaRPr lang="zh-TW" altLang="en-US" sz="2400" dirty="0"/>
+          </a:p>
+        </p:txBody>
+      </p:sp>
+    </p:spTree>
+    <p:extLst>
+      <p:ext uri="{BB962C8B-B14F-4D97-AF65-F5344CB8AC3E}">
+        <p14:creationId xmlns:p14="http://schemas.microsoft.com/office/powerpoint/2010/main" val="1903404495"/>
+      </p:ext>
+    </p:extLst>
+  </p:cSld>
+  <p:clrMapOvr>
+    <a:masterClrMapping/>
+  </p:clrMapOvr>
+  <mc:AlternateContent xmlns:mc="http://schemas.openxmlformats.org/markup-compatibility/2006" xmlns:p14="http://schemas.microsoft.com/office/powerpoint/2010/main">
+    <mc:Choice Requires="p14">
+      <p:transition spd="med" p14:dur="700">
+        <p:fade/>
+      </p:transition>
+    </mc:Choice>
+    <mc:Fallback xmlns="">
+      <p:transition spd="med">
+        <p:fade/>
+      </p:transition>
+    </mc:Fallback>
+  </mc:AlternateContent>
+</p:sld>
+</file>
+
+<file path=ppt/slides/slide12.xml><?xml version="1.0" encoding="utf-8"?>
+<p:sld xmlns:a="http://schemas.openxmlformats.org/drawingml/2006/main" xmlns:r="http://schemas.openxmlformats.org/officeDocument/2006/relationships" xmlns:p="http://schemas.openxmlformats.org/presentationml/2006/main">
+  <p:cSld>
+    <p:spTree>
+      <p:nvGrpSpPr>
+        <p:cNvPr id="1" name=""/>
+        <p:cNvGrpSpPr/>
+        <p:nvPr/>
+      </p:nvGrpSpPr>
+      <p:grpSpPr>
+        <a:xfrm>
+          <a:off x="0" y="0"/>
+          <a:ext cx="0" cy="0"/>
+          <a:chOff x="0" y="0"/>
+          <a:chExt cx="0" cy="0"/>
+        </a:xfrm>
+      </p:grpSpPr>
+      <p:sp>
+        <p:nvSpPr>
+          <p:cNvPr id="4" name="矩形 3"/>
+          <p:cNvSpPr/>
+          <p:nvPr/>
+        </p:nvSpPr>
+        <p:spPr>
+          <a:xfrm>
+            <a:off x="4408" y="0"/>
+            <a:ext cx="12187592" cy="6930977"/>
+          </a:xfrm>
+          <a:prstGeom prst="rect">
+            <a:avLst/>
+          </a:prstGeom>
+          <a:solidFill>
+            <a:schemeClr val="bg1">
+              <a:lumMod val="95000"/>
+            </a:schemeClr>
+          </a:solidFill>
+          <a:ln>
+            <a:noFill/>
+          </a:ln>
+        </p:spPr>
+        <p:style>
+          <a:lnRef idx="2">
+            <a:schemeClr val="accent1">
+              <a:shade val="50000"/>
+            </a:schemeClr>
+          </a:lnRef>
+          <a:fillRef idx="1">
+            <a:schemeClr val="accent1"/>
+          </a:fillRef>
+          <a:effectRef idx="0">
+            <a:schemeClr val="accent1"/>
+          </a:effectRef>
+          <a:fontRef idx="minor">
+            <a:schemeClr val="lt1"/>
+          </a:fontRef>
+        </p:style>
+        <p:txBody>
+          <a:bodyPr rtlCol="0" anchor="ctr"/>
+          <a:lstStyle/>
+          <a:p>
+            <a:pPr algn="ctr"/>
             <a:endParaRPr lang="zh-CN" altLang="en-US" dirty="0"/>
           </a:p>
         </p:txBody>
@@ -20472,7 +21163,7 @@
 </p:sld>
 </file>
 
-<file path=ppt/slides/slide12.xml><?xml version="1.0" encoding="utf-8"?>
+<file path=ppt/slides/slide13.xml><?xml version="1.0" encoding="utf-8"?>
 <p:sld xmlns:a="http://schemas.openxmlformats.org/drawingml/2006/main" xmlns:r="http://schemas.openxmlformats.org/officeDocument/2006/relationships" xmlns:p="http://schemas.openxmlformats.org/presentationml/2006/main">
   <p:cSld>
     <p:spTree>
